--- a/Agile_Softwareentwicklung_Automotive_PGPE_rico.pptx
+++ b/Agile_Softwareentwicklung_Automotive_PGPE_rico.pptx
@@ -36004,8 +36004,16 @@
           <a:lstStyle/>
           <a:p>
             <a:r>
-              <a:rPr lang="de-DE"/>
-              <a:t>|  </a:t>
+              <a:rPr lang="de-DE" dirty="0"/>
+              <a:t>[</a:t>
+            </a:r>
+            <a:r>
+              <a:rPr lang="de-DE" dirty="0" err="1"/>
+              <a:t>Daberkow</a:t>
+            </a:r>
+            <a:r>
+              <a:rPr lang="de-DE" dirty="0"/>
+              <a:t>, 2022]|  </a:t>
             </a:r>
             <a:fld id="{E6B5151A-17C4-4431-8407-112C0160A8B6}" type="slidenum">
               <a:rPr lang="de-DE" smtClean="0"/>
@@ -36067,8 +36075,8 @@
         </p:blipFill>
         <p:spPr>
           <a:xfrm>
-            <a:off x="5734050" y="2371822"/>
-            <a:ext cx="5915025" cy="3230794"/>
+            <a:off x="6169809" y="1873959"/>
+            <a:ext cx="5427249" cy="2964370"/>
           </a:xfrm>
         </p:spPr>
       </p:pic>
@@ -36094,8 +36102,8 @@
         </p:blipFill>
         <p:spPr>
           <a:xfrm>
-            <a:off x="-485775" y="2809990"/>
-            <a:ext cx="3486153" cy="1743077"/>
+            <a:off x="-760983" y="1738510"/>
+            <a:ext cx="4992579" cy="2496290"/>
           </a:xfrm>
           <a:prstGeom prst="rect">
             <a:avLst/>
@@ -36124,44 +36132,790 @@
         </p:blipFill>
         <p:spPr>
           <a:xfrm>
-            <a:off x="1257301" y="2809988"/>
-            <a:ext cx="3486153" cy="1743077"/>
+            <a:off x="1718942" y="1762125"/>
+            <a:ext cx="4992579" cy="2496290"/>
           </a:xfrm>
           <a:prstGeom prst="rect">
             <a:avLst/>
           </a:prstGeom>
         </p:spPr>
       </p:pic>
-      <p:pic>
-        <p:nvPicPr>
-          <p:cNvPr id="11" name="Grafik 10">
+      <p:sp>
+        <p:nvSpPr>
+          <p:cNvPr id="6" name="Textfeld 5">
             <a:extLst>
               <a:ext uri="{FF2B5EF4-FFF2-40B4-BE49-F238E27FC236}">
-                <a16:creationId xmlns:a16="http://schemas.microsoft.com/office/drawing/2014/main" id="{72201CE4-DC99-F085-C327-A29FEF8C0BB4}"/>
+                <a16:creationId xmlns:a16="http://schemas.microsoft.com/office/drawing/2014/main" id="{111421DC-AE4C-49BC-7A4E-7A25693E85A4}"/>
               </a:ext>
             </a:extLst>
           </p:cNvPr>
-          <p:cNvPicPr>
-            <a:picLocks noChangeAspect="1"/>
-          </p:cNvPicPr>
+          <p:cNvSpPr txBox="1"/>
           <p:nvPr/>
-        </p:nvPicPr>
-        <p:blipFill>
-          <a:blip r:embed="rId3"/>
-          <a:stretch>
-            <a:fillRect/>
-          </a:stretch>
-        </p:blipFill>
+        </p:nvSpPr>
         <p:spPr>
           <a:xfrm>
-            <a:off x="3000377" y="2809986"/>
-            <a:ext cx="3486153" cy="1743077"/>
+            <a:off x="2385181" y="4838329"/>
+            <a:ext cx="1454244" cy="369332"/>
           </a:xfrm>
           <a:prstGeom prst="rect">
             <a:avLst/>
           </a:prstGeom>
+          <a:noFill/>
         </p:spPr>
-      </p:pic>
+        <p:txBody>
+          <a:bodyPr wrap="none" rtlCol="0">
+            <a:spAutoFit/>
+          </a:bodyPr>
+          <a:lstStyle/>
+          <a:p>
+            <a:r>
+              <a:rPr lang="de-DE" dirty="0"/>
+              <a:t>Abbildung x </a:t>
+            </a:r>
+          </a:p>
+        </p:txBody>
+      </p:sp>
+      <p:sp>
+        <p:nvSpPr>
+          <p:cNvPr id="7" name="Textfeld 6">
+            <a:extLst>
+              <a:ext uri="{FF2B5EF4-FFF2-40B4-BE49-F238E27FC236}">
+                <a16:creationId xmlns:a16="http://schemas.microsoft.com/office/drawing/2014/main" id="{30F16111-2129-71C1-3E0D-B33E3C7BEAB3}"/>
+              </a:ext>
+            </a:extLst>
+          </p:cNvPr>
+          <p:cNvSpPr txBox="1"/>
+          <p:nvPr/>
+        </p:nvSpPr>
+        <p:spPr>
+          <a:xfrm>
+            <a:off x="8429534" y="4653663"/>
+            <a:ext cx="1454244" cy="369332"/>
+          </a:xfrm>
+          <a:prstGeom prst="rect">
+            <a:avLst/>
+          </a:prstGeom>
+          <a:noFill/>
+        </p:spPr>
+        <p:txBody>
+          <a:bodyPr wrap="none" rtlCol="0">
+            <a:spAutoFit/>
+          </a:bodyPr>
+          <a:lstStyle/>
+          <a:p>
+            <a:r>
+              <a:rPr lang="de-DE" dirty="0"/>
+              <a:t>Abbildung x </a:t>
+            </a:r>
+          </a:p>
+        </p:txBody>
+      </p:sp>
+      <p:sp>
+        <p:nvSpPr>
+          <p:cNvPr id="12" name="Textfeld 11">
+            <a:extLst>
+              <a:ext uri="{FF2B5EF4-FFF2-40B4-BE49-F238E27FC236}">
+                <a16:creationId xmlns:a16="http://schemas.microsoft.com/office/drawing/2014/main" id="{FA2546AA-0C0A-90F3-69FF-86ECA8588D57}"/>
+              </a:ext>
+            </a:extLst>
+          </p:cNvPr>
+          <p:cNvSpPr txBox="1"/>
+          <p:nvPr/>
+        </p:nvSpPr>
+        <p:spPr>
+          <a:xfrm>
+            <a:off x="5265741" y="3081701"/>
+            <a:ext cx="1107996" cy="1200329"/>
+          </a:xfrm>
+          <a:prstGeom prst="rect">
+            <a:avLst/>
+          </a:prstGeom>
+          <a:noFill/>
+        </p:spPr>
+        <p:txBody>
+          <a:bodyPr wrap="none" rtlCol="0">
+            <a:spAutoFit/>
+          </a:bodyPr>
+          <a:lstStyle/>
+          <a:p>
+            <a:r>
+              <a:rPr lang="de-DE" sz="7200" b="1" dirty="0">
+                <a:solidFill>
+                  <a:srgbClr val="E50B7E"/>
+                </a:solidFill>
+              </a:rPr>
+              <a:t>…</a:t>
+            </a:r>
+            <a:endParaRPr lang="de-DE" b="1" dirty="0">
+              <a:solidFill>
+                <a:srgbClr val="E50B7E"/>
+              </a:solidFill>
+            </a:endParaRPr>
+          </a:p>
+        </p:txBody>
+      </p:sp>
+      <p:cxnSp>
+        <p:nvCxnSpPr>
+          <p:cNvPr id="14" name="Gerader Verbinder 13">
+            <a:extLst>
+              <a:ext uri="{FF2B5EF4-FFF2-40B4-BE49-F238E27FC236}">
+                <a16:creationId xmlns:a16="http://schemas.microsoft.com/office/drawing/2014/main" id="{9412B1E7-D061-353B-83FE-19150036F898}"/>
+              </a:ext>
+            </a:extLst>
+          </p:cNvPr>
+          <p:cNvCxnSpPr>
+            <a:cxnSpLocks/>
+          </p:cNvCxnSpPr>
+          <p:nvPr/>
+        </p:nvCxnSpPr>
+        <p:spPr>
+          <a:xfrm>
+            <a:off x="6303145" y="2016802"/>
+            <a:ext cx="0" cy="4311800"/>
+          </a:xfrm>
+          <a:prstGeom prst="line">
+            <a:avLst/>
+          </a:prstGeom>
+          <a:ln w="57150">
+            <a:solidFill>
+              <a:srgbClr val="002896"/>
+            </a:solidFill>
+          </a:ln>
+        </p:spPr>
+        <p:style>
+          <a:lnRef idx="1">
+            <a:schemeClr val="accent1"/>
+          </a:lnRef>
+          <a:fillRef idx="0">
+            <a:schemeClr val="accent1"/>
+          </a:fillRef>
+          <a:effectRef idx="0">
+            <a:schemeClr val="accent1"/>
+          </a:effectRef>
+          <a:fontRef idx="minor">
+            <a:schemeClr val="tx1"/>
+          </a:fontRef>
+        </p:style>
+      </p:cxnSp>
+      <p:sp>
+        <p:nvSpPr>
+          <p:cNvPr id="17" name="Pfeil: Chevron 16">
+            <a:extLst>
+              <a:ext uri="{FF2B5EF4-FFF2-40B4-BE49-F238E27FC236}">
+                <a16:creationId xmlns:a16="http://schemas.microsoft.com/office/drawing/2014/main" id="{FEC611EC-0E8E-1BCA-60B1-657D06B8817E}"/>
+              </a:ext>
+            </a:extLst>
+          </p:cNvPr>
+          <p:cNvSpPr/>
+          <p:nvPr/>
+        </p:nvSpPr>
+        <p:spPr>
+          <a:xfrm>
+            <a:off x="542243" y="4168749"/>
+            <a:ext cx="5627565" cy="669580"/>
+          </a:xfrm>
+          <a:prstGeom prst="chevron">
+            <a:avLst/>
+          </a:prstGeom>
+          <a:noFill/>
+          <a:ln w="38100">
+            <a:solidFill>
+              <a:srgbClr val="002896"/>
+            </a:solidFill>
+          </a:ln>
+        </p:spPr>
+        <p:style>
+          <a:lnRef idx="2">
+            <a:schemeClr val="accent1">
+              <a:shade val="50000"/>
+            </a:schemeClr>
+          </a:lnRef>
+          <a:fillRef idx="1">
+            <a:schemeClr val="accent1"/>
+          </a:fillRef>
+          <a:effectRef idx="0">
+            <a:schemeClr val="accent1"/>
+          </a:effectRef>
+          <a:fontRef idx="minor">
+            <a:schemeClr val="lt1"/>
+          </a:fontRef>
+        </p:style>
+        <p:txBody>
+          <a:bodyPr rtlCol="0" anchor="ctr"/>
+          <a:lstStyle/>
+          <a:p>
+            <a:pPr algn="ctr"/>
+            <a:endParaRPr lang="de-DE">
+              <a:solidFill>
+                <a:schemeClr val="tx1"/>
+              </a:solidFill>
+            </a:endParaRPr>
+          </a:p>
+        </p:txBody>
+      </p:sp>
+      <p:sp>
+        <p:nvSpPr>
+          <p:cNvPr id="18" name="Textfeld 17">
+            <a:extLst>
+              <a:ext uri="{FF2B5EF4-FFF2-40B4-BE49-F238E27FC236}">
+                <a16:creationId xmlns:a16="http://schemas.microsoft.com/office/drawing/2014/main" id="{BEBCBDBF-A1BD-CBE7-61EB-824D5224F5E3}"/>
+              </a:ext>
+            </a:extLst>
+          </p:cNvPr>
+          <p:cNvSpPr txBox="1"/>
+          <p:nvPr/>
+        </p:nvSpPr>
+        <p:spPr>
+          <a:xfrm>
+            <a:off x="2013712" y="4098374"/>
+            <a:ext cx="3044423" cy="369332"/>
+          </a:xfrm>
+          <a:prstGeom prst="rect">
+            <a:avLst/>
+          </a:prstGeom>
+          <a:noFill/>
+        </p:spPr>
+        <p:txBody>
+          <a:bodyPr wrap="none" rtlCol="0">
+            <a:spAutoFit/>
+          </a:bodyPr>
+          <a:lstStyle/>
+          <a:p>
+            <a:r>
+              <a:rPr lang="de-DE" dirty="0">
+                <a:solidFill>
+                  <a:srgbClr val="000000"/>
+                </a:solidFill>
+              </a:rPr>
+              <a:t>Produktentstehungsprozess</a:t>
+            </a:r>
+          </a:p>
+        </p:txBody>
+      </p:sp>
+      <p:sp>
+        <p:nvSpPr>
+          <p:cNvPr id="19" name="Textfeld 18">
+            <a:extLst>
+              <a:ext uri="{FF2B5EF4-FFF2-40B4-BE49-F238E27FC236}">
+                <a16:creationId xmlns:a16="http://schemas.microsoft.com/office/drawing/2014/main" id="{0C14B4DA-05B4-679E-B2D3-73F1DB573A91}"/>
+              </a:ext>
+            </a:extLst>
+          </p:cNvPr>
+          <p:cNvSpPr txBox="1"/>
+          <p:nvPr/>
+        </p:nvSpPr>
+        <p:spPr>
+          <a:xfrm>
+            <a:off x="594942" y="4607957"/>
+            <a:ext cx="1458417" cy="276999"/>
+          </a:xfrm>
+          <a:prstGeom prst="rect">
+            <a:avLst/>
+          </a:prstGeom>
+          <a:noFill/>
+        </p:spPr>
+        <p:txBody>
+          <a:bodyPr wrap="square" rtlCol="0">
+            <a:spAutoFit/>
+          </a:bodyPr>
+          <a:lstStyle/>
+          <a:p>
+            <a:r>
+              <a:rPr lang="de-DE" sz="1200" dirty="0">
+                <a:solidFill>
+                  <a:srgbClr val="02A19F"/>
+                </a:solidFill>
+              </a:rPr>
+              <a:t>Definitionsphase</a:t>
+            </a:r>
+          </a:p>
+        </p:txBody>
+      </p:sp>
+      <p:sp>
+        <p:nvSpPr>
+          <p:cNvPr id="20" name="Textfeld 19">
+            <a:extLst>
+              <a:ext uri="{FF2B5EF4-FFF2-40B4-BE49-F238E27FC236}">
+                <a16:creationId xmlns:a16="http://schemas.microsoft.com/office/drawing/2014/main" id="{8359ACFE-A62C-BEF1-0454-9C4FE5C93F85}"/>
+              </a:ext>
+            </a:extLst>
+          </p:cNvPr>
+          <p:cNvSpPr txBox="1"/>
+          <p:nvPr/>
+        </p:nvSpPr>
+        <p:spPr>
+          <a:xfrm>
+            <a:off x="2964417" y="4607956"/>
+            <a:ext cx="1458417" cy="276999"/>
+          </a:xfrm>
+          <a:prstGeom prst="rect">
+            <a:avLst/>
+          </a:prstGeom>
+          <a:noFill/>
+        </p:spPr>
+        <p:txBody>
+          <a:bodyPr wrap="square" rtlCol="0">
+            <a:spAutoFit/>
+          </a:bodyPr>
+          <a:lstStyle/>
+          <a:p>
+            <a:r>
+              <a:rPr lang="de-DE" sz="1200" dirty="0">
+                <a:solidFill>
+                  <a:srgbClr val="02A19F"/>
+                </a:solidFill>
+              </a:rPr>
+              <a:t>Definitionsphase</a:t>
+            </a:r>
+          </a:p>
+        </p:txBody>
+      </p:sp>
+      <p:sp>
+        <p:nvSpPr>
+          <p:cNvPr id="21" name="Textfeld 20">
+            <a:extLst>
+              <a:ext uri="{FF2B5EF4-FFF2-40B4-BE49-F238E27FC236}">
+                <a16:creationId xmlns:a16="http://schemas.microsoft.com/office/drawing/2014/main" id="{15CC65F9-F333-12A2-E558-8121E487C351}"/>
+              </a:ext>
+            </a:extLst>
+          </p:cNvPr>
+          <p:cNvSpPr txBox="1"/>
+          <p:nvPr/>
+        </p:nvSpPr>
+        <p:spPr>
+          <a:xfrm>
+            <a:off x="960166" y="4467706"/>
+            <a:ext cx="1540948" cy="276999"/>
+          </a:xfrm>
+          <a:prstGeom prst="rect">
+            <a:avLst/>
+          </a:prstGeom>
+          <a:noFill/>
+        </p:spPr>
+        <p:txBody>
+          <a:bodyPr wrap="square" rtlCol="0">
+            <a:spAutoFit/>
+          </a:bodyPr>
+          <a:lstStyle/>
+          <a:p>
+            <a:r>
+              <a:rPr lang="de-DE" sz="1200" dirty="0">
+                <a:solidFill>
+                  <a:srgbClr val="009FE3"/>
+                </a:solidFill>
+              </a:rPr>
+              <a:t>Rea</a:t>
+            </a:r>
+            <a:r>
+              <a:rPr lang="de-DE" sz="1200" dirty="0">
+                <a:solidFill>
+                  <a:srgbClr val="336699"/>
+                </a:solidFill>
+              </a:rPr>
+              <a:t>lisier</a:t>
+            </a:r>
+            <a:r>
+              <a:rPr lang="de-DE" sz="1200" dirty="0">
+                <a:solidFill>
+                  <a:srgbClr val="593E6B"/>
+                </a:solidFill>
+              </a:rPr>
+              <a:t>ungs</a:t>
+            </a:r>
+            <a:r>
+              <a:rPr lang="de-DE" sz="1200" dirty="0">
+                <a:solidFill>
+                  <a:srgbClr val="B11362"/>
+                </a:solidFill>
+              </a:rPr>
+              <a:t>pha</a:t>
+            </a:r>
+            <a:r>
+              <a:rPr lang="de-DE" sz="1200" dirty="0">
+                <a:solidFill>
+                  <a:srgbClr val="E50B7E"/>
+                </a:solidFill>
+              </a:rPr>
+              <a:t>se</a:t>
+            </a:r>
+          </a:p>
+        </p:txBody>
+      </p:sp>
+      <p:sp>
+        <p:nvSpPr>
+          <p:cNvPr id="22" name="Textfeld 21">
+            <a:extLst>
+              <a:ext uri="{FF2B5EF4-FFF2-40B4-BE49-F238E27FC236}">
+                <a16:creationId xmlns:a16="http://schemas.microsoft.com/office/drawing/2014/main" id="{E57F43FE-4E2C-A062-C281-D675F55E5660}"/>
+              </a:ext>
+            </a:extLst>
+          </p:cNvPr>
+          <p:cNvSpPr txBox="1"/>
+          <p:nvPr/>
+        </p:nvSpPr>
+        <p:spPr>
+          <a:xfrm>
+            <a:off x="3461122" y="4447378"/>
+            <a:ext cx="1540948" cy="276999"/>
+          </a:xfrm>
+          <a:prstGeom prst="rect">
+            <a:avLst/>
+          </a:prstGeom>
+          <a:noFill/>
+        </p:spPr>
+        <p:txBody>
+          <a:bodyPr wrap="square" rtlCol="0">
+            <a:spAutoFit/>
+          </a:bodyPr>
+          <a:lstStyle/>
+          <a:p>
+            <a:r>
+              <a:rPr lang="de-DE" sz="1200" dirty="0">
+                <a:solidFill>
+                  <a:srgbClr val="009FE3"/>
+                </a:solidFill>
+              </a:rPr>
+              <a:t>Rea</a:t>
+            </a:r>
+            <a:r>
+              <a:rPr lang="de-DE" sz="1200" dirty="0">
+                <a:solidFill>
+                  <a:srgbClr val="336699"/>
+                </a:solidFill>
+              </a:rPr>
+              <a:t>lisier</a:t>
+            </a:r>
+            <a:r>
+              <a:rPr lang="de-DE" sz="1200" dirty="0">
+                <a:solidFill>
+                  <a:srgbClr val="593E6B"/>
+                </a:solidFill>
+              </a:rPr>
+              <a:t>ungs</a:t>
+            </a:r>
+            <a:r>
+              <a:rPr lang="de-DE" sz="1200" dirty="0">
+                <a:solidFill>
+                  <a:srgbClr val="B11362"/>
+                </a:solidFill>
+              </a:rPr>
+              <a:t>pha</a:t>
+            </a:r>
+            <a:r>
+              <a:rPr lang="de-DE" sz="1200" dirty="0">
+                <a:solidFill>
+                  <a:srgbClr val="E50B7E"/>
+                </a:solidFill>
+              </a:rPr>
+              <a:t>se</a:t>
+            </a:r>
+          </a:p>
+        </p:txBody>
+      </p:sp>
+      <p:cxnSp>
+        <p:nvCxnSpPr>
+          <p:cNvPr id="24" name="Gerader Verbinder 23">
+            <a:extLst>
+              <a:ext uri="{FF2B5EF4-FFF2-40B4-BE49-F238E27FC236}">
+                <a16:creationId xmlns:a16="http://schemas.microsoft.com/office/drawing/2014/main" id="{81F53593-54A0-7C63-0606-88B7C5E76C79}"/>
+              </a:ext>
+            </a:extLst>
+          </p:cNvPr>
+          <p:cNvCxnSpPr>
+            <a:cxnSpLocks/>
+            <a:endCxn id="17" idx="3"/>
+          </p:cNvCxnSpPr>
+          <p:nvPr/>
+        </p:nvCxnSpPr>
+        <p:spPr>
+          <a:xfrm>
+            <a:off x="876891" y="4503539"/>
+            <a:ext cx="5292917" cy="0"/>
+          </a:xfrm>
+          <a:prstGeom prst="line">
+            <a:avLst/>
+          </a:prstGeom>
+          <a:ln w="19050">
+            <a:solidFill>
+              <a:srgbClr val="002896"/>
+            </a:solidFill>
+          </a:ln>
+        </p:spPr>
+        <p:style>
+          <a:lnRef idx="1">
+            <a:schemeClr val="accent1"/>
+          </a:lnRef>
+          <a:fillRef idx="0">
+            <a:schemeClr val="accent1"/>
+          </a:fillRef>
+          <a:effectRef idx="0">
+            <a:schemeClr val="accent1"/>
+          </a:effectRef>
+          <a:fontRef idx="minor">
+            <a:schemeClr val="tx1"/>
+          </a:fontRef>
+        </p:style>
+      </p:cxnSp>
+      <p:cxnSp>
+        <p:nvCxnSpPr>
+          <p:cNvPr id="26" name="Gerader Verbinder 25">
+            <a:extLst>
+              <a:ext uri="{FF2B5EF4-FFF2-40B4-BE49-F238E27FC236}">
+                <a16:creationId xmlns:a16="http://schemas.microsoft.com/office/drawing/2014/main" id="{9F7BB7D3-A2A2-8C2B-2AF8-387AB78488A4}"/>
+              </a:ext>
+            </a:extLst>
+          </p:cNvPr>
+          <p:cNvCxnSpPr>
+            <a:cxnSpLocks/>
+          </p:cNvCxnSpPr>
+          <p:nvPr/>
+        </p:nvCxnSpPr>
+        <p:spPr>
+          <a:xfrm flipV="1">
+            <a:off x="2848217" y="4503539"/>
+            <a:ext cx="116200" cy="337292"/>
+          </a:xfrm>
+          <a:prstGeom prst="line">
+            <a:avLst/>
+          </a:prstGeom>
+          <a:ln w="19050">
+            <a:solidFill>
+              <a:srgbClr val="002896"/>
+            </a:solidFill>
+          </a:ln>
+        </p:spPr>
+        <p:style>
+          <a:lnRef idx="1">
+            <a:schemeClr val="accent1"/>
+          </a:lnRef>
+          <a:fillRef idx="0">
+            <a:schemeClr val="accent1"/>
+          </a:fillRef>
+          <a:effectRef idx="0">
+            <a:schemeClr val="accent1"/>
+          </a:effectRef>
+          <a:fontRef idx="minor">
+            <a:schemeClr val="tx1"/>
+          </a:fontRef>
+        </p:style>
+      </p:cxnSp>
+      <p:sp>
+        <p:nvSpPr>
+          <p:cNvPr id="30" name="Textfeld 29">
+            <a:extLst>
+              <a:ext uri="{FF2B5EF4-FFF2-40B4-BE49-F238E27FC236}">
+                <a16:creationId xmlns:a16="http://schemas.microsoft.com/office/drawing/2014/main" id="{CB067702-0F1B-694E-E71E-3EEDD7B666B6}"/>
+              </a:ext>
+            </a:extLst>
+          </p:cNvPr>
+          <p:cNvSpPr txBox="1"/>
+          <p:nvPr/>
+        </p:nvSpPr>
+        <p:spPr>
+          <a:xfrm>
+            <a:off x="369721" y="5131998"/>
+            <a:ext cx="5921208" cy="1169551"/>
+          </a:xfrm>
+          <a:prstGeom prst="rect">
+            <a:avLst/>
+          </a:prstGeom>
+          <a:noFill/>
+        </p:spPr>
+        <p:txBody>
+          <a:bodyPr wrap="square" rtlCol="0">
+            <a:spAutoFit/>
+          </a:bodyPr>
+          <a:lstStyle/>
+          <a:p>
+            <a:pPr marL="285750" indent="-285750">
+              <a:buFont typeface="Arial" panose="020B0604020202020204" pitchFamily="34" charset="0"/>
+              <a:buChar char="•"/>
+            </a:pPr>
+            <a:r>
+              <a:rPr lang="de-DE" sz="1400" dirty="0"/>
+              <a:t>Agile </a:t>
+            </a:r>
+            <a:r>
+              <a:rPr lang="de-DE" sz="1400" dirty="0" err="1"/>
+              <a:t>Manifesto</a:t>
+            </a:r>
+            <a:r>
+              <a:rPr lang="de-DE" sz="1400" dirty="0"/>
+              <a:t> Kernthese (1) besagt bereits, dass Prozesse und Werkzeuge vernachlässigt werden sollen</a:t>
+            </a:r>
+          </a:p>
+          <a:p>
+            <a:pPr marL="285750" indent="-285750">
+              <a:buFont typeface="Arial" panose="020B0604020202020204" pitchFamily="34" charset="0"/>
+              <a:buChar char="•"/>
+            </a:pPr>
+            <a:r>
+              <a:rPr lang="de-DE" sz="1400" dirty="0"/>
+              <a:t>Auch (3) widerspricht langwierigen Genehmigungsprozessen zur Erstellung verbindlicher Dokumente</a:t>
+            </a:r>
+          </a:p>
+          <a:p>
+            <a:pPr marL="285750" indent="-285750">
+              <a:buFont typeface="Arial" panose="020B0604020202020204" pitchFamily="34" charset="0"/>
+              <a:buChar char="•"/>
+            </a:pPr>
+            <a:r>
+              <a:rPr lang="de-DE" sz="1400" dirty="0"/>
+              <a:t>Iterativer Prozess in ständiger Kommunikation mit dem Kunden</a:t>
+            </a:r>
+          </a:p>
+        </p:txBody>
+      </p:sp>
+      <p:sp>
+        <p:nvSpPr>
+          <p:cNvPr id="32" name="Textfeld 31">
+            <a:extLst>
+              <a:ext uri="{FF2B5EF4-FFF2-40B4-BE49-F238E27FC236}">
+                <a16:creationId xmlns:a16="http://schemas.microsoft.com/office/drawing/2014/main" id="{25983823-07B0-8985-D28E-0D3AE97FFB7A}"/>
+              </a:ext>
+            </a:extLst>
+          </p:cNvPr>
+          <p:cNvSpPr txBox="1"/>
+          <p:nvPr/>
+        </p:nvSpPr>
+        <p:spPr>
+          <a:xfrm>
+            <a:off x="6373737" y="5138897"/>
+            <a:ext cx="5921208" cy="1169551"/>
+          </a:xfrm>
+          <a:prstGeom prst="rect">
+            <a:avLst/>
+          </a:prstGeom>
+          <a:noFill/>
+        </p:spPr>
+        <p:txBody>
+          <a:bodyPr wrap="square" rtlCol="0">
+            <a:spAutoFit/>
+          </a:bodyPr>
+          <a:lstStyle/>
+          <a:p>
+            <a:pPr marL="285750" indent="-285750">
+              <a:buFont typeface="Arial" panose="020B0604020202020204" pitchFamily="34" charset="0"/>
+              <a:buChar char="•"/>
+            </a:pPr>
+            <a:r>
+              <a:rPr lang="de-DE" sz="1400" dirty="0"/>
+              <a:t>Definition der Anforderungen im Lastenheft</a:t>
+            </a:r>
+          </a:p>
+          <a:p>
+            <a:pPr marL="285750" indent="-285750">
+              <a:buFont typeface="Arial" panose="020B0604020202020204" pitchFamily="34" charset="0"/>
+              <a:buChar char="•"/>
+            </a:pPr>
+            <a:r>
+              <a:rPr lang="de-DE" sz="1400" dirty="0"/>
+              <a:t>Zyklischer Prozess in ständiger Kommunikation mit dem Kunden zur Erstellung Pflichtenheft</a:t>
+            </a:r>
+          </a:p>
+          <a:p>
+            <a:pPr marL="285750" indent="-285750">
+              <a:buFont typeface="Arial" panose="020B0604020202020204" pitchFamily="34" charset="0"/>
+              <a:buChar char="•"/>
+            </a:pPr>
+            <a:r>
+              <a:rPr lang="de-DE" sz="1400" dirty="0"/>
+              <a:t>Definitionsphase wird abgeschlossen bevor Realisierungsphase gestartet wird</a:t>
+            </a:r>
+          </a:p>
+        </p:txBody>
+      </p:sp>
+      <p:sp>
+        <p:nvSpPr>
+          <p:cNvPr id="33" name="Rechteck 32">
+            <a:extLst>
+              <a:ext uri="{FF2B5EF4-FFF2-40B4-BE49-F238E27FC236}">
+                <a16:creationId xmlns:a16="http://schemas.microsoft.com/office/drawing/2014/main" id="{5099276D-6BB6-E814-9BF6-884D09B4739E}"/>
+              </a:ext>
+            </a:extLst>
+          </p:cNvPr>
+          <p:cNvSpPr/>
+          <p:nvPr/>
+        </p:nvSpPr>
+        <p:spPr>
+          <a:xfrm>
+            <a:off x="122432" y="1929775"/>
+            <a:ext cx="289906" cy="2933483"/>
+          </a:xfrm>
+          <a:prstGeom prst="rect">
+            <a:avLst/>
+          </a:prstGeom>
+          <a:solidFill>
+            <a:schemeClr val="accent1"/>
+          </a:solidFill>
+          <a:ln>
+            <a:noFill/>
+          </a:ln>
+        </p:spPr>
+        <p:style>
+          <a:lnRef idx="2">
+            <a:schemeClr val="accent1">
+              <a:shade val="50000"/>
+            </a:schemeClr>
+          </a:lnRef>
+          <a:fillRef idx="1">
+            <a:schemeClr val="accent1"/>
+          </a:fillRef>
+          <a:effectRef idx="0">
+            <a:schemeClr val="accent1"/>
+          </a:effectRef>
+          <a:fontRef idx="minor">
+            <a:schemeClr val="lt1"/>
+          </a:fontRef>
+        </p:style>
+        <p:txBody>
+          <a:bodyPr rtlCol="0" anchor="ctr"/>
+          <a:lstStyle/>
+          <a:p>
+            <a:pPr algn="ctr"/>
+            <a:endParaRPr lang="de-DE" dirty="0"/>
+          </a:p>
+        </p:txBody>
+      </p:sp>
+      <p:sp>
+        <p:nvSpPr>
+          <p:cNvPr id="34" name="Textfeld 33">
+            <a:extLst>
+              <a:ext uri="{FF2B5EF4-FFF2-40B4-BE49-F238E27FC236}">
+                <a16:creationId xmlns:a16="http://schemas.microsoft.com/office/drawing/2014/main" id="{C23D8F57-41D9-721F-9410-670AF71CBD96}"/>
+              </a:ext>
+            </a:extLst>
+          </p:cNvPr>
+          <p:cNvSpPr txBox="1"/>
+          <p:nvPr/>
+        </p:nvSpPr>
+        <p:spPr>
+          <a:xfrm rot="16200000">
+            <a:off x="-486988" y="3242613"/>
+            <a:ext cx="1508746" cy="307777"/>
+          </a:xfrm>
+          <a:prstGeom prst="rect">
+            <a:avLst/>
+          </a:prstGeom>
+          <a:noFill/>
+        </p:spPr>
+        <p:txBody>
+          <a:bodyPr wrap="none" rtlCol="0">
+            <a:spAutoFit/>
+          </a:bodyPr>
+          <a:lstStyle/>
+          <a:p>
+            <a:r>
+              <a:rPr lang="de-DE" sz="1400" dirty="0">
+                <a:solidFill>
+                  <a:schemeClr val="bg1"/>
+                </a:solidFill>
+              </a:rPr>
+              <a:t>Lieferant &amp; OEM</a:t>
+            </a:r>
+          </a:p>
+        </p:txBody>
+      </p:sp>
     </p:spTree>
     <p:extLst>
       <p:ext uri="{BB962C8B-B14F-4D97-AF65-F5344CB8AC3E}">

--- a/Agile_Softwareentwicklung_Automotive_PGPE_rico.pptx
+++ b/Agile_Softwareentwicklung_Automotive_PGPE_rico.pptx
@@ -9785,7 +9785,7 @@
           <a:p>
             <a:fld id="{CF93AEB5-C303-4762-90A0-AF697EB357C4}" type="datetimeFigureOut">
               <a:rPr lang="de-DE" smtClean="0"/>
-              <a:t>22.11.2022</a:t>
+              <a:t>25.11.2022</a:t>
             </a:fld>
             <a:endParaRPr lang="de-DE"/>
           </a:p>
@@ -36278,7 +36278,7 @@
           </a:prstGeom>
           <a:ln w="57150">
             <a:solidFill>
-              <a:srgbClr val="002896"/>
+              <a:schemeClr val="tx1"/>
             </a:solidFill>
           </a:ln>
         </p:spPr>

--- a/Agile_Softwareentwicklung_Automotive_PGPE_rico.pptx
+++ b/Agile_Softwareentwicklung_Automotive_PGPE_rico.pptx
@@ -9,7 +9,7 @@
     <p:sldMasterId id="2147483702" r:id="rId5"/>
   </p:sldMasterIdLst>
   <p:notesMasterIdLst>
-    <p:notesMasterId r:id="rId22"/>
+    <p:notesMasterId r:id="rId25"/>
   </p:notesMasterIdLst>
   <p:sldIdLst>
     <p:sldId id="281" r:id="rId6"/>
@@ -26,8 +26,11 @@
     <p:sldId id="293" r:id="rId17"/>
     <p:sldId id="294" r:id="rId18"/>
     <p:sldId id="296" r:id="rId19"/>
-    <p:sldId id="285" r:id="rId20"/>
-    <p:sldId id="286" r:id="rId21"/>
+    <p:sldId id="298" r:id="rId20"/>
+    <p:sldId id="297" r:id="rId21"/>
+    <p:sldId id="299" r:id="rId22"/>
+    <p:sldId id="285" r:id="rId23"/>
+    <p:sldId id="286" r:id="rId24"/>
   </p:sldIdLst>
   <p:sldSz cx="12192000" cy="6858000"/>
   <p:notesSz cx="6858000" cy="9144000"/>
@@ -2707,6 +2710,753 @@
 </dgm:colorsDef>
 </file>
 
+<file path=ppt/diagrams/colors4.xml><?xml version="1.0" encoding="utf-8"?>
+<dgm:colorsDef xmlns:dgm="http://schemas.openxmlformats.org/drawingml/2006/diagram" xmlns:a="http://schemas.openxmlformats.org/drawingml/2006/main" uniqueId="urn:microsoft.com/office/officeart/2005/8/colors/accent1_2">
+  <dgm:title val=""/>
+  <dgm:desc val=""/>
+  <dgm:catLst>
+    <dgm:cat type="accent1" pri="11200"/>
+  </dgm:catLst>
+  <dgm:styleLbl name="node0">
+    <dgm:fillClrLst meth="repeat">
+      <a:schemeClr val="accent1"/>
+    </dgm:fillClrLst>
+    <dgm:linClrLst meth="repeat">
+      <a:schemeClr val="lt1"/>
+    </dgm:linClrLst>
+    <dgm:effectClrLst/>
+    <dgm:txLinClrLst/>
+    <dgm:txFillClrLst/>
+    <dgm:txEffectClrLst/>
+  </dgm:styleLbl>
+  <dgm:styleLbl name="alignNode1">
+    <dgm:fillClrLst meth="repeat">
+      <a:schemeClr val="accent1"/>
+    </dgm:fillClrLst>
+    <dgm:linClrLst meth="repeat">
+      <a:schemeClr val="accent1"/>
+    </dgm:linClrLst>
+    <dgm:effectClrLst/>
+    <dgm:txLinClrLst/>
+    <dgm:txFillClrLst/>
+    <dgm:txEffectClrLst/>
+  </dgm:styleLbl>
+  <dgm:styleLbl name="node1">
+    <dgm:fillClrLst meth="repeat">
+      <a:schemeClr val="accent1"/>
+    </dgm:fillClrLst>
+    <dgm:linClrLst meth="repeat">
+      <a:schemeClr val="lt1"/>
+    </dgm:linClrLst>
+    <dgm:effectClrLst/>
+    <dgm:txLinClrLst/>
+    <dgm:txFillClrLst/>
+    <dgm:txEffectClrLst/>
+  </dgm:styleLbl>
+  <dgm:styleLbl name="lnNode1">
+    <dgm:fillClrLst meth="repeat">
+      <a:schemeClr val="accent1"/>
+    </dgm:fillClrLst>
+    <dgm:linClrLst meth="repeat">
+      <a:schemeClr val="lt1"/>
+    </dgm:linClrLst>
+    <dgm:effectClrLst/>
+    <dgm:txLinClrLst/>
+    <dgm:txFillClrLst/>
+    <dgm:txEffectClrLst/>
+  </dgm:styleLbl>
+  <dgm:styleLbl name="vennNode1">
+    <dgm:fillClrLst meth="repeat">
+      <a:schemeClr val="accent1">
+        <a:alpha val="50000"/>
+      </a:schemeClr>
+    </dgm:fillClrLst>
+    <dgm:linClrLst meth="repeat">
+      <a:schemeClr val="lt1"/>
+    </dgm:linClrLst>
+    <dgm:effectClrLst/>
+    <dgm:txLinClrLst/>
+    <dgm:txFillClrLst/>
+    <dgm:txEffectClrLst/>
+  </dgm:styleLbl>
+  <dgm:styleLbl name="node2">
+    <dgm:fillClrLst meth="repeat">
+      <a:schemeClr val="accent1"/>
+    </dgm:fillClrLst>
+    <dgm:linClrLst meth="repeat">
+      <a:schemeClr val="lt1"/>
+    </dgm:linClrLst>
+    <dgm:effectClrLst/>
+    <dgm:txLinClrLst/>
+    <dgm:txFillClrLst/>
+    <dgm:txEffectClrLst/>
+  </dgm:styleLbl>
+  <dgm:styleLbl name="node3">
+    <dgm:fillClrLst meth="repeat">
+      <a:schemeClr val="accent1"/>
+    </dgm:fillClrLst>
+    <dgm:linClrLst meth="repeat">
+      <a:schemeClr val="lt1"/>
+    </dgm:linClrLst>
+    <dgm:effectClrLst/>
+    <dgm:txLinClrLst/>
+    <dgm:txFillClrLst/>
+    <dgm:txEffectClrLst/>
+  </dgm:styleLbl>
+  <dgm:styleLbl name="node4">
+    <dgm:fillClrLst meth="repeat">
+      <a:schemeClr val="accent1"/>
+    </dgm:fillClrLst>
+    <dgm:linClrLst meth="repeat">
+      <a:schemeClr val="lt1"/>
+    </dgm:linClrLst>
+    <dgm:effectClrLst/>
+    <dgm:txLinClrLst/>
+    <dgm:txFillClrLst/>
+    <dgm:txEffectClrLst/>
+  </dgm:styleLbl>
+  <dgm:styleLbl name="fgImgPlace1">
+    <dgm:fillClrLst meth="repeat">
+      <a:schemeClr val="accent1">
+        <a:tint val="50000"/>
+      </a:schemeClr>
+    </dgm:fillClrLst>
+    <dgm:linClrLst meth="repeat">
+      <a:schemeClr val="lt1"/>
+    </dgm:linClrLst>
+    <dgm:effectClrLst/>
+    <dgm:txLinClrLst/>
+    <dgm:txFillClrLst meth="repeat">
+      <a:schemeClr val="lt1"/>
+    </dgm:txFillClrLst>
+    <dgm:txEffectClrLst/>
+  </dgm:styleLbl>
+  <dgm:styleLbl name="alignImgPlace1">
+    <dgm:fillClrLst meth="repeat">
+      <a:schemeClr val="accent1">
+        <a:tint val="50000"/>
+      </a:schemeClr>
+    </dgm:fillClrLst>
+    <dgm:linClrLst meth="repeat">
+      <a:schemeClr val="lt1"/>
+    </dgm:linClrLst>
+    <dgm:effectClrLst/>
+    <dgm:txLinClrLst/>
+    <dgm:txFillClrLst meth="repeat">
+      <a:schemeClr val="lt1"/>
+    </dgm:txFillClrLst>
+    <dgm:txEffectClrLst/>
+  </dgm:styleLbl>
+  <dgm:styleLbl name="bgImgPlace1">
+    <dgm:fillClrLst meth="repeat">
+      <a:schemeClr val="accent1">
+        <a:tint val="50000"/>
+      </a:schemeClr>
+    </dgm:fillClrLst>
+    <dgm:linClrLst meth="repeat">
+      <a:schemeClr val="lt1"/>
+    </dgm:linClrLst>
+    <dgm:effectClrLst/>
+    <dgm:txLinClrLst/>
+    <dgm:txFillClrLst meth="repeat">
+      <a:schemeClr val="lt1"/>
+    </dgm:txFillClrLst>
+    <dgm:txEffectClrLst/>
+  </dgm:styleLbl>
+  <dgm:styleLbl name="sibTrans2D1">
+    <dgm:fillClrLst meth="repeat">
+      <a:schemeClr val="accent1">
+        <a:tint val="60000"/>
+      </a:schemeClr>
+    </dgm:fillClrLst>
+    <dgm:linClrLst meth="repeat">
+      <a:schemeClr val="accent1">
+        <a:tint val="60000"/>
+      </a:schemeClr>
+    </dgm:linClrLst>
+    <dgm:effectClrLst/>
+    <dgm:txLinClrLst/>
+    <dgm:txFillClrLst/>
+    <dgm:txEffectClrLst/>
+  </dgm:styleLbl>
+  <dgm:styleLbl name="fgSibTrans2D1">
+    <dgm:fillClrLst meth="repeat">
+      <a:schemeClr val="accent1">
+        <a:tint val="60000"/>
+      </a:schemeClr>
+    </dgm:fillClrLst>
+    <dgm:linClrLst meth="repeat">
+      <a:schemeClr val="accent1">
+        <a:tint val="60000"/>
+      </a:schemeClr>
+    </dgm:linClrLst>
+    <dgm:effectClrLst/>
+    <dgm:txLinClrLst/>
+    <dgm:txFillClrLst/>
+    <dgm:txEffectClrLst/>
+  </dgm:styleLbl>
+  <dgm:styleLbl name="bgSibTrans2D1">
+    <dgm:fillClrLst meth="repeat">
+      <a:schemeClr val="accent1">
+        <a:tint val="60000"/>
+      </a:schemeClr>
+    </dgm:fillClrLst>
+    <dgm:linClrLst meth="repeat">
+      <a:schemeClr val="accent1">
+        <a:tint val="60000"/>
+      </a:schemeClr>
+    </dgm:linClrLst>
+    <dgm:effectClrLst/>
+    <dgm:txLinClrLst/>
+    <dgm:txFillClrLst/>
+    <dgm:txEffectClrLst/>
+  </dgm:styleLbl>
+  <dgm:styleLbl name="sibTrans1D1">
+    <dgm:fillClrLst meth="repeat">
+      <a:schemeClr val="accent1"/>
+    </dgm:fillClrLst>
+    <dgm:linClrLst meth="repeat">
+      <a:schemeClr val="accent1"/>
+    </dgm:linClrLst>
+    <dgm:effectClrLst/>
+    <dgm:txLinClrLst/>
+    <dgm:txFillClrLst meth="repeat">
+      <a:schemeClr val="tx1"/>
+    </dgm:txFillClrLst>
+    <dgm:txEffectClrLst/>
+  </dgm:styleLbl>
+  <dgm:styleLbl name="callout">
+    <dgm:fillClrLst meth="repeat">
+      <a:schemeClr val="accent1"/>
+    </dgm:fillClrLst>
+    <dgm:linClrLst meth="repeat">
+      <a:schemeClr val="accent1">
+        <a:tint val="50000"/>
+      </a:schemeClr>
+    </dgm:linClrLst>
+    <dgm:effectClrLst/>
+    <dgm:txLinClrLst/>
+    <dgm:txFillClrLst meth="repeat">
+      <a:schemeClr val="tx1"/>
+    </dgm:txFillClrLst>
+    <dgm:txEffectClrLst/>
+  </dgm:styleLbl>
+  <dgm:styleLbl name="asst0">
+    <dgm:fillClrLst meth="repeat">
+      <a:schemeClr val="accent1"/>
+    </dgm:fillClrLst>
+    <dgm:linClrLst meth="repeat">
+      <a:schemeClr val="lt1"/>
+    </dgm:linClrLst>
+    <dgm:effectClrLst/>
+    <dgm:txLinClrLst/>
+    <dgm:txFillClrLst/>
+    <dgm:txEffectClrLst/>
+  </dgm:styleLbl>
+  <dgm:styleLbl name="asst1">
+    <dgm:fillClrLst meth="repeat">
+      <a:schemeClr val="accent1"/>
+    </dgm:fillClrLst>
+    <dgm:linClrLst meth="repeat">
+      <a:schemeClr val="lt1"/>
+    </dgm:linClrLst>
+    <dgm:effectClrLst/>
+    <dgm:txLinClrLst/>
+    <dgm:txFillClrLst/>
+    <dgm:txEffectClrLst/>
+  </dgm:styleLbl>
+  <dgm:styleLbl name="asst2">
+    <dgm:fillClrLst meth="repeat">
+      <a:schemeClr val="accent1"/>
+    </dgm:fillClrLst>
+    <dgm:linClrLst meth="repeat">
+      <a:schemeClr val="lt1"/>
+    </dgm:linClrLst>
+    <dgm:effectClrLst/>
+    <dgm:txLinClrLst/>
+    <dgm:txFillClrLst/>
+    <dgm:txEffectClrLst/>
+  </dgm:styleLbl>
+  <dgm:styleLbl name="asst3">
+    <dgm:fillClrLst meth="repeat">
+      <a:schemeClr val="accent1"/>
+    </dgm:fillClrLst>
+    <dgm:linClrLst meth="repeat">
+      <a:schemeClr val="lt1"/>
+    </dgm:linClrLst>
+    <dgm:effectClrLst/>
+    <dgm:txLinClrLst/>
+    <dgm:txFillClrLst/>
+    <dgm:txEffectClrLst/>
+  </dgm:styleLbl>
+  <dgm:styleLbl name="asst4">
+    <dgm:fillClrLst meth="repeat">
+      <a:schemeClr val="accent1"/>
+    </dgm:fillClrLst>
+    <dgm:linClrLst meth="repeat">
+      <a:schemeClr val="lt1"/>
+    </dgm:linClrLst>
+    <dgm:effectClrLst/>
+    <dgm:txLinClrLst/>
+    <dgm:txFillClrLst/>
+    <dgm:txEffectClrLst/>
+  </dgm:styleLbl>
+  <dgm:styleLbl name="parChTrans2D1">
+    <dgm:fillClrLst meth="repeat">
+      <a:schemeClr val="accent1">
+        <a:tint val="60000"/>
+      </a:schemeClr>
+    </dgm:fillClrLst>
+    <dgm:linClrLst meth="repeat">
+      <a:schemeClr val="accent1">
+        <a:tint val="60000"/>
+      </a:schemeClr>
+    </dgm:linClrLst>
+    <dgm:effectClrLst/>
+    <dgm:txLinClrLst/>
+    <dgm:txFillClrLst meth="repeat">
+      <a:schemeClr val="lt1"/>
+    </dgm:txFillClrLst>
+    <dgm:txEffectClrLst/>
+  </dgm:styleLbl>
+  <dgm:styleLbl name="parChTrans2D2">
+    <dgm:fillClrLst meth="repeat">
+      <a:schemeClr val="accent1"/>
+    </dgm:fillClrLst>
+    <dgm:linClrLst meth="repeat">
+      <a:schemeClr val="accent1"/>
+    </dgm:linClrLst>
+    <dgm:effectClrLst/>
+    <dgm:txLinClrLst/>
+    <dgm:txFillClrLst meth="repeat">
+      <a:schemeClr val="lt1"/>
+    </dgm:txFillClrLst>
+    <dgm:txEffectClrLst/>
+  </dgm:styleLbl>
+  <dgm:styleLbl name="parChTrans2D3">
+    <dgm:fillClrLst meth="repeat">
+      <a:schemeClr val="accent1"/>
+    </dgm:fillClrLst>
+    <dgm:linClrLst meth="repeat">
+      <a:schemeClr val="accent1"/>
+    </dgm:linClrLst>
+    <dgm:effectClrLst/>
+    <dgm:txLinClrLst/>
+    <dgm:txFillClrLst meth="repeat">
+      <a:schemeClr val="lt1"/>
+    </dgm:txFillClrLst>
+    <dgm:txEffectClrLst/>
+  </dgm:styleLbl>
+  <dgm:styleLbl name="parChTrans2D4">
+    <dgm:fillClrLst meth="repeat">
+      <a:schemeClr val="accent1"/>
+    </dgm:fillClrLst>
+    <dgm:linClrLst meth="repeat">
+      <a:schemeClr val="accent1"/>
+    </dgm:linClrLst>
+    <dgm:effectClrLst/>
+    <dgm:txLinClrLst/>
+    <dgm:txFillClrLst meth="repeat">
+      <a:schemeClr val="lt1"/>
+    </dgm:txFillClrLst>
+    <dgm:txEffectClrLst/>
+  </dgm:styleLbl>
+  <dgm:styleLbl name="parChTrans1D1">
+    <dgm:fillClrLst meth="repeat">
+      <a:schemeClr val="accent1"/>
+    </dgm:fillClrLst>
+    <dgm:linClrLst meth="repeat">
+      <a:schemeClr val="accent1">
+        <a:shade val="60000"/>
+      </a:schemeClr>
+    </dgm:linClrLst>
+    <dgm:effectClrLst/>
+    <dgm:txLinClrLst/>
+    <dgm:txFillClrLst meth="repeat">
+      <a:schemeClr val="tx1"/>
+    </dgm:txFillClrLst>
+    <dgm:txEffectClrLst/>
+  </dgm:styleLbl>
+  <dgm:styleLbl name="parChTrans1D2">
+    <dgm:fillClrLst meth="repeat">
+      <a:schemeClr val="accent1"/>
+    </dgm:fillClrLst>
+    <dgm:linClrLst meth="repeat">
+      <a:schemeClr val="accent1">
+        <a:shade val="60000"/>
+      </a:schemeClr>
+    </dgm:linClrLst>
+    <dgm:effectClrLst/>
+    <dgm:txLinClrLst/>
+    <dgm:txFillClrLst meth="repeat">
+      <a:schemeClr val="tx1"/>
+    </dgm:txFillClrLst>
+    <dgm:txEffectClrLst/>
+  </dgm:styleLbl>
+  <dgm:styleLbl name="parChTrans1D3">
+    <dgm:fillClrLst meth="repeat">
+      <a:schemeClr val="accent1"/>
+    </dgm:fillClrLst>
+    <dgm:linClrLst meth="repeat">
+      <a:schemeClr val="accent1">
+        <a:shade val="80000"/>
+      </a:schemeClr>
+    </dgm:linClrLst>
+    <dgm:effectClrLst/>
+    <dgm:txLinClrLst/>
+    <dgm:txFillClrLst meth="repeat">
+      <a:schemeClr val="tx1"/>
+    </dgm:txFillClrLst>
+    <dgm:txEffectClrLst/>
+  </dgm:styleLbl>
+  <dgm:styleLbl name="parChTrans1D4">
+    <dgm:fillClrLst meth="repeat">
+      <a:schemeClr val="accent1"/>
+    </dgm:fillClrLst>
+    <dgm:linClrLst meth="repeat">
+      <a:schemeClr val="accent1">
+        <a:shade val="80000"/>
+      </a:schemeClr>
+    </dgm:linClrLst>
+    <dgm:effectClrLst/>
+    <dgm:txLinClrLst/>
+    <dgm:txFillClrLst meth="repeat">
+      <a:schemeClr val="tx1"/>
+    </dgm:txFillClrLst>
+    <dgm:txEffectClrLst/>
+  </dgm:styleLbl>
+  <dgm:styleLbl name="fgAcc1">
+    <dgm:fillClrLst meth="repeat">
+      <a:schemeClr val="lt1">
+        <a:alpha val="90000"/>
+      </a:schemeClr>
+    </dgm:fillClrLst>
+    <dgm:linClrLst meth="repeat">
+      <a:schemeClr val="accent1"/>
+    </dgm:linClrLst>
+    <dgm:effectClrLst/>
+    <dgm:txLinClrLst/>
+    <dgm:txFillClrLst meth="repeat">
+      <a:schemeClr val="dk1"/>
+    </dgm:txFillClrLst>
+    <dgm:txEffectClrLst/>
+  </dgm:styleLbl>
+  <dgm:styleLbl name="conFgAcc1">
+    <dgm:fillClrLst meth="repeat">
+      <a:schemeClr val="lt1">
+        <a:alpha val="90000"/>
+      </a:schemeClr>
+    </dgm:fillClrLst>
+    <dgm:linClrLst meth="repeat">
+      <a:schemeClr val="accent1"/>
+    </dgm:linClrLst>
+    <dgm:effectClrLst/>
+    <dgm:txLinClrLst/>
+    <dgm:txFillClrLst meth="repeat">
+      <a:schemeClr val="dk1"/>
+    </dgm:txFillClrLst>
+    <dgm:txEffectClrLst/>
+  </dgm:styleLbl>
+  <dgm:styleLbl name="alignAcc1">
+    <dgm:fillClrLst meth="repeat">
+      <a:schemeClr val="lt1">
+        <a:alpha val="90000"/>
+      </a:schemeClr>
+    </dgm:fillClrLst>
+    <dgm:linClrLst meth="repeat">
+      <a:schemeClr val="accent1"/>
+    </dgm:linClrLst>
+    <dgm:effectClrLst/>
+    <dgm:txLinClrLst/>
+    <dgm:txFillClrLst meth="repeat">
+      <a:schemeClr val="dk1"/>
+    </dgm:txFillClrLst>
+    <dgm:txEffectClrLst/>
+  </dgm:styleLbl>
+  <dgm:styleLbl name="trAlignAcc1">
+    <dgm:fillClrLst meth="repeat">
+      <a:schemeClr val="lt1">
+        <a:alpha val="40000"/>
+      </a:schemeClr>
+    </dgm:fillClrLst>
+    <dgm:linClrLst meth="repeat">
+      <a:schemeClr val="accent1"/>
+    </dgm:linClrLst>
+    <dgm:effectClrLst/>
+    <dgm:txLinClrLst/>
+    <dgm:txFillClrLst meth="repeat">
+      <a:schemeClr val="dk1"/>
+    </dgm:txFillClrLst>
+    <dgm:txEffectClrLst/>
+  </dgm:styleLbl>
+  <dgm:styleLbl name="bgAcc1">
+    <dgm:fillClrLst meth="repeat">
+      <a:schemeClr val="lt1">
+        <a:alpha val="90000"/>
+      </a:schemeClr>
+    </dgm:fillClrLst>
+    <dgm:linClrLst meth="repeat">
+      <a:schemeClr val="accent1"/>
+    </dgm:linClrLst>
+    <dgm:effectClrLst/>
+    <dgm:txLinClrLst/>
+    <dgm:txFillClrLst meth="repeat">
+      <a:schemeClr val="dk1"/>
+    </dgm:txFillClrLst>
+    <dgm:txEffectClrLst/>
+  </dgm:styleLbl>
+  <dgm:styleLbl name="solidFgAcc1">
+    <dgm:fillClrLst meth="repeat">
+      <a:schemeClr val="lt1"/>
+    </dgm:fillClrLst>
+    <dgm:linClrLst meth="repeat">
+      <a:schemeClr val="accent1"/>
+    </dgm:linClrLst>
+    <dgm:effectClrLst/>
+    <dgm:txLinClrLst/>
+    <dgm:txFillClrLst meth="repeat">
+      <a:schemeClr val="dk1"/>
+    </dgm:txFillClrLst>
+    <dgm:txEffectClrLst/>
+  </dgm:styleLbl>
+  <dgm:styleLbl name="solidAlignAcc1">
+    <dgm:fillClrLst meth="repeat">
+      <a:schemeClr val="lt1"/>
+    </dgm:fillClrLst>
+    <dgm:linClrLst meth="repeat">
+      <a:schemeClr val="accent1"/>
+    </dgm:linClrLst>
+    <dgm:effectClrLst/>
+    <dgm:txLinClrLst/>
+    <dgm:txFillClrLst meth="repeat">
+      <a:schemeClr val="dk1"/>
+    </dgm:txFillClrLst>
+    <dgm:txEffectClrLst/>
+  </dgm:styleLbl>
+  <dgm:styleLbl name="solidBgAcc1">
+    <dgm:fillClrLst meth="repeat">
+      <a:schemeClr val="lt1"/>
+    </dgm:fillClrLst>
+    <dgm:linClrLst meth="repeat">
+      <a:schemeClr val="accent1"/>
+    </dgm:linClrLst>
+    <dgm:effectClrLst/>
+    <dgm:txLinClrLst/>
+    <dgm:txFillClrLst meth="repeat">
+      <a:schemeClr val="dk1"/>
+    </dgm:txFillClrLst>
+    <dgm:txEffectClrLst/>
+  </dgm:styleLbl>
+  <dgm:styleLbl name="fgAccFollowNode1">
+    <dgm:fillClrLst meth="repeat">
+      <a:schemeClr val="accent1">
+        <a:alpha val="90000"/>
+        <a:tint val="40000"/>
+      </a:schemeClr>
+    </dgm:fillClrLst>
+    <dgm:linClrLst meth="repeat">
+      <a:schemeClr val="accent1">
+        <a:alpha val="90000"/>
+        <a:tint val="40000"/>
+      </a:schemeClr>
+    </dgm:linClrLst>
+    <dgm:effectClrLst/>
+    <dgm:txLinClrLst/>
+    <dgm:txFillClrLst meth="repeat">
+      <a:schemeClr val="dk1"/>
+    </dgm:txFillClrLst>
+    <dgm:txEffectClrLst/>
+  </dgm:styleLbl>
+  <dgm:styleLbl name="alignAccFollowNode1">
+    <dgm:fillClrLst meth="repeat">
+      <a:schemeClr val="accent1">
+        <a:alpha val="90000"/>
+        <a:tint val="40000"/>
+      </a:schemeClr>
+    </dgm:fillClrLst>
+    <dgm:linClrLst meth="repeat">
+      <a:schemeClr val="accent1">
+        <a:alpha val="90000"/>
+        <a:tint val="40000"/>
+      </a:schemeClr>
+    </dgm:linClrLst>
+    <dgm:effectClrLst/>
+    <dgm:txLinClrLst/>
+    <dgm:txFillClrLst meth="repeat">
+      <a:schemeClr val="dk1"/>
+    </dgm:txFillClrLst>
+    <dgm:txEffectClrLst/>
+  </dgm:styleLbl>
+  <dgm:styleLbl name="bgAccFollowNode1">
+    <dgm:fillClrLst meth="repeat">
+      <a:schemeClr val="accent1">
+        <a:alpha val="90000"/>
+        <a:tint val="40000"/>
+      </a:schemeClr>
+    </dgm:fillClrLst>
+    <dgm:linClrLst meth="repeat">
+      <a:schemeClr val="accent1">
+        <a:alpha val="90000"/>
+        <a:tint val="40000"/>
+      </a:schemeClr>
+    </dgm:linClrLst>
+    <dgm:effectClrLst/>
+    <dgm:txLinClrLst/>
+    <dgm:txFillClrLst meth="repeat">
+      <a:schemeClr val="dk1"/>
+    </dgm:txFillClrLst>
+    <dgm:txEffectClrLst/>
+  </dgm:styleLbl>
+  <dgm:styleLbl name="fgAcc0">
+    <dgm:fillClrLst meth="repeat">
+      <a:schemeClr val="lt1">
+        <a:alpha val="90000"/>
+      </a:schemeClr>
+    </dgm:fillClrLst>
+    <dgm:linClrLst meth="repeat">
+      <a:schemeClr val="accent1"/>
+    </dgm:linClrLst>
+    <dgm:effectClrLst/>
+    <dgm:txLinClrLst/>
+    <dgm:txFillClrLst meth="repeat">
+      <a:schemeClr val="dk1"/>
+    </dgm:txFillClrLst>
+    <dgm:txEffectClrLst/>
+  </dgm:styleLbl>
+  <dgm:styleLbl name="fgAcc2">
+    <dgm:fillClrLst meth="repeat">
+      <a:schemeClr val="lt1">
+        <a:alpha val="90000"/>
+      </a:schemeClr>
+    </dgm:fillClrLst>
+    <dgm:linClrLst meth="repeat">
+      <a:schemeClr val="accent1"/>
+    </dgm:linClrLst>
+    <dgm:effectClrLst/>
+    <dgm:txLinClrLst/>
+    <dgm:txFillClrLst meth="repeat">
+      <a:schemeClr val="dk1"/>
+    </dgm:txFillClrLst>
+    <dgm:txEffectClrLst/>
+  </dgm:styleLbl>
+  <dgm:styleLbl name="fgAcc3">
+    <dgm:fillClrLst meth="repeat">
+      <a:schemeClr val="lt1">
+        <a:alpha val="90000"/>
+      </a:schemeClr>
+    </dgm:fillClrLst>
+    <dgm:linClrLst meth="repeat">
+      <a:schemeClr val="accent1"/>
+    </dgm:linClrLst>
+    <dgm:effectClrLst/>
+    <dgm:txLinClrLst/>
+    <dgm:txFillClrLst meth="repeat">
+      <a:schemeClr val="dk1"/>
+    </dgm:txFillClrLst>
+    <dgm:txEffectClrLst/>
+  </dgm:styleLbl>
+  <dgm:styleLbl name="fgAcc4">
+    <dgm:fillClrLst meth="repeat">
+      <a:schemeClr val="lt1">
+        <a:alpha val="90000"/>
+      </a:schemeClr>
+    </dgm:fillClrLst>
+    <dgm:linClrLst meth="repeat">
+      <a:schemeClr val="accent1"/>
+    </dgm:linClrLst>
+    <dgm:effectClrLst/>
+    <dgm:txLinClrLst/>
+    <dgm:txFillClrLst meth="repeat">
+      <a:schemeClr val="dk1"/>
+    </dgm:txFillClrLst>
+    <dgm:txEffectClrLst/>
+  </dgm:styleLbl>
+  <dgm:styleLbl name="bgShp">
+    <dgm:fillClrLst meth="repeat">
+      <a:schemeClr val="accent1">
+        <a:tint val="40000"/>
+      </a:schemeClr>
+    </dgm:fillClrLst>
+    <dgm:linClrLst meth="repeat">
+      <a:schemeClr val="accent1"/>
+    </dgm:linClrLst>
+    <dgm:effectClrLst/>
+    <dgm:txLinClrLst/>
+    <dgm:txFillClrLst meth="repeat">
+      <a:schemeClr val="dk1"/>
+    </dgm:txFillClrLst>
+    <dgm:txEffectClrLst/>
+  </dgm:styleLbl>
+  <dgm:styleLbl name="dkBgShp">
+    <dgm:fillClrLst meth="repeat">
+      <a:schemeClr val="accent1">
+        <a:shade val="80000"/>
+      </a:schemeClr>
+    </dgm:fillClrLst>
+    <dgm:linClrLst meth="repeat">
+      <a:schemeClr val="accent1"/>
+    </dgm:linClrLst>
+    <dgm:effectClrLst/>
+    <dgm:txLinClrLst/>
+    <dgm:txFillClrLst meth="repeat">
+      <a:schemeClr val="lt1"/>
+    </dgm:txFillClrLst>
+    <dgm:txEffectClrLst/>
+  </dgm:styleLbl>
+  <dgm:styleLbl name="trBgShp">
+    <dgm:fillClrLst meth="repeat">
+      <a:schemeClr val="accent1">
+        <a:tint val="50000"/>
+        <a:alpha val="40000"/>
+      </a:schemeClr>
+    </dgm:fillClrLst>
+    <dgm:linClrLst meth="repeat">
+      <a:schemeClr val="accent1"/>
+    </dgm:linClrLst>
+    <dgm:effectClrLst/>
+    <dgm:txLinClrLst/>
+    <dgm:txFillClrLst meth="repeat">
+      <a:schemeClr val="lt1"/>
+    </dgm:txFillClrLst>
+    <dgm:txEffectClrLst/>
+  </dgm:styleLbl>
+  <dgm:styleLbl name="fgShp">
+    <dgm:fillClrLst meth="repeat">
+      <a:schemeClr val="accent1">
+        <a:tint val="60000"/>
+      </a:schemeClr>
+    </dgm:fillClrLst>
+    <dgm:linClrLst meth="repeat">
+      <a:schemeClr val="lt1"/>
+    </dgm:linClrLst>
+    <dgm:effectClrLst/>
+    <dgm:txLinClrLst/>
+    <dgm:txFillClrLst meth="repeat">
+      <a:schemeClr val="dk1"/>
+    </dgm:txFillClrLst>
+    <dgm:txEffectClrLst/>
+  </dgm:styleLbl>
+  <dgm:styleLbl name="revTx">
+    <dgm:fillClrLst meth="repeat">
+      <a:schemeClr val="lt1">
+        <a:alpha val="0"/>
+      </a:schemeClr>
+    </dgm:fillClrLst>
+    <dgm:linClrLst meth="repeat">
+      <a:schemeClr val="dk1">
+        <a:alpha val="0"/>
+      </a:schemeClr>
+    </dgm:linClrLst>
+    <dgm:effectClrLst/>
+    <dgm:txLinClrLst/>
+    <dgm:txFillClrLst meth="repeat">
+      <a:schemeClr val="tx1"/>
+    </dgm:txFillClrLst>
+    <dgm:txEffectClrLst/>
+  </dgm:styleLbl>
+</dgm:colorsDef>
+</file>
+
 <file path=ppt/diagrams/data1.xml><?xml version="1.0" encoding="utf-8"?>
 <dgm:dataModel xmlns:dgm="http://schemas.openxmlformats.org/drawingml/2006/diagram" xmlns:a="http://schemas.openxmlformats.org/drawingml/2006/main">
   <dgm:ptLst>
@@ -3396,6 +4146,918 @@
   <dgm:extLst>
     <a:ext uri="http://schemas.microsoft.com/office/drawing/2008/diagram">
       <dsp:dataModelExt xmlns:dsp="http://schemas.microsoft.com/office/drawing/2008/diagram" relId="rId12" minVer="http://schemas.openxmlformats.org/drawingml/2006/diagram"/>
+    </a:ext>
+  </dgm:extLst>
+</dgm:dataModel>
+</file>
+
+<file path=ppt/diagrams/data4.xml><?xml version="1.0" encoding="utf-8"?>
+<dgm:dataModel xmlns:dgm="http://schemas.openxmlformats.org/drawingml/2006/diagram" xmlns:a="http://schemas.openxmlformats.org/drawingml/2006/main">
+  <dgm:ptLst>
+    <dgm:pt modelId="{9587E4F3-4586-421D-9808-FA6BF912EC26}" type="doc">
+      <dgm:prSet loTypeId="urn:microsoft.com/office/officeart/2005/8/layout/lProcess2" loCatId="relationship" qsTypeId="urn:microsoft.com/office/officeart/2005/8/quickstyle/simple2" qsCatId="simple" csTypeId="urn:microsoft.com/office/officeart/2005/8/colors/accent1_2" csCatId="accent1" phldr="1"/>
+      <dgm:spPr/>
+      <dgm:t>
+        <a:bodyPr/>
+        <a:lstStyle/>
+        <a:p>
+          <a:endParaRPr lang="de-DE"/>
+        </a:p>
+      </dgm:t>
+    </dgm:pt>
+    <dgm:pt modelId="{217B0A09-E4B0-4527-B43D-C5CBB1D93A45}">
+      <dgm:prSet phldrT="[Text]"/>
+      <dgm:spPr/>
+      <dgm:t>
+        <a:bodyPr/>
+        <a:lstStyle/>
+        <a:p>
+          <a:r>
+            <a:rPr lang="de-DE" dirty="0"/>
+            <a:t>V-Modell</a:t>
+          </a:r>
+        </a:p>
+      </dgm:t>
+    </dgm:pt>
+    <dgm:pt modelId="{B35A2954-0222-4BDA-83DB-7179076635E2}" type="parTrans" cxnId="{9152D86D-6F95-4BC2-8D7D-56483CD716B2}">
+      <dgm:prSet/>
+      <dgm:spPr/>
+      <dgm:t>
+        <a:bodyPr/>
+        <a:lstStyle/>
+        <a:p>
+          <a:endParaRPr lang="de-DE"/>
+        </a:p>
+      </dgm:t>
+    </dgm:pt>
+    <dgm:pt modelId="{D7E87083-19D0-4694-B500-7651FDD775AB}" type="sibTrans" cxnId="{9152D86D-6F95-4BC2-8D7D-56483CD716B2}">
+      <dgm:prSet/>
+      <dgm:spPr/>
+      <dgm:t>
+        <a:bodyPr/>
+        <a:lstStyle/>
+        <a:p>
+          <a:endParaRPr lang="de-DE"/>
+        </a:p>
+      </dgm:t>
+    </dgm:pt>
+    <dgm:pt modelId="{F157979C-E563-4306-AC3A-C07F7DF4E85C}">
+      <dgm:prSet phldrT="[Text]"/>
+      <dgm:spPr>
+        <a:solidFill>
+          <a:schemeClr val="accent1">
+            <a:lumMod val="60000"/>
+            <a:lumOff val="40000"/>
+          </a:schemeClr>
+        </a:solidFill>
+      </dgm:spPr>
+      <dgm:t>
+        <a:bodyPr/>
+        <a:lstStyle/>
+        <a:p>
+          <a:r>
+            <a:rPr lang="de-DE" dirty="0"/>
+            <a:t>Vertragsverhandlungen</a:t>
+          </a:r>
+        </a:p>
+      </dgm:t>
+    </dgm:pt>
+    <dgm:pt modelId="{56EF2C21-ECC3-4857-88E7-EF995BA5DC76}" type="parTrans" cxnId="{CB21394F-485F-4E1E-9A90-619E939A13B4}">
+      <dgm:prSet/>
+      <dgm:spPr/>
+      <dgm:t>
+        <a:bodyPr/>
+        <a:lstStyle/>
+        <a:p>
+          <a:endParaRPr lang="de-DE"/>
+        </a:p>
+      </dgm:t>
+    </dgm:pt>
+    <dgm:pt modelId="{0A820178-BAA2-4459-A51F-582901552DA4}" type="sibTrans" cxnId="{CB21394F-485F-4E1E-9A90-619E939A13B4}">
+      <dgm:prSet/>
+      <dgm:spPr/>
+      <dgm:t>
+        <a:bodyPr/>
+        <a:lstStyle/>
+        <a:p>
+          <a:endParaRPr lang="de-DE"/>
+        </a:p>
+      </dgm:t>
+    </dgm:pt>
+    <dgm:pt modelId="{2999BBD3-2C7E-4826-9719-B67EEA1BF9AF}">
+      <dgm:prSet phldrT="[Text]"/>
+      <dgm:spPr>
+        <a:solidFill>
+          <a:schemeClr val="accent2">
+            <a:lumMod val="60000"/>
+            <a:lumOff val="40000"/>
+          </a:schemeClr>
+        </a:solidFill>
+      </dgm:spPr>
+      <dgm:t>
+        <a:bodyPr/>
+        <a:lstStyle/>
+        <a:p>
+          <a:r>
+            <a:rPr lang="de-DE" dirty="0"/>
+            <a:t>Herausforderung</a:t>
+          </a:r>
+        </a:p>
+      </dgm:t>
+    </dgm:pt>
+    <dgm:pt modelId="{233CB41E-8404-45CD-A1F6-FF043EC2A9DD}" type="parTrans" cxnId="{2CCDEAE7-AE49-424A-9347-2633ACD2C0FE}">
+      <dgm:prSet/>
+      <dgm:spPr/>
+      <dgm:t>
+        <a:bodyPr/>
+        <a:lstStyle/>
+        <a:p>
+          <a:endParaRPr lang="de-DE"/>
+        </a:p>
+      </dgm:t>
+    </dgm:pt>
+    <dgm:pt modelId="{7957CD1A-9828-41A5-B003-31A4C9A62896}" type="sibTrans" cxnId="{2CCDEAE7-AE49-424A-9347-2633ACD2C0FE}">
+      <dgm:prSet/>
+      <dgm:spPr/>
+      <dgm:t>
+        <a:bodyPr/>
+        <a:lstStyle/>
+        <a:p>
+          <a:endParaRPr lang="de-DE"/>
+        </a:p>
+      </dgm:t>
+    </dgm:pt>
+    <dgm:pt modelId="{CC7E3773-ACD7-41A6-8283-7FC11B582F03}">
+      <dgm:prSet phldrT="[Text]"/>
+      <dgm:spPr/>
+      <dgm:t>
+        <a:bodyPr/>
+        <a:lstStyle/>
+        <a:p>
+          <a:r>
+            <a:rPr lang="de-DE" dirty="0"/>
+            <a:t>Art der Zusammenarbeit</a:t>
+          </a:r>
+        </a:p>
+      </dgm:t>
+    </dgm:pt>
+    <dgm:pt modelId="{7E1C60F6-6CA9-4BD6-B19B-DE16F5EFAF3C}" type="parTrans" cxnId="{B99E6C42-E8B6-4FFE-9409-20E1EDDCFD61}">
+      <dgm:prSet/>
+      <dgm:spPr/>
+      <dgm:t>
+        <a:bodyPr/>
+        <a:lstStyle/>
+        <a:p>
+          <a:endParaRPr lang="de-DE"/>
+        </a:p>
+      </dgm:t>
+    </dgm:pt>
+    <dgm:pt modelId="{EDFEC83F-5B53-4C30-92C3-2137889171CB}" type="sibTrans" cxnId="{B99E6C42-E8B6-4FFE-9409-20E1EDDCFD61}">
+      <dgm:prSet/>
+      <dgm:spPr/>
+      <dgm:t>
+        <a:bodyPr/>
+        <a:lstStyle/>
+        <a:p>
+          <a:endParaRPr lang="de-DE"/>
+        </a:p>
+      </dgm:t>
+    </dgm:pt>
+    <dgm:pt modelId="{BD3AE4A0-8C43-41C8-AE45-4545B6E87640}">
+      <dgm:prSet phldrT="[Text]"/>
+      <dgm:spPr/>
+      <dgm:t>
+        <a:bodyPr/>
+        <a:lstStyle/>
+        <a:p>
+          <a:r>
+            <a:rPr lang="de-DE" dirty="0"/>
+            <a:t>Serienreife</a:t>
+          </a:r>
+        </a:p>
+      </dgm:t>
+    </dgm:pt>
+    <dgm:pt modelId="{087C5ED3-D559-420B-9164-985ED5AB4E75}" type="parTrans" cxnId="{1147A6AD-102A-41E1-B977-B7315B4A5F43}">
+      <dgm:prSet/>
+      <dgm:spPr/>
+      <dgm:t>
+        <a:bodyPr/>
+        <a:lstStyle/>
+        <a:p>
+          <a:endParaRPr lang="de-DE"/>
+        </a:p>
+      </dgm:t>
+    </dgm:pt>
+    <dgm:pt modelId="{B1CF163E-FCE0-40DE-BF80-B4DD963956CA}" type="sibTrans" cxnId="{1147A6AD-102A-41E1-B977-B7315B4A5F43}">
+      <dgm:prSet/>
+      <dgm:spPr/>
+      <dgm:t>
+        <a:bodyPr/>
+        <a:lstStyle/>
+        <a:p>
+          <a:endParaRPr lang="de-DE"/>
+        </a:p>
+      </dgm:t>
+    </dgm:pt>
+    <dgm:pt modelId="{0A9B52FE-0A1A-440F-A47F-4E0765553A98}">
+      <dgm:prSet phldrT="[Text]"/>
+      <dgm:spPr/>
+      <dgm:t>
+        <a:bodyPr/>
+        <a:lstStyle/>
+        <a:p>
+          <a:r>
+            <a:rPr lang="de-DE" dirty="0"/>
+            <a:t>Agile</a:t>
+          </a:r>
+        </a:p>
+      </dgm:t>
+    </dgm:pt>
+    <dgm:pt modelId="{CA8F2643-DCDE-402B-8666-232D9C3BF455}" type="parTrans" cxnId="{60C02B87-356D-44FE-AB5B-D8FBB200EB68}">
+      <dgm:prSet/>
+      <dgm:spPr/>
+      <dgm:t>
+        <a:bodyPr/>
+        <a:lstStyle/>
+        <a:p>
+          <a:endParaRPr lang="de-DE"/>
+        </a:p>
+      </dgm:t>
+    </dgm:pt>
+    <dgm:pt modelId="{A0346319-EFD6-4635-84B9-146E9EF9BFF6}" type="sibTrans" cxnId="{60C02B87-356D-44FE-AB5B-D8FBB200EB68}">
+      <dgm:prSet/>
+      <dgm:spPr/>
+      <dgm:t>
+        <a:bodyPr/>
+        <a:lstStyle/>
+        <a:p>
+          <a:endParaRPr lang="de-DE"/>
+        </a:p>
+      </dgm:t>
+    </dgm:pt>
+    <dgm:pt modelId="{BCE999C8-5595-4154-BEBA-27852FBCF9E3}">
+      <dgm:prSet phldrT="[Text]"/>
+      <dgm:spPr>
+        <a:solidFill>
+          <a:schemeClr val="accent1">
+            <a:lumMod val="60000"/>
+            <a:lumOff val="40000"/>
+          </a:schemeClr>
+        </a:solidFill>
+      </dgm:spPr>
+      <dgm:t>
+        <a:bodyPr/>
+        <a:lstStyle/>
+        <a:p>
+          <a:r>
+            <a:rPr lang="de-DE" dirty="0"/>
+            <a:t>Individuen &amp; Interaktionen</a:t>
+          </a:r>
+        </a:p>
+      </dgm:t>
+    </dgm:pt>
+    <dgm:pt modelId="{70CF7E50-B757-413F-9942-F1C081D4D301}" type="parTrans" cxnId="{D0245838-2B3B-4002-874D-CC177DA63AD1}">
+      <dgm:prSet/>
+      <dgm:spPr/>
+      <dgm:t>
+        <a:bodyPr/>
+        <a:lstStyle/>
+        <a:p>
+          <a:endParaRPr lang="de-DE"/>
+        </a:p>
+      </dgm:t>
+    </dgm:pt>
+    <dgm:pt modelId="{651E1E80-A88A-48D1-9474-CA6674CD8A44}" type="sibTrans" cxnId="{D0245838-2B3B-4002-874D-CC177DA63AD1}">
+      <dgm:prSet/>
+      <dgm:spPr/>
+      <dgm:t>
+        <a:bodyPr/>
+        <a:lstStyle/>
+        <a:p>
+          <a:endParaRPr lang="de-DE"/>
+        </a:p>
+      </dgm:t>
+    </dgm:pt>
+    <dgm:pt modelId="{C9CC0399-C3A4-40D6-892C-6009F8C8FB0C}">
+      <dgm:prSet phldrT="[Text]"/>
+      <dgm:spPr>
+        <a:solidFill>
+          <a:schemeClr val="accent1">
+            <a:lumMod val="60000"/>
+            <a:lumOff val="40000"/>
+          </a:schemeClr>
+        </a:solidFill>
+      </dgm:spPr>
+      <dgm:t>
+        <a:bodyPr/>
+        <a:lstStyle/>
+        <a:p>
+          <a:r>
+            <a:rPr lang="de-DE" dirty="0"/>
+            <a:t>Prozesse &amp; Tools</a:t>
+          </a:r>
+        </a:p>
+      </dgm:t>
+    </dgm:pt>
+    <dgm:pt modelId="{6325E471-CA81-4C56-8E9F-95787A7F5EC5}" type="parTrans" cxnId="{C61E7350-F8A3-44B9-BCEC-C150DCA3F89E}">
+      <dgm:prSet/>
+      <dgm:spPr/>
+      <dgm:t>
+        <a:bodyPr/>
+        <a:lstStyle/>
+        <a:p>
+          <a:endParaRPr lang="de-DE"/>
+        </a:p>
+      </dgm:t>
+    </dgm:pt>
+    <dgm:pt modelId="{7E4F3E67-B9AC-4D0F-B16E-A339B28B6CDF}" type="sibTrans" cxnId="{C61E7350-F8A3-44B9-BCEC-C150DCA3F89E}">
+      <dgm:prSet/>
+      <dgm:spPr/>
+      <dgm:t>
+        <a:bodyPr/>
+        <a:lstStyle/>
+        <a:p>
+          <a:endParaRPr lang="de-DE"/>
+        </a:p>
+      </dgm:t>
+    </dgm:pt>
+    <dgm:pt modelId="{7321631D-1D03-499A-B750-08FA88F3EC6D}">
+      <dgm:prSet phldrT="[Text]"/>
+      <dgm:spPr>
+        <a:solidFill>
+          <a:schemeClr val="accent1">
+            <a:lumMod val="60000"/>
+            <a:lumOff val="40000"/>
+          </a:schemeClr>
+        </a:solidFill>
+      </dgm:spPr>
+      <dgm:t>
+        <a:bodyPr/>
+        <a:lstStyle/>
+        <a:p>
+          <a:r>
+            <a:rPr lang="de-DE" dirty="0"/>
+            <a:t>Umfangreiche Dokumentation</a:t>
+          </a:r>
+        </a:p>
+      </dgm:t>
+    </dgm:pt>
+    <dgm:pt modelId="{EA3ED590-2AC7-4722-9223-1EEDEDDC6C8F}" type="parTrans" cxnId="{00916044-B025-49E7-A4A6-D6D5D1ED5B48}">
+      <dgm:prSet/>
+      <dgm:spPr/>
+      <dgm:t>
+        <a:bodyPr/>
+        <a:lstStyle/>
+        <a:p>
+          <a:endParaRPr lang="de-DE"/>
+        </a:p>
+      </dgm:t>
+    </dgm:pt>
+    <dgm:pt modelId="{25EB1BAC-B942-42D1-99C5-377A4D147AAB}" type="sibTrans" cxnId="{00916044-B025-49E7-A4A6-D6D5D1ED5B48}">
+      <dgm:prSet/>
+      <dgm:spPr/>
+      <dgm:t>
+        <a:bodyPr/>
+        <a:lstStyle/>
+        <a:p>
+          <a:endParaRPr lang="de-DE"/>
+        </a:p>
+      </dgm:t>
+    </dgm:pt>
+    <dgm:pt modelId="{1DCA3520-34B6-40CF-BDD6-784419B6C55E}">
+      <dgm:prSet phldrT="[Text]"/>
+      <dgm:spPr>
+        <a:solidFill>
+          <a:schemeClr val="accent1">
+            <a:lumMod val="60000"/>
+            <a:lumOff val="40000"/>
+          </a:schemeClr>
+        </a:solidFill>
+      </dgm:spPr>
+      <dgm:t>
+        <a:bodyPr/>
+        <a:lstStyle/>
+        <a:p>
+          <a:r>
+            <a:rPr lang="de-DE" dirty="0"/>
+            <a:t>Plankonformität</a:t>
+          </a:r>
+        </a:p>
+      </dgm:t>
+    </dgm:pt>
+    <dgm:pt modelId="{C6C11700-87CE-42D1-B141-3F55CC14790F}" type="parTrans" cxnId="{E6CCAE8F-6A37-4B2F-AB0F-4EC8A726F243}">
+      <dgm:prSet/>
+      <dgm:spPr/>
+      <dgm:t>
+        <a:bodyPr/>
+        <a:lstStyle/>
+        <a:p>
+          <a:endParaRPr lang="de-DE"/>
+        </a:p>
+      </dgm:t>
+    </dgm:pt>
+    <dgm:pt modelId="{5D1D0C4E-F8CD-4303-B1EB-A9C4FDDFA51E}" type="sibTrans" cxnId="{E6CCAE8F-6A37-4B2F-AB0F-4EC8A726F243}">
+      <dgm:prSet/>
+      <dgm:spPr/>
+      <dgm:t>
+        <a:bodyPr/>
+        <a:lstStyle/>
+        <a:p>
+          <a:endParaRPr lang="de-DE"/>
+        </a:p>
+      </dgm:t>
+    </dgm:pt>
+    <dgm:pt modelId="{9EFC1600-F3E2-4BB4-A446-5224F079A69B}">
+      <dgm:prSet phldrT="[Text]"/>
+      <dgm:spPr/>
+      <dgm:t>
+        <a:bodyPr/>
+        <a:lstStyle/>
+        <a:p>
+          <a:r>
+            <a:rPr lang="de-DE" dirty="0"/>
+            <a:t>Steuerung der Zusammenarbeit</a:t>
+          </a:r>
+        </a:p>
+      </dgm:t>
+    </dgm:pt>
+    <dgm:pt modelId="{F4AB4386-9021-4887-B2CD-E3EFF8DA68D7}" type="parTrans" cxnId="{5042D71E-E93D-4CC4-8BA3-45E9477F3EA1}">
+      <dgm:prSet/>
+      <dgm:spPr/>
+      <dgm:t>
+        <a:bodyPr/>
+        <a:lstStyle/>
+        <a:p>
+          <a:endParaRPr lang="de-DE"/>
+        </a:p>
+      </dgm:t>
+    </dgm:pt>
+    <dgm:pt modelId="{3312AA33-4C42-4B9D-B01C-41F1F71A01FD}" type="sibTrans" cxnId="{5042D71E-E93D-4CC4-8BA3-45E9477F3EA1}">
+      <dgm:prSet/>
+      <dgm:spPr/>
+      <dgm:t>
+        <a:bodyPr/>
+        <a:lstStyle/>
+        <a:p>
+          <a:endParaRPr lang="de-DE"/>
+        </a:p>
+      </dgm:t>
+    </dgm:pt>
+    <dgm:pt modelId="{54B189D9-B37B-4E35-97E4-FCA26CC524DB}">
+      <dgm:prSet phldrT="[Text]"/>
+      <dgm:spPr/>
+      <dgm:t>
+        <a:bodyPr/>
+        <a:lstStyle/>
+        <a:p>
+          <a:r>
+            <a:rPr lang="de-DE" dirty="0"/>
+            <a:t>Planungshorizont</a:t>
+          </a:r>
+        </a:p>
+      </dgm:t>
+    </dgm:pt>
+    <dgm:pt modelId="{63647A33-0FA1-4F43-A81C-CDB414FE1391}" type="parTrans" cxnId="{0C87985B-F156-4414-9458-897CBE59B858}">
+      <dgm:prSet/>
+      <dgm:spPr/>
+      <dgm:t>
+        <a:bodyPr/>
+        <a:lstStyle/>
+        <a:p>
+          <a:endParaRPr lang="de-DE"/>
+        </a:p>
+      </dgm:t>
+    </dgm:pt>
+    <dgm:pt modelId="{FCC0B6D4-48E5-44A9-936F-B0E1EBE85E89}" type="sibTrans" cxnId="{0C87985B-F156-4414-9458-897CBE59B858}">
+      <dgm:prSet/>
+      <dgm:spPr/>
+      <dgm:t>
+        <a:bodyPr/>
+        <a:lstStyle/>
+        <a:p>
+          <a:endParaRPr lang="de-DE"/>
+        </a:p>
+      </dgm:t>
+    </dgm:pt>
+    <dgm:pt modelId="{3E48B4B9-6A37-4E9B-B0F0-C2862007CA03}">
+      <dgm:prSet phldrT="[Text]"/>
+      <dgm:spPr>
+        <a:solidFill>
+          <a:schemeClr val="accent1">
+            <a:lumMod val="60000"/>
+            <a:lumOff val="40000"/>
+          </a:schemeClr>
+        </a:solidFill>
+      </dgm:spPr>
+      <dgm:t>
+        <a:bodyPr/>
+        <a:lstStyle/>
+        <a:p>
+          <a:r>
+            <a:rPr lang="de-DE" dirty="0"/>
+            <a:t>Zusammenarbeit mit dem Kunden</a:t>
+          </a:r>
+        </a:p>
+      </dgm:t>
+    </dgm:pt>
+    <dgm:pt modelId="{2F37745E-AFC0-44DD-8340-D358900CB217}" type="parTrans" cxnId="{38EF37F6-A63B-4F8D-87E4-FE3CF4EFA210}">
+      <dgm:prSet/>
+      <dgm:spPr/>
+      <dgm:t>
+        <a:bodyPr/>
+        <a:lstStyle/>
+        <a:p>
+          <a:endParaRPr lang="de-DE"/>
+        </a:p>
+      </dgm:t>
+    </dgm:pt>
+    <dgm:pt modelId="{3100EAEF-FF22-4863-AA7B-8BD9C75A034E}" type="sibTrans" cxnId="{38EF37F6-A63B-4F8D-87E4-FE3CF4EFA210}">
+      <dgm:prSet/>
+      <dgm:spPr/>
+      <dgm:t>
+        <a:bodyPr/>
+        <a:lstStyle/>
+        <a:p>
+          <a:endParaRPr lang="de-DE"/>
+        </a:p>
+      </dgm:t>
+    </dgm:pt>
+    <dgm:pt modelId="{35EECF3B-A159-446D-9B9A-352084A4BE72}">
+      <dgm:prSet phldrT="[Text]"/>
+      <dgm:spPr>
+        <a:solidFill>
+          <a:schemeClr val="accent1">
+            <a:lumMod val="60000"/>
+            <a:lumOff val="40000"/>
+          </a:schemeClr>
+        </a:solidFill>
+      </dgm:spPr>
+      <dgm:t>
+        <a:bodyPr/>
+        <a:lstStyle/>
+        <a:p>
+          <a:r>
+            <a:rPr lang="de-DE" dirty="0"/>
+            <a:t>Funktionierende Software</a:t>
+          </a:r>
+        </a:p>
+      </dgm:t>
+    </dgm:pt>
+    <dgm:pt modelId="{4DF8F6D2-8127-4F6A-8311-EBE34C4CE9A0}" type="parTrans" cxnId="{0B838E29-C5E6-4A58-B255-133EA62CC448}">
+      <dgm:prSet/>
+      <dgm:spPr/>
+      <dgm:t>
+        <a:bodyPr/>
+        <a:lstStyle/>
+        <a:p>
+          <a:endParaRPr lang="de-DE"/>
+        </a:p>
+      </dgm:t>
+    </dgm:pt>
+    <dgm:pt modelId="{BC886C42-2BD8-479F-81EC-21C3498F6023}" type="sibTrans" cxnId="{0B838E29-C5E6-4A58-B255-133EA62CC448}">
+      <dgm:prSet/>
+      <dgm:spPr/>
+      <dgm:t>
+        <a:bodyPr/>
+        <a:lstStyle/>
+        <a:p>
+          <a:endParaRPr lang="de-DE"/>
+        </a:p>
+      </dgm:t>
+    </dgm:pt>
+    <dgm:pt modelId="{41655A99-4FE3-41B1-B5AE-B676AD431487}">
+      <dgm:prSet phldrT="[Text]"/>
+      <dgm:spPr>
+        <a:solidFill>
+          <a:schemeClr val="accent1">
+            <a:lumMod val="60000"/>
+            <a:lumOff val="40000"/>
+          </a:schemeClr>
+        </a:solidFill>
+      </dgm:spPr>
+      <dgm:t>
+        <a:bodyPr/>
+        <a:lstStyle/>
+        <a:p>
+          <a:r>
+            <a:rPr lang="de-DE" dirty="0"/>
+            <a:t>Reaktion auf Änderungen</a:t>
+          </a:r>
+        </a:p>
+      </dgm:t>
+    </dgm:pt>
+    <dgm:pt modelId="{9694DB3F-5E88-4432-8267-0E13EC59B8EA}" type="parTrans" cxnId="{2BC84231-5A0B-434A-B7D8-5E5E6E675231}">
+      <dgm:prSet/>
+      <dgm:spPr/>
+      <dgm:t>
+        <a:bodyPr/>
+        <a:lstStyle/>
+        <a:p>
+          <a:endParaRPr lang="de-DE"/>
+        </a:p>
+      </dgm:t>
+    </dgm:pt>
+    <dgm:pt modelId="{3D5AB9A9-998D-4D5C-949D-E56932B0875F}" type="sibTrans" cxnId="{2BC84231-5A0B-434A-B7D8-5E5E6E675231}">
+      <dgm:prSet/>
+      <dgm:spPr/>
+      <dgm:t>
+        <a:bodyPr/>
+        <a:lstStyle/>
+        <a:p>
+          <a:endParaRPr lang="de-DE"/>
+        </a:p>
+      </dgm:t>
+    </dgm:pt>
+    <dgm:pt modelId="{D11C78C9-046F-4129-9F88-2E71F17696CF}" type="pres">
+      <dgm:prSet presAssocID="{9587E4F3-4586-421D-9808-FA6BF912EC26}" presName="theList" presStyleCnt="0">
+        <dgm:presLayoutVars>
+          <dgm:dir/>
+          <dgm:animLvl val="lvl"/>
+          <dgm:resizeHandles val="exact"/>
+        </dgm:presLayoutVars>
+      </dgm:prSet>
+      <dgm:spPr/>
+    </dgm:pt>
+    <dgm:pt modelId="{23260D3A-F208-477D-9C9B-8E6611BEDF2A}" type="pres">
+      <dgm:prSet presAssocID="{217B0A09-E4B0-4527-B43D-C5CBB1D93A45}" presName="compNode" presStyleCnt="0"/>
+      <dgm:spPr/>
+    </dgm:pt>
+    <dgm:pt modelId="{45104095-606C-4618-84C7-6F6C5E322F1B}" type="pres">
+      <dgm:prSet presAssocID="{217B0A09-E4B0-4527-B43D-C5CBB1D93A45}" presName="aNode" presStyleLbl="bgShp" presStyleIdx="0" presStyleCnt="3"/>
+      <dgm:spPr/>
+    </dgm:pt>
+    <dgm:pt modelId="{C5C87E26-F6C4-4BB8-94C4-1B9BC1864705}" type="pres">
+      <dgm:prSet presAssocID="{217B0A09-E4B0-4527-B43D-C5CBB1D93A45}" presName="textNode" presStyleLbl="bgShp" presStyleIdx="0" presStyleCnt="3"/>
+      <dgm:spPr/>
+    </dgm:pt>
+    <dgm:pt modelId="{8D5C8A30-A010-4E99-8B64-B161BD7CF6CD}" type="pres">
+      <dgm:prSet presAssocID="{217B0A09-E4B0-4527-B43D-C5CBB1D93A45}" presName="compChildNode" presStyleCnt="0"/>
+      <dgm:spPr/>
+    </dgm:pt>
+    <dgm:pt modelId="{B8200B57-0FBF-4E14-AA5E-8C374B1F9C84}" type="pres">
+      <dgm:prSet presAssocID="{217B0A09-E4B0-4527-B43D-C5CBB1D93A45}" presName="theInnerList" presStyleCnt="0"/>
+      <dgm:spPr/>
+    </dgm:pt>
+    <dgm:pt modelId="{93BD4C8C-7FB8-49C4-B096-5F7C48FA6299}" type="pres">
+      <dgm:prSet presAssocID="{F157979C-E563-4306-AC3A-C07F7DF4E85C}" presName="childNode" presStyleLbl="node1" presStyleIdx="0" presStyleCnt="12">
+        <dgm:presLayoutVars>
+          <dgm:bulletEnabled val="1"/>
+        </dgm:presLayoutVars>
+      </dgm:prSet>
+      <dgm:spPr/>
+    </dgm:pt>
+    <dgm:pt modelId="{847CC8BF-31BF-44C7-A8EC-629A419ED0CA}" type="pres">
+      <dgm:prSet presAssocID="{F157979C-E563-4306-AC3A-C07F7DF4E85C}" presName="aSpace2" presStyleCnt="0"/>
+      <dgm:spPr/>
+    </dgm:pt>
+    <dgm:pt modelId="{AFF11A48-548A-4C3A-A9E5-F2D20D5F7AFA}" type="pres">
+      <dgm:prSet presAssocID="{C9CC0399-C3A4-40D6-892C-6009F8C8FB0C}" presName="childNode" presStyleLbl="node1" presStyleIdx="1" presStyleCnt="12">
+        <dgm:presLayoutVars>
+          <dgm:bulletEnabled val="1"/>
+        </dgm:presLayoutVars>
+      </dgm:prSet>
+      <dgm:spPr/>
+    </dgm:pt>
+    <dgm:pt modelId="{AC1F4A4A-577E-4913-BE21-021686BBC22F}" type="pres">
+      <dgm:prSet presAssocID="{C9CC0399-C3A4-40D6-892C-6009F8C8FB0C}" presName="aSpace2" presStyleCnt="0"/>
+      <dgm:spPr/>
+    </dgm:pt>
+    <dgm:pt modelId="{315A9FD8-1FF9-4AEF-AF54-FC19B5B0CDD7}" type="pres">
+      <dgm:prSet presAssocID="{7321631D-1D03-499A-B750-08FA88F3EC6D}" presName="childNode" presStyleLbl="node1" presStyleIdx="2" presStyleCnt="12">
+        <dgm:presLayoutVars>
+          <dgm:bulletEnabled val="1"/>
+        </dgm:presLayoutVars>
+      </dgm:prSet>
+      <dgm:spPr/>
+    </dgm:pt>
+    <dgm:pt modelId="{A1DC0883-3414-4C68-9128-F9DF92BB37DA}" type="pres">
+      <dgm:prSet presAssocID="{7321631D-1D03-499A-B750-08FA88F3EC6D}" presName="aSpace2" presStyleCnt="0"/>
+      <dgm:spPr/>
+    </dgm:pt>
+    <dgm:pt modelId="{C687854F-18F9-4FDD-9C49-43FFF9E27A01}" type="pres">
+      <dgm:prSet presAssocID="{1DCA3520-34B6-40CF-BDD6-784419B6C55E}" presName="childNode" presStyleLbl="node1" presStyleIdx="3" presStyleCnt="12">
+        <dgm:presLayoutVars>
+          <dgm:bulletEnabled val="1"/>
+        </dgm:presLayoutVars>
+      </dgm:prSet>
+      <dgm:spPr/>
+    </dgm:pt>
+    <dgm:pt modelId="{A5E181A5-F1D9-4470-B620-A1548CB6E926}" type="pres">
+      <dgm:prSet presAssocID="{217B0A09-E4B0-4527-B43D-C5CBB1D93A45}" presName="aSpace" presStyleCnt="0"/>
+      <dgm:spPr/>
+    </dgm:pt>
+    <dgm:pt modelId="{FE26C82B-3C15-473F-A32D-D94320787F19}" type="pres">
+      <dgm:prSet presAssocID="{2999BBD3-2C7E-4826-9719-B67EEA1BF9AF}" presName="compNode" presStyleCnt="0"/>
+      <dgm:spPr/>
+    </dgm:pt>
+    <dgm:pt modelId="{43B03F1F-AC28-4090-B756-ADE47010CA9E}" type="pres">
+      <dgm:prSet presAssocID="{2999BBD3-2C7E-4826-9719-B67EEA1BF9AF}" presName="aNode" presStyleLbl="bgShp" presStyleIdx="1" presStyleCnt="3"/>
+      <dgm:spPr/>
+    </dgm:pt>
+    <dgm:pt modelId="{9E714EB7-12C5-426C-A0BC-5423CE677FB7}" type="pres">
+      <dgm:prSet presAssocID="{2999BBD3-2C7E-4826-9719-B67EEA1BF9AF}" presName="textNode" presStyleLbl="bgShp" presStyleIdx="1" presStyleCnt="3"/>
+      <dgm:spPr/>
+    </dgm:pt>
+    <dgm:pt modelId="{9CA09144-229E-4A17-AECF-5009794E9A3F}" type="pres">
+      <dgm:prSet presAssocID="{2999BBD3-2C7E-4826-9719-B67EEA1BF9AF}" presName="compChildNode" presStyleCnt="0"/>
+      <dgm:spPr/>
+    </dgm:pt>
+    <dgm:pt modelId="{0D6A2ED2-FCA6-451B-AB77-3398B7783D53}" type="pres">
+      <dgm:prSet presAssocID="{2999BBD3-2C7E-4826-9719-B67EEA1BF9AF}" presName="theInnerList" presStyleCnt="0"/>
+      <dgm:spPr/>
+    </dgm:pt>
+    <dgm:pt modelId="{999016A8-F2D9-4C70-A24E-98ACE1277076}" type="pres">
+      <dgm:prSet presAssocID="{CC7E3773-ACD7-41A6-8283-7FC11B582F03}" presName="childNode" presStyleLbl="node1" presStyleIdx="4" presStyleCnt="12">
+        <dgm:presLayoutVars>
+          <dgm:bulletEnabled val="1"/>
+        </dgm:presLayoutVars>
+      </dgm:prSet>
+      <dgm:spPr/>
+    </dgm:pt>
+    <dgm:pt modelId="{89296EBB-8B05-46B9-AFFD-28C7126A2CFC}" type="pres">
+      <dgm:prSet presAssocID="{CC7E3773-ACD7-41A6-8283-7FC11B582F03}" presName="aSpace2" presStyleCnt="0"/>
+      <dgm:spPr/>
+    </dgm:pt>
+    <dgm:pt modelId="{5F2F941E-1A6A-4C06-8F74-1D6CF5173955}" type="pres">
+      <dgm:prSet presAssocID="{9EFC1600-F3E2-4BB4-A446-5224F079A69B}" presName="childNode" presStyleLbl="node1" presStyleIdx="5" presStyleCnt="12">
+        <dgm:presLayoutVars>
+          <dgm:bulletEnabled val="1"/>
+        </dgm:presLayoutVars>
+      </dgm:prSet>
+      <dgm:spPr/>
+    </dgm:pt>
+    <dgm:pt modelId="{DE74D791-F8C9-48D4-A728-5DF1EA4A1ECB}" type="pres">
+      <dgm:prSet presAssocID="{9EFC1600-F3E2-4BB4-A446-5224F079A69B}" presName="aSpace2" presStyleCnt="0"/>
+      <dgm:spPr/>
+    </dgm:pt>
+    <dgm:pt modelId="{E08B4E8E-43A9-4240-9E69-230C06CFAA9A}" type="pres">
+      <dgm:prSet presAssocID="{BD3AE4A0-8C43-41C8-AE45-4545B6E87640}" presName="childNode" presStyleLbl="node1" presStyleIdx="6" presStyleCnt="12">
+        <dgm:presLayoutVars>
+          <dgm:bulletEnabled val="1"/>
+        </dgm:presLayoutVars>
+      </dgm:prSet>
+      <dgm:spPr/>
+    </dgm:pt>
+    <dgm:pt modelId="{79457F19-0A16-4F1E-833A-F7263468BF80}" type="pres">
+      <dgm:prSet presAssocID="{BD3AE4A0-8C43-41C8-AE45-4545B6E87640}" presName="aSpace2" presStyleCnt="0"/>
+      <dgm:spPr/>
+    </dgm:pt>
+    <dgm:pt modelId="{A171F1EF-D6D9-463F-8D85-081A78E3D622}" type="pres">
+      <dgm:prSet presAssocID="{54B189D9-B37B-4E35-97E4-FCA26CC524DB}" presName="childNode" presStyleLbl="node1" presStyleIdx="7" presStyleCnt="12">
+        <dgm:presLayoutVars>
+          <dgm:bulletEnabled val="1"/>
+        </dgm:presLayoutVars>
+      </dgm:prSet>
+      <dgm:spPr/>
+    </dgm:pt>
+    <dgm:pt modelId="{E5449565-1585-40BA-A047-CE6B73AFE2A6}" type="pres">
+      <dgm:prSet presAssocID="{2999BBD3-2C7E-4826-9719-B67EEA1BF9AF}" presName="aSpace" presStyleCnt="0"/>
+      <dgm:spPr/>
+    </dgm:pt>
+    <dgm:pt modelId="{B8F7AB19-F7F1-40FC-B634-D03C0E11EF7B}" type="pres">
+      <dgm:prSet presAssocID="{0A9B52FE-0A1A-440F-A47F-4E0765553A98}" presName="compNode" presStyleCnt="0"/>
+      <dgm:spPr/>
+    </dgm:pt>
+    <dgm:pt modelId="{300EF233-89E2-455C-BBD1-46E234BF6FF1}" type="pres">
+      <dgm:prSet presAssocID="{0A9B52FE-0A1A-440F-A47F-4E0765553A98}" presName="aNode" presStyleLbl="bgShp" presStyleIdx="2" presStyleCnt="3"/>
+      <dgm:spPr/>
+    </dgm:pt>
+    <dgm:pt modelId="{DF192DEE-F4BD-47C0-A156-1CCB6F3E8AB2}" type="pres">
+      <dgm:prSet presAssocID="{0A9B52FE-0A1A-440F-A47F-4E0765553A98}" presName="textNode" presStyleLbl="bgShp" presStyleIdx="2" presStyleCnt="3"/>
+      <dgm:spPr/>
+    </dgm:pt>
+    <dgm:pt modelId="{AA368D39-1C1D-4F49-832B-66A9BEA8D54E}" type="pres">
+      <dgm:prSet presAssocID="{0A9B52FE-0A1A-440F-A47F-4E0765553A98}" presName="compChildNode" presStyleCnt="0"/>
+      <dgm:spPr/>
+    </dgm:pt>
+    <dgm:pt modelId="{826D775B-38ED-4040-9659-75394F05E569}" type="pres">
+      <dgm:prSet presAssocID="{0A9B52FE-0A1A-440F-A47F-4E0765553A98}" presName="theInnerList" presStyleCnt="0"/>
+      <dgm:spPr/>
+    </dgm:pt>
+    <dgm:pt modelId="{7F58A3B8-ED41-4CFD-BE1E-EB3E24BE5E66}" type="pres">
+      <dgm:prSet presAssocID="{BCE999C8-5595-4154-BEBA-27852FBCF9E3}" presName="childNode" presStyleLbl="node1" presStyleIdx="8" presStyleCnt="12">
+        <dgm:presLayoutVars>
+          <dgm:bulletEnabled val="1"/>
+        </dgm:presLayoutVars>
+      </dgm:prSet>
+      <dgm:spPr/>
+    </dgm:pt>
+    <dgm:pt modelId="{27FB79E1-26F0-4ADF-B4B0-8F6D1D13BC10}" type="pres">
+      <dgm:prSet presAssocID="{BCE999C8-5595-4154-BEBA-27852FBCF9E3}" presName="aSpace2" presStyleCnt="0"/>
+      <dgm:spPr/>
+    </dgm:pt>
+    <dgm:pt modelId="{A0DF931C-A672-428F-8C39-59D55CDACB11}" type="pres">
+      <dgm:prSet presAssocID="{3E48B4B9-6A37-4E9B-B0F0-C2862007CA03}" presName="childNode" presStyleLbl="node1" presStyleIdx="9" presStyleCnt="12">
+        <dgm:presLayoutVars>
+          <dgm:bulletEnabled val="1"/>
+        </dgm:presLayoutVars>
+      </dgm:prSet>
+      <dgm:spPr/>
+    </dgm:pt>
+    <dgm:pt modelId="{9F7344CD-E3BE-47E4-958A-A33B526CFE85}" type="pres">
+      <dgm:prSet presAssocID="{3E48B4B9-6A37-4E9B-B0F0-C2862007CA03}" presName="aSpace2" presStyleCnt="0"/>
+      <dgm:spPr/>
+    </dgm:pt>
+    <dgm:pt modelId="{15960031-D385-4463-ACC8-F6A08D82813D}" type="pres">
+      <dgm:prSet presAssocID="{35EECF3B-A159-446D-9B9A-352084A4BE72}" presName="childNode" presStyleLbl="node1" presStyleIdx="10" presStyleCnt="12">
+        <dgm:presLayoutVars>
+          <dgm:bulletEnabled val="1"/>
+        </dgm:presLayoutVars>
+      </dgm:prSet>
+      <dgm:spPr/>
+    </dgm:pt>
+    <dgm:pt modelId="{F4528340-06EC-4FF4-A988-6E51DA9EB9DF}" type="pres">
+      <dgm:prSet presAssocID="{35EECF3B-A159-446D-9B9A-352084A4BE72}" presName="aSpace2" presStyleCnt="0"/>
+      <dgm:spPr/>
+    </dgm:pt>
+    <dgm:pt modelId="{63A6C6EC-1EA2-4C34-A9E8-154ED819E2F9}" type="pres">
+      <dgm:prSet presAssocID="{41655A99-4FE3-41B1-B5AE-B676AD431487}" presName="childNode" presStyleLbl="node1" presStyleIdx="11" presStyleCnt="12">
+        <dgm:presLayoutVars>
+          <dgm:bulletEnabled val="1"/>
+        </dgm:presLayoutVars>
+      </dgm:prSet>
+      <dgm:spPr/>
+    </dgm:pt>
+  </dgm:ptLst>
+  <dgm:cxnLst>
+    <dgm:cxn modelId="{61350407-2C66-4503-A1C0-5EB7B2850A87}" type="presOf" srcId="{2999BBD3-2C7E-4826-9719-B67EEA1BF9AF}" destId="{43B03F1F-AC28-4090-B756-ADE47010CA9E}" srcOrd="0" destOrd="0" presId="urn:microsoft.com/office/officeart/2005/8/layout/lProcess2"/>
+    <dgm:cxn modelId="{AC94250B-6AC9-4D4E-B56A-184E1EE1A761}" type="presOf" srcId="{9EFC1600-F3E2-4BB4-A446-5224F079A69B}" destId="{5F2F941E-1A6A-4C06-8F74-1D6CF5173955}" srcOrd="0" destOrd="0" presId="urn:microsoft.com/office/officeart/2005/8/layout/lProcess2"/>
+    <dgm:cxn modelId="{F3DF6F17-7621-43B2-BEFD-671E9691412C}" type="presOf" srcId="{BCE999C8-5595-4154-BEBA-27852FBCF9E3}" destId="{7F58A3B8-ED41-4CFD-BE1E-EB3E24BE5E66}" srcOrd="0" destOrd="0" presId="urn:microsoft.com/office/officeart/2005/8/layout/lProcess2"/>
+    <dgm:cxn modelId="{5042D71E-E93D-4CC4-8BA3-45E9477F3EA1}" srcId="{2999BBD3-2C7E-4826-9719-B67EEA1BF9AF}" destId="{9EFC1600-F3E2-4BB4-A446-5224F079A69B}" srcOrd="1" destOrd="0" parTransId="{F4AB4386-9021-4887-B2CD-E3EFF8DA68D7}" sibTransId="{3312AA33-4C42-4B9D-B01C-41F1F71A01FD}"/>
+    <dgm:cxn modelId="{DC401520-8E64-4C17-936A-E1CB1107F6C0}" type="presOf" srcId="{41655A99-4FE3-41B1-B5AE-B676AD431487}" destId="{63A6C6EC-1EA2-4C34-A9E8-154ED819E2F9}" srcOrd="0" destOrd="0" presId="urn:microsoft.com/office/officeart/2005/8/layout/lProcess2"/>
+    <dgm:cxn modelId="{0B838E29-C5E6-4A58-B255-133EA62CC448}" srcId="{0A9B52FE-0A1A-440F-A47F-4E0765553A98}" destId="{35EECF3B-A159-446D-9B9A-352084A4BE72}" srcOrd="2" destOrd="0" parTransId="{4DF8F6D2-8127-4F6A-8311-EBE34C4CE9A0}" sibTransId="{BC886C42-2BD8-479F-81EC-21C3498F6023}"/>
+    <dgm:cxn modelId="{2BC84231-5A0B-434A-B7D8-5E5E6E675231}" srcId="{0A9B52FE-0A1A-440F-A47F-4E0765553A98}" destId="{41655A99-4FE3-41B1-B5AE-B676AD431487}" srcOrd="3" destOrd="0" parTransId="{9694DB3F-5E88-4432-8267-0E13EC59B8EA}" sibTransId="{3D5AB9A9-998D-4D5C-949D-E56932B0875F}"/>
+    <dgm:cxn modelId="{D0245838-2B3B-4002-874D-CC177DA63AD1}" srcId="{0A9B52FE-0A1A-440F-A47F-4E0765553A98}" destId="{BCE999C8-5595-4154-BEBA-27852FBCF9E3}" srcOrd="0" destOrd="0" parTransId="{70CF7E50-B757-413F-9942-F1C081D4D301}" sibTransId="{651E1E80-A88A-48D1-9474-CA6674CD8A44}"/>
+    <dgm:cxn modelId="{0C87985B-F156-4414-9458-897CBE59B858}" srcId="{2999BBD3-2C7E-4826-9719-B67EEA1BF9AF}" destId="{54B189D9-B37B-4E35-97E4-FCA26CC524DB}" srcOrd="3" destOrd="0" parTransId="{63647A33-0FA1-4F43-A81C-CDB414FE1391}" sibTransId="{FCC0B6D4-48E5-44A9-936F-B0E1EBE85E89}"/>
+    <dgm:cxn modelId="{B99E6C42-E8B6-4FFE-9409-20E1EDDCFD61}" srcId="{2999BBD3-2C7E-4826-9719-B67EEA1BF9AF}" destId="{CC7E3773-ACD7-41A6-8283-7FC11B582F03}" srcOrd="0" destOrd="0" parTransId="{7E1C60F6-6CA9-4BD6-B19B-DE16F5EFAF3C}" sibTransId="{EDFEC83F-5B53-4C30-92C3-2137889171CB}"/>
+    <dgm:cxn modelId="{CB4E0E43-D65C-4C28-A2B0-49C17568D844}" type="presOf" srcId="{2999BBD3-2C7E-4826-9719-B67EEA1BF9AF}" destId="{9E714EB7-12C5-426C-A0BC-5423CE677FB7}" srcOrd="1" destOrd="0" presId="urn:microsoft.com/office/officeart/2005/8/layout/lProcess2"/>
+    <dgm:cxn modelId="{00916044-B025-49E7-A4A6-D6D5D1ED5B48}" srcId="{217B0A09-E4B0-4527-B43D-C5CBB1D93A45}" destId="{7321631D-1D03-499A-B750-08FA88F3EC6D}" srcOrd="2" destOrd="0" parTransId="{EA3ED590-2AC7-4722-9223-1EEDEDDC6C8F}" sibTransId="{25EB1BAC-B942-42D1-99C5-377A4D147AAB}"/>
+    <dgm:cxn modelId="{18F0B948-AE3B-491E-B430-94813B9D50D1}" type="presOf" srcId="{0A9B52FE-0A1A-440F-A47F-4E0765553A98}" destId="{DF192DEE-F4BD-47C0-A156-1CCB6F3E8AB2}" srcOrd="1" destOrd="0" presId="urn:microsoft.com/office/officeart/2005/8/layout/lProcess2"/>
+    <dgm:cxn modelId="{F1F30B6C-D367-4417-939D-6ABF9F784BCB}" type="presOf" srcId="{1DCA3520-34B6-40CF-BDD6-784419B6C55E}" destId="{C687854F-18F9-4FDD-9C49-43FFF9E27A01}" srcOrd="0" destOrd="0" presId="urn:microsoft.com/office/officeart/2005/8/layout/lProcess2"/>
+    <dgm:cxn modelId="{9152D86D-6F95-4BC2-8D7D-56483CD716B2}" srcId="{9587E4F3-4586-421D-9808-FA6BF912EC26}" destId="{217B0A09-E4B0-4527-B43D-C5CBB1D93A45}" srcOrd="0" destOrd="0" parTransId="{B35A2954-0222-4BDA-83DB-7179076635E2}" sibTransId="{D7E87083-19D0-4694-B500-7651FDD775AB}"/>
+    <dgm:cxn modelId="{CB21394F-485F-4E1E-9A90-619E939A13B4}" srcId="{217B0A09-E4B0-4527-B43D-C5CBB1D93A45}" destId="{F157979C-E563-4306-AC3A-C07F7DF4E85C}" srcOrd="0" destOrd="0" parTransId="{56EF2C21-ECC3-4857-88E7-EF995BA5DC76}" sibTransId="{0A820178-BAA2-4459-A51F-582901552DA4}"/>
+    <dgm:cxn modelId="{C61E7350-F8A3-44B9-BCEC-C150DCA3F89E}" srcId="{217B0A09-E4B0-4527-B43D-C5CBB1D93A45}" destId="{C9CC0399-C3A4-40D6-892C-6009F8C8FB0C}" srcOrd="1" destOrd="0" parTransId="{6325E471-CA81-4C56-8E9F-95787A7F5EC5}" sibTransId="{7E4F3E67-B9AC-4D0F-B16E-A339B28B6CDF}"/>
+    <dgm:cxn modelId="{C688C459-2C42-4A1B-A3E7-27E6AB96AE6D}" type="presOf" srcId="{217B0A09-E4B0-4527-B43D-C5CBB1D93A45}" destId="{C5C87E26-F6C4-4BB8-94C4-1B9BC1864705}" srcOrd="1" destOrd="0" presId="urn:microsoft.com/office/officeart/2005/8/layout/lProcess2"/>
+    <dgm:cxn modelId="{60C02B87-356D-44FE-AB5B-D8FBB200EB68}" srcId="{9587E4F3-4586-421D-9808-FA6BF912EC26}" destId="{0A9B52FE-0A1A-440F-A47F-4E0765553A98}" srcOrd="2" destOrd="0" parTransId="{CA8F2643-DCDE-402B-8666-232D9C3BF455}" sibTransId="{A0346319-EFD6-4635-84B9-146E9EF9BFF6}"/>
+    <dgm:cxn modelId="{E6CCAE8F-6A37-4B2F-AB0F-4EC8A726F243}" srcId="{217B0A09-E4B0-4527-B43D-C5CBB1D93A45}" destId="{1DCA3520-34B6-40CF-BDD6-784419B6C55E}" srcOrd="3" destOrd="0" parTransId="{C6C11700-87CE-42D1-B141-3F55CC14790F}" sibTransId="{5D1D0C4E-F8CD-4303-B1EB-A9C4FDDFA51E}"/>
+    <dgm:cxn modelId="{D7DFD792-42F5-4988-83F9-8921D5014757}" type="presOf" srcId="{BD3AE4A0-8C43-41C8-AE45-4545B6E87640}" destId="{E08B4E8E-43A9-4240-9E69-230C06CFAA9A}" srcOrd="0" destOrd="0" presId="urn:microsoft.com/office/officeart/2005/8/layout/lProcess2"/>
+    <dgm:cxn modelId="{161B5BA4-7842-4333-B3AF-1012CE1CFB74}" type="presOf" srcId="{C9CC0399-C3A4-40D6-892C-6009F8C8FB0C}" destId="{AFF11A48-548A-4C3A-A9E5-F2D20D5F7AFA}" srcOrd="0" destOrd="0" presId="urn:microsoft.com/office/officeart/2005/8/layout/lProcess2"/>
+    <dgm:cxn modelId="{D1F613AC-FB28-4C79-9A14-DC1B15C222F3}" type="presOf" srcId="{35EECF3B-A159-446D-9B9A-352084A4BE72}" destId="{15960031-D385-4463-ACC8-F6A08D82813D}" srcOrd="0" destOrd="0" presId="urn:microsoft.com/office/officeart/2005/8/layout/lProcess2"/>
+    <dgm:cxn modelId="{1147A6AD-102A-41E1-B977-B7315B4A5F43}" srcId="{2999BBD3-2C7E-4826-9719-B67EEA1BF9AF}" destId="{BD3AE4A0-8C43-41C8-AE45-4545B6E87640}" srcOrd="2" destOrd="0" parTransId="{087C5ED3-D559-420B-9164-985ED5AB4E75}" sibTransId="{B1CF163E-FCE0-40DE-BF80-B4DD963956CA}"/>
+    <dgm:cxn modelId="{98D371B2-AFC1-4495-A2AC-EE6A31943EBD}" type="presOf" srcId="{7321631D-1D03-499A-B750-08FA88F3EC6D}" destId="{315A9FD8-1FF9-4AEF-AF54-FC19B5B0CDD7}" srcOrd="0" destOrd="0" presId="urn:microsoft.com/office/officeart/2005/8/layout/lProcess2"/>
+    <dgm:cxn modelId="{B594A1BE-B855-45BA-8C5C-3933F638187F}" type="presOf" srcId="{F157979C-E563-4306-AC3A-C07F7DF4E85C}" destId="{93BD4C8C-7FB8-49C4-B096-5F7C48FA6299}" srcOrd="0" destOrd="0" presId="urn:microsoft.com/office/officeart/2005/8/layout/lProcess2"/>
+    <dgm:cxn modelId="{0FB9EFC4-654E-475F-BE5F-3AE9666D8184}" type="presOf" srcId="{CC7E3773-ACD7-41A6-8283-7FC11B582F03}" destId="{999016A8-F2D9-4C70-A24E-98ACE1277076}" srcOrd="0" destOrd="0" presId="urn:microsoft.com/office/officeart/2005/8/layout/lProcess2"/>
+    <dgm:cxn modelId="{9BDC8ADF-9E43-49A0-96A2-5A7556BDA51A}" type="presOf" srcId="{9587E4F3-4586-421D-9808-FA6BF912EC26}" destId="{D11C78C9-046F-4129-9F88-2E71F17696CF}" srcOrd="0" destOrd="0" presId="urn:microsoft.com/office/officeart/2005/8/layout/lProcess2"/>
+    <dgm:cxn modelId="{2CCDEAE7-AE49-424A-9347-2633ACD2C0FE}" srcId="{9587E4F3-4586-421D-9808-FA6BF912EC26}" destId="{2999BBD3-2C7E-4826-9719-B67EEA1BF9AF}" srcOrd="1" destOrd="0" parTransId="{233CB41E-8404-45CD-A1F6-FF043EC2A9DD}" sibTransId="{7957CD1A-9828-41A5-B003-31A4C9A62896}"/>
+    <dgm:cxn modelId="{48F98DE9-DF22-4DE7-BFC3-8B55E69A394B}" type="presOf" srcId="{217B0A09-E4B0-4527-B43D-C5CBB1D93A45}" destId="{45104095-606C-4618-84C7-6F6C5E322F1B}" srcOrd="0" destOrd="0" presId="urn:microsoft.com/office/officeart/2005/8/layout/lProcess2"/>
+    <dgm:cxn modelId="{E075ABE9-6A83-496C-80E7-AF7DCE7C45F4}" type="presOf" srcId="{54B189D9-B37B-4E35-97E4-FCA26CC524DB}" destId="{A171F1EF-D6D9-463F-8D85-081A78E3D622}" srcOrd="0" destOrd="0" presId="urn:microsoft.com/office/officeart/2005/8/layout/lProcess2"/>
+    <dgm:cxn modelId="{BAF484F3-B09D-4B0C-B074-57B4CC374CD4}" type="presOf" srcId="{0A9B52FE-0A1A-440F-A47F-4E0765553A98}" destId="{300EF233-89E2-455C-BBD1-46E234BF6FF1}" srcOrd="0" destOrd="0" presId="urn:microsoft.com/office/officeart/2005/8/layout/lProcess2"/>
+    <dgm:cxn modelId="{38EF37F6-A63B-4F8D-87E4-FE3CF4EFA210}" srcId="{0A9B52FE-0A1A-440F-A47F-4E0765553A98}" destId="{3E48B4B9-6A37-4E9B-B0F0-C2862007CA03}" srcOrd="1" destOrd="0" parTransId="{2F37745E-AFC0-44DD-8340-D358900CB217}" sibTransId="{3100EAEF-FF22-4863-AA7B-8BD9C75A034E}"/>
+    <dgm:cxn modelId="{AD0D10FF-2E9C-4A69-B732-4C2B9B8AF749}" type="presOf" srcId="{3E48B4B9-6A37-4E9B-B0F0-C2862007CA03}" destId="{A0DF931C-A672-428F-8C39-59D55CDACB11}" srcOrd="0" destOrd="0" presId="urn:microsoft.com/office/officeart/2005/8/layout/lProcess2"/>
+    <dgm:cxn modelId="{FCAE4614-5FC4-4106-ADD5-4CF5C9B8061B}" type="presParOf" srcId="{D11C78C9-046F-4129-9F88-2E71F17696CF}" destId="{23260D3A-F208-477D-9C9B-8E6611BEDF2A}" srcOrd="0" destOrd="0" presId="urn:microsoft.com/office/officeart/2005/8/layout/lProcess2"/>
+    <dgm:cxn modelId="{EAEEEF4F-E3B2-443B-A434-9F8A94AD45B4}" type="presParOf" srcId="{23260D3A-F208-477D-9C9B-8E6611BEDF2A}" destId="{45104095-606C-4618-84C7-6F6C5E322F1B}" srcOrd="0" destOrd="0" presId="urn:microsoft.com/office/officeart/2005/8/layout/lProcess2"/>
+    <dgm:cxn modelId="{E4A1D3EC-D881-4829-82F8-CA19F2919EED}" type="presParOf" srcId="{23260D3A-F208-477D-9C9B-8E6611BEDF2A}" destId="{C5C87E26-F6C4-4BB8-94C4-1B9BC1864705}" srcOrd="1" destOrd="0" presId="urn:microsoft.com/office/officeart/2005/8/layout/lProcess2"/>
+    <dgm:cxn modelId="{4EB7F4F0-4C5A-443C-8A5C-B880BBB70AAF}" type="presParOf" srcId="{23260D3A-F208-477D-9C9B-8E6611BEDF2A}" destId="{8D5C8A30-A010-4E99-8B64-B161BD7CF6CD}" srcOrd="2" destOrd="0" presId="urn:microsoft.com/office/officeart/2005/8/layout/lProcess2"/>
+    <dgm:cxn modelId="{BDC6AD65-16A1-4E4A-9C73-F371E1421AFD}" type="presParOf" srcId="{8D5C8A30-A010-4E99-8B64-B161BD7CF6CD}" destId="{B8200B57-0FBF-4E14-AA5E-8C374B1F9C84}" srcOrd="0" destOrd="0" presId="urn:microsoft.com/office/officeart/2005/8/layout/lProcess2"/>
+    <dgm:cxn modelId="{7D3D80B3-E084-4CE6-B165-45E372A1E76C}" type="presParOf" srcId="{B8200B57-0FBF-4E14-AA5E-8C374B1F9C84}" destId="{93BD4C8C-7FB8-49C4-B096-5F7C48FA6299}" srcOrd="0" destOrd="0" presId="urn:microsoft.com/office/officeart/2005/8/layout/lProcess2"/>
+    <dgm:cxn modelId="{E85EDCC0-CA88-45B4-B46D-73666D544C87}" type="presParOf" srcId="{B8200B57-0FBF-4E14-AA5E-8C374B1F9C84}" destId="{847CC8BF-31BF-44C7-A8EC-629A419ED0CA}" srcOrd="1" destOrd="0" presId="urn:microsoft.com/office/officeart/2005/8/layout/lProcess2"/>
+    <dgm:cxn modelId="{B6AA9FAE-ABBC-4F3A-AF7C-368C87A2ABFC}" type="presParOf" srcId="{B8200B57-0FBF-4E14-AA5E-8C374B1F9C84}" destId="{AFF11A48-548A-4C3A-A9E5-F2D20D5F7AFA}" srcOrd="2" destOrd="0" presId="urn:microsoft.com/office/officeart/2005/8/layout/lProcess2"/>
+    <dgm:cxn modelId="{FADAD8F1-5C42-4B0B-A31F-9A65DE08C394}" type="presParOf" srcId="{B8200B57-0FBF-4E14-AA5E-8C374B1F9C84}" destId="{AC1F4A4A-577E-4913-BE21-021686BBC22F}" srcOrd="3" destOrd="0" presId="urn:microsoft.com/office/officeart/2005/8/layout/lProcess2"/>
+    <dgm:cxn modelId="{993B121B-154C-4BF1-8E01-9D50C677C747}" type="presParOf" srcId="{B8200B57-0FBF-4E14-AA5E-8C374B1F9C84}" destId="{315A9FD8-1FF9-4AEF-AF54-FC19B5B0CDD7}" srcOrd="4" destOrd="0" presId="urn:microsoft.com/office/officeart/2005/8/layout/lProcess2"/>
+    <dgm:cxn modelId="{5F41E31C-DC05-436A-93AC-20580BC511B6}" type="presParOf" srcId="{B8200B57-0FBF-4E14-AA5E-8C374B1F9C84}" destId="{A1DC0883-3414-4C68-9128-F9DF92BB37DA}" srcOrd="5" destOrd="0" presId="urn:microsoft.com/office/officeart/2005/8/layout/lProcess2"/>
+    <dgm:cxn modelId="{C31A1F2A-1065-4928-82D8-2AC8C5FB4D67}" type="presParOf" srcId="{B8200B57-0FBF-4E14-AA5E-8C374B1F9C84}" destId="{C687854F-18F9-4FDD-9C49-43FFF9E27A01}" srcOrd="6" destOrd="0" presId="urn:microsoft.com/office/officeart/2005/8/layout/lProcess2"/>
+    <dgm:cxn modelId="{B2595519-FA86-413F-9BF9-5C00DAA1711A}" type="presParOf" srcId="{D11C78C9-046F-4129-9F88-2E71F17696CF}" destId="{A5E181A5-F1D9-4470-B620-A1548CB6E926}" srcOrd="1" destOrd="0" presId="urn:microsoft.com/office/officeart/2005/8/layout/lProcess2"/>
+    <dgm:cxn modelId="{CB74110B-CB0A-437B-99C3-51DC7FF308D0}" type="presParOf" srcId="{D11C78C9-046F-4129-9F88-2E71F17696CF}" destId="{FE26C82B-3C15-473F-A32D-D94320787F19}" srcOrd="2" destOrd="0" presId="urn:microsoft.com/office/officeart/2005/8/layout/lProcess2"/>
+    <dgm:cxn modelId="{315823A9-A7F9-47A6-A3B7-BAA05FAF9D8B}" type="presParOf" srcId="{FE26C82B-3C15-473F-A32D-D94320787F19}" destId="{43B03F1F-AC28-4090-B756-ADE47010CA9E}" srcOrd="0" destOrd="0" presId="urn:microsoft.com/office/officeart/2005/8/layout/lProcess2"/>
+    <dgm:cxn modelId="{F4B7D258-D3C6-4F75-9121-17115A8AE397}" type="presParOf" srcId="{FE26C82B-3C15-473F-A32D-D94320787F19}" destId="{9E714EB7-12C5-426C-A0BC-5423CE677FB7}" srcOrd="1" destOrd="0" presId="urn:microsoft.com/office/officeart/2005/8/layout/lProcess2"/>
+    <dgm:cxn modelId="{46FDB2F1-D59F-454D-BFBB-878720893790}" type="presParOf" srcId="{FE26C82B-3C15-473F-A32D-D94320787F19}" destId="{9CA09144-229E-4A17-AECF-5009794E9A3F}" srcOrd="2" destOrd="0" presId="urn:microsoft.com/office/officeart/2005/8/layout/lProcess2"/>
+    <dgm:cxn modelId="{18D644C6-D932-4060-94E9-9E414B7CEDCE}" type="presParOf" srcId="{9CA09144-229E-4A17-AECF-5009794E9A3F}" destId="{0D6A2ED2-FCA6-451B-AB77-3398B7783D53}" srcOrd="0" destOrd="0" presId="urn:microsoft.com/office/officeart/2005/8/layout/lProcess2"/>
+    <dgm:cxn modelId="{12E0F40E-2BAC-495A-BA79-80BE45B2B69B}" type="presParOf" srcId="{0D6A2ED2-FCA6-451B-AB77-3398B7783D53}" destId="{999016A8-F2D9-4C70-A24E-98ACE1277076}" srcOrd="0" destOrd="0" presId="urn:microsoft.com/office/officeart/2005/8/layout/lProcess2"/>
+    <dgm:cxn modelId="{96FCFBC3-9094-4D36-89E2-AA4F953FCF10}" type="presParOf" srcId="{0D6A2ED2-FCA6-451B-AB77-3398B7783D53}" destId="{89296EBB-8B05-46B9-AFFD-28C7126A2CFC}" srcOrd="1" destOrd="0" presId="urn:microsoft.com/office/officeart/2005/8/layout/lProcess2"/>
+    <dgm:cxn modelId="{7C8A4EBE-024C-468E-95DD-6307BC29F31A}" type="presParOf" srcId="{0D6A2ED2-FCA6-451B-AB77-3398B7783D53}" destId="{5F2F941E-1A6A-4C06-8F74-1D6CF5173955}" srcOrd="2" destOrd="0" presId="urn:microsoft.com/office/officeart/2005/8/layout/lProcess2"/>
+    <dgm:cxn modelId="{392B77C8-7F81-4DBF-B7E8-FC7D40F79495}" type="presParOf" srcId="{0D6A2ED2-FCA6-451B-AB77-3398B7783D53}" destId="{DE74D791-F8C9-48D4-A728-5DF1EA4A1ECB}" srcOrd="3" destOrd="0" presId="urn:microsoft.com/office/officeart/2005/8/layout/lProcess2"/>
+    <dgm:cxn modelId="{5FD000EA-9AF4-49AA-838A-F6FC764007DB}" type="presParOf" srcId="{0D6A2ED2-FCA6-451B-AB77-3398B7783D53}" destId="{E08B4E8E-43A9-4240-9E69-230C06CFAA9A}" srcOrd="4" destOrd="0" presId="urn:microsoft.com/office/officeart/2005/8/layout/lProcess2"/>
+    <dgm:cxn modelId="{425D7571-44D7-471B-80B2-28A212F7DE41}" type="presParOf" srcId="{0D6A2ED2-FCA6-451B-AB77-3398B7783D53}" destId="{79457F19-0A16-4F1E-833A-F7263468BF80}" srcOrd="5" destOrd="0" presId="urn:microsoft.com/office/officeart/2005/8/layout/lProcess2"/>
+    <dgm:cxn modelId="{35D89A0A-8984-481F-9886-AD451C35A4F8}" type="presParOf" srcId="{0D6A2ED2-FCA6-451B-AB77-3398B7783D53}" destId="{A171F1EF-D6D9-463F-8D85-081A78E3D622}" srcOrd="6" destOrd="0" presId="urn:microsoft.com/office/officeart/2005/8/layout/lProcess2"/>
+    <dgm:cxn modelId="{02E82362-BC33-4610-96AA-C5CEFD894208}" type="presParOf" srcId="{D11C78C9-046F-4129-9F88-2E71F17696CF}" destId="{E5449565-1585-40BA-A047-CE6B73AFE2A6}" srcOrd="3" destOrd="0" presId="urn:microsoft.com/office/officeart/2005/8/layout/lProcess2"/>
+    <dgm:cxn modelId="{83A7A6C5-1652-4A92-BBCF-182BE438258E}" type="presParOf" srcId="{D11C78C9-046F-4129-9F88-2E71F17696CF}" destId="{B8F7AB19-F7F1-40FC-B634-D03C0E11EF7B}" srcOrd="4" destOrd="0" presId="urn:microsoft.com/office/officeart/2005/8/layout/lProcess2"/>
+    <dgm:cxn modelId="{B98D2F85-1571-4A9E-81F8-6ADD6011A435}" type="presParOf" srcId="{B8F7AB19-F7F1-40FC-B634-D03C0E11EF7B}" destId="{300EF233-89E2-455C-BBD1-46E234BF6FF1}" srcOrd="0" destOrd="0" presId="urn:microsoft.com/office/officeart/2005/8/layout/lProcess2"/>
+    <dgm:cxn modelId="{8BA76E82-1D46-4298-93DD-ECDBA170FC9A}" type="presParOf" srcId="{B8F7AB19-F7F1-40FC-B634-D03C0E11EF7B}" destId="{DF192DEE-F4BD-47C0-A156-1CCB6F3E8AB2}" srcOrd="1" destOrd="0" presId="urn:microsoft.com/office/officeart/2005/8/layout/lProcess2"/>
+    <dgm:cxn modelId="{81B452DC-A449-4485-930B-5AF5CB5D49A7}" type="presParOf" srcId="{B8F7AB19-F7F1-40FC-B634-D03C0E11EF7B}" destId="{AA368D39-1C1D-4F49-832B-66A9BEA8D54E}" srcOrd="2" destOrd="0" presId="urn:microsoft.com/office/officeart/2005/8/layout/lProcess2"/>
+    <dgm:cxn modelId="{03D73D75-7E67-4AD4-A8B2-2FF831252154}" type="presParOf" srcId="{AA368D39-1C1D-4F49-832B-66A9BEA8D54E}" destId="{826D775B-38ED-4040-9659-75394F05E569}" srcOrd="0" destOrd="0" presId="urn:microsoft.com/office/officeart/2005/8/layout/lProcess2"/>
+    <dgm:cxn modelId="{FE79601C-37CE-41A8-AB01-E389A8728740}" type="presParOf" srcId="{826D775B-38ED-4040-9659-75394F05E569}" destId="{7F58A3B8-ED41-4CFD-BE1E-EB3E24BE5E66}" srcOrd="0" destOrd="0" presId="urn:microsoft.com/office/officeart/2005/8/layout/lProcess2"/>
+    <dgm:cxn modelId="{4FE65362-16C0-46AF-9D88-B333B896D6AB}" type="presParOf" srcId="{826D775B-38ED-4040-9659-75394F05E569}" destId="{27FB79E1-26F0-4ADF-B4B0-8F6D1D13BC10}" srcOrd="1" destOrd="0" presId="urn:microsoft.com/office/officeart/2005/8/layout/lProcess2"/>
+    <dgm:cxn modelId="{3A53E606-556C-4F61-A688-75901474A451}" type="presParOf" srcId="{826D775B-38ED-4040-9659-75394F05E569}" destId="{A0DF931C-A672-428F-8C39-59D55CDACB11}" srcOrd="2" destOrd="0" presId="urn:microsoft.com/office/officeart/2005/8/layout/lProcess2"/>
+    <dgm:cxn modelId="{FF4CE000-E24B-4E86-9957-62E03F3C92EA}" type="presParOf" srcId="{826D775B-38ED-4040-9659-75394F05E569}" destId="{9F7344CD-E3BE-47E4-958A-A33B526CFE85}" srcOrd="3" destOrd="0" presId="urn:microsoft.com/office/officeart/2005/8/layout/lProcess2"/>
+    <dgm:cxn modelId="{7C9028BD-857C-4FE3-9846-BF9FE8AE1045}" type="presParOf" srcId="{826D775B-38ED-4040-9659-75394F05E569}" destId="{15960031-D385-4463-ACC8-F6A08D82813D}" srcOrd="4" destOrd="0" presId="urn:microsoft.com/office/officeart/2005/8/layout/lProcess2"/>
+    <dgm:cxn modelId="{E0789414-B0FB-4519-81CA-9A2E6C2AE649}" type="presParOf" srcId="{826D775B-38ED-4040-9659-75394F05E569}" destId="{F4528340-06EC-4FF4-A988-6E51DA9EB9DF}" srcOrd="5" destOrd="0" presId="urn:microsoft.com/office/officeart/2005/8/layout/lProcess2"/>
+    <dgm:cxn modelId="{F0C2031F-F38E-46C0-AAE3-C66CCDCC8E4E}" type="presParOf" srcId="{826D775B-38ED-4040-9659-75394F05E569}" destId="{63A6C6EC-1EA2-4C34-A9E8-154ED819E2F9}" srcOrd="6" destOrd="0" presId="urn:microsoft.com/office/officeart/2005/8/layout/lProcess2"/>
+  </dgm:cxnLst>
+  <dgm:bg/>
+  <dgm:whole/>
+  <dgm:extLst>
+    <a:ext uri="http://schemas.microsoft.com/office/drawing/2008/diagram">
+      <dsp:dataModelExt xmlns:dsp="http://schemas.microsoft.com/office/drawing/2008/diagram" relId="rId7" minVer="http://schemas.openxmlformats.org/drawingml/2006/diagram"/>
     </a:ext>
   </dgm:extLst>
 </dgm:dataModel>
@@ -5031,6 +6693,1169 @@
 </dsp:drawing>
 </file>
 
+<file path=ppt/diagrams/drawing4.xml><?xml version="1.0" encoding="utf-8"?>
+<dsp:drawing xmlns:dgm="http://schemas.openxmlformats.org/drawingml/2006/diagram" xmlns:dsp="http://schemas.microsoft.com/office/drawing/2008/diagram" xmlns:a="http://schemas.openxmlformats.org/drawingml/2006/main">
+  <dsp:spTree>
+    <dsp:nvGrpSpPr>
+      <dsp:cNvPr id="0" name=""/>
+      <dsp:cNvGrpSpPr/>
+    </dsp:nvGrpSpPr>
+    <dsp:grpSpPr/>
+    <dsp:sp modelId="{45104095-606C-4618-84C7-6F6C5E322F1B}">
+      <dsp:nvSpPr>
+        <dsp:cNvPr id="0" name=""/>
+        <dsp:cNvSpPr/>
+      </dsp:nvSpPr>
+      <dsp:spPr>
+        <a:xfrm>
+          <a:off x="1388" y="0"/>
+          <a:ext cx="3611058" cy="4210050"/>
+        </a:xfrm>
+        <a:prstGeom prst="roundRect">
+          <a:avLst>
+            <a:gd name="adj" fmla="val 10000"/>
+          </a:avLst>
+        </a:prstGeom>
+        <a:solidFill>
+          <a:schemeClr val="accent1">
+            <a:tint val="40000"/>
+            <a:hueOff val="0"/>
+            <a:satOff val="0"/>
+            <a:lumOff val="0"/>
+            <a:alphaOff val="0"/>
+          </a:schemeClr>
+        </a:solidFill>
+        <a:ln>
+          <a:noFill/>
+        </a:ln>
+        <a:effectLst/>
+      </dsp:spPr>
+      <dsp:style>
+        <a:lnRef idx="0">
+          <a:scrgbClr r="0" g="0" b="0"/>
+        </a:lnRef>
+        <a:fillRef idx="1">
+          <a:scrgbClr r="0" g="0" b="0"/>
+        </a:fillRef>
+        <a:effectRef idx="0">
+          <a:scrgbClr r="0" g="0" b="0"/>
+        </a:effectRef>
+        <a:fontRef idx="minor"/>
+      </dsp:style>
+      <dsp:txBody>
+        <a:bodyPr spcFirstLastPara="0" vert="horz" wrap="square" lIns="133350" tIns="133350" rIns="133350" bIns="133350" numCol="1" spcCol="1270" anchor="ctr" anchorCtr="0">
+          <a:noAutofit/>
+        </a:bodyPr>
+        <a:lstStyle/>
+        <a:p>
+          <a:pPr marL="0" lvl="0" indent="0" algn="ctr" defTabSz="1555750">
+            <a:lnSpc>
+              <a:spcPct val="90000"/>
+            </a:lnSpc>
+            <a:spcBef>
+              <a:spcPct val="0"/>
+            </a:spcBef>
+            <a:spcAft>
+              <a:spcPct val="35000"/>
+            </a:spcAft>
+            <a:buNone/>
+          </a:pPr>
+          <a:r>
+            <a:rPr lang="de-DE" sz="3500" kern="1200" dirty="0"/>
+            <a:t>V-Modell</a:t>
+          </a:r>
+        </a:p>
+      </dsp:txBody>
+      <dsp:txXfrm>
+        <a:off x="1388" y="0"/>
+        <a:ext cx="3611058" cy="1263015"/>
+      </dsp:txXfrm>
+    </dsp:sp>
+    <dsp:sp modelId="{93BD4C8C-7FB8-49C4-B096-5F7C48FA6299}">
+      <dsp:nvSpPr>
+        <dsp:cNvPr id="0" name=""/>
+        <dsp:cNvSpPr/>
+      </dsp:nvSpPr>
+      <dsp:spPr>
+        <a:xfrm>
+          <a:off x="362494" y="1263117"/>
+          <a:ext cx="2888847" cy="613314"/>
+        </a:xfrm>
+        <a:prstGeom prst="roundRect">
+          <a:avLst>
+            <a:gd name="adj" fmla="val 10000"/>
+          </a:avLst>
+        </a:prstGeom>
+        <a:solidFill>
+          <a:schemeClr val="accent1">
+            <a:lumMod val="60000"/>
+            <a:lumOff val="40000"/>
+          </a:schemeClr>
+        </a:solidFill>
+        <a:ln w="19050" cap="flat" cmpd="sng" algn="ctr">
+          <a:solidFill>
+            <a:schemeClr val="lt1">
+              <a:hueOff val="0"/>
+              <a:satOff val="0"/>
+              <a:lumOff val="0"/>
+              <a:alphaOff val="0"/>
+            </a:schemeClr>
+          </a:solidFill>
+          <a:prstDash val="solid"/>
+          <a:miter lim="800000"/>
+        </a:ln>
+        <a:effectLst/>
+      </dsp:spPr>
+      <dsp:style>
+        <a:lnRef idx="3">
+          <a:scrgbClr r="0" g="0" b="0"/>
+        </a:lnRef>
+        <a:fillRef idx="1">
+          <a:scrgbClr r="0" g="0" b="0"/>
+        </a:fillRef>
+        <a:effectRef idx="1">
+          <a:scrgbClr r="0" g="0" b="0"/>
+        </a:effectRef>
+        <a:fontRef idx="minor">
+          <a:schemeClr val="lt1"/>
+        </a:fontRef>
+      </dsp:style>
+      <dsp:txBody>
+        <a:bodyPr spcFirstLastPara="0" vert="horz" wrap="square" lIns="48260" tIns="36195" rIns="48260" bIns="36195" numCol="1" spcCol="1270" anchor="ctr" anchorCtr="0">
+          <a:noAutofit/>
+        </a:bodyPr>
+        <a:lstStyle/>
+        <a:p>
+          <a:pPr marL="0" lvl="0" indent="0" algn="ctr" defTabSz="844550">
+            <a:lnSpc>
+              <a:spcPct val="90000"/>
+            </a:lnSpc>
+            <a:spcBef>
+              <a:spcPct val="0"/>
+            </a:spcBef>
+            <a:spcAft>
+              <a:spcPct val="35000"/>
+            </a:spcAft>
+            <a:buNone/>
+          </a:pPr>
+          <a:r>
+            <a:rPr lang="de-DE" sz="1900" kern="1200" dirty="0"/>
+            <a:t>Vertragsverhandlungen</a:t>
+          </a:r>
+        </a:p>
+      </dsp:txBody>
+      <dsp:txXfrm>
+        <a:off x="380457" y="1281080"/>
+        <a:ext cx="2852921" cy="577388"/>
+      </dsp:txXfrm>
+    </dsp:sp>
+    <dsp:sp modelId="{AFF11A48-548A-4C3A-A9E5-F2D20D5F7AFA}">
+      <dsp:nvSpPr>
+        <dsp:cNvPr id="0" name=""/>
+        <dsp:cNvSpPr/>
+      </dsp:nvSpPr>
+      <dsp:spPr>
+        <a:xfrm>
+          <a:off x="362494" y="1970788"/>
+          <a:ext cx="2888847" cy="613314"/>
+        </a:xfrm>
+        <a:prstGeom prst="roundRect">
+          <a:avLst>
+            <a:gd name="adj" fmla="val 10000"/>
+          </a:avLst>
+        </a:prstGeom>
+        <a:solidFill>
+          <a:schemeClr val="accent1">
+            <a:lumMod val="60000"/>
+            <a:lumOff val="40000"/>
+          </a:schemeClr>
+        </a:solidFill>
+        <a:ln w="19050" cap="flat" cmpd="sng" algn="ctr">
+          <a:solidFill>
+            <a:schemeClr val="lt1">
+              <a:hueOff val="0"/>
+              <a:satOff val="0"/>
+              <a:lumOff val="0"/>
+              <a:alphaOff val="0"/>
+            </a:schemeClr>
+          </a:solidFill>
+          <a:prstDash val="solid"/>
+          <a:miter lim="800000"/>
+        </a:ln>
+        <a:effectLst/>
+      </dsp:spPr>
+      <dsp:style>
+        <a:lnRef idx="3">
+          <a:scrgbClr r="0" g="0" b="0"/>
+        </a:lnRef>
+        <a:fillRef idx="1">
+          <a:scrgbClr r="0" g="0" b="0"/>
+        </a:fillRef>
+        <a:effectRef idx="1">
+          <a:scrgbClr r="0" g="0" b="0"/>
+        </a:effectRef>
+        <a:fontRef idx="minor">
+          <a:schemeClr val="lt1"/>
+        </a:fontRef>
+      </dsp:style>
+      <dsp:txBody>
+        <a:bodyPr spcFirstLastPara="0" vert="horz" wrap="square" lIns="48260" tIns="36195" rIns="48260" bIns="36195" numCol="1" spcCol="1270" anchor="ctr" anchorCtr="0">
+          <a:noAutofit/>
+        </a:bodyPr>
+        <a:lstStyle/>
+        <a:p>
+          <a:pPr marL="0" lvl="0" indent="0" algn="ctr" defTabSz="844550">
+            <a:lnSpc>
+              <a:spcPct val="90000"/>
+            </a:lnSpc>
+            <a:spcBef>
+              <a:spcPct val="0"/>
+            </a:spcBef>
+            <a:spcAft>
+              <a:spcPct val="35000"/>
+            </a:spcAft>
+            <a:buNone/>
+          </a:pPr>
+          <a:r>
+            <a:rPr lang="de-DE" sz="1900" kern="1200" dirty="0"/>
+            <a:t>Prozesse &amp; Tools</a:t>
+          </a:r>
+        </a:p>
+      </dsp:txBody>
+      <dsp:txXfrm>
+        <a:off x="380457" y="1988751"/>
+        <a:ext cx="2852921" cy="577388"/>
+      </dsp:txXfrm>
+    </dsp:sp>
+    <dsp:sp modelId="{315A9FD8-1FF9-4AEF-AF54-FC19B5B0CDD7}">
+      <dsp:nvSpPr>
+        <dsp:cNvPr id="0" name=""/>
+        <dsp:cNvSpPr/>
+      </dsp:nvSpPr>
+      <dsp:spPr>
+        <a:xfrm>
+          <a:off x="362494" y="2678459"/>
+          <a:ext cx="2888847" cy="613314"/>
+        </a:xfrm>
+        <a:prstGeom prst="roundRect">
+          <a:avLst>
+            <a:gd name="adj" fmla="val 10000"/>
+          </a:avLst>
+        </a:prstGeom>
+        <a:solidFill>
+          <a:schemeClr val="accent1">
+            <a:lumMod val="60000"/>
+            <a:lumOff val="40000"/>
+          </a:schemeClr>
+        </a:solidFill>
+        <a:ln w="19050" cap="flat" cmpd="sng" algn="ctr">
+          <a:solidFill>
+            <a:schemeClr val="lt1">
+              <a:hueOff val="0"/>
+              <a:satOff val="0"/>
+              <a:lumOff val="0"/>
+              <a:alphaOff val="0"/>
+            </a:schemeClr>
+          </a:solidFill>
+          <a:prstDash val="solid"/>
+          <a:miter lim="800000"/>
+        </a:ln>
+        <a:effectLst/>
+      </dsp:spPr>
+      <dsp:style>
+        <a:lnRef idx="3">
+          <a:scrgbClr r="0" g="0" b="0"/>
+        </a:lnRef>
+        <a:fillRef idx="1">
+          <a:scrgbClr r="0" g="0" b="0"/>
+        </a:fillRef>
+        <a:effectRef idx="1">
+          <a:scrgbClr r="0" g="0" b="0"/>
+        </a:effectRef>
+        <a:fontRef idx="minor">
+          <a:schemeClr val="lt1"/>
+        </a:fontRef>
+      </dsp:style>
+      <dsp:txBody>
+        <a:bodyPr spcFirstLastPara="0" vert="horz" wrap="square" lIns="48260" tIns="36195" rIns="48260" bIns="36195" numCol="1" spcCol="1270" anchor="ctr" anchorCtr="0">
+          <a:noAutofit/>
+        </a:bodyPr>
+        <a:lstStyle/>
+        <a:p>
+          <a:pPr marL="0" lvl="0" indent="0" algn="ctr" defTabSz="844550">
+            <a:lnSpc>
+              <a:spcPct val="90000"/>
+            </a:lnSpc>
+            <a:spcBef>
+              <a:spcPct val="0"/>
+            </a:spcBef>
+            <a:spcAft>
+              <a:spcPct val="35000"/>
+            </a:spcAft>
+            <a:buNone/>
+          </a:pPr>
+          <a:r>
+            <a:rPr lang="de-DE" sz="1900" kern="1200" dirty="0"/>
+            <a:t>Umfangreiche Dokumentation</a:t>
+          </a:r>
+        </a:p>
+      </dsp:txBody>
+      <dsp:txXfrm>
+        <a:off x="380457" y="2696422"/>
+        <a:ext cx="2852921" cy="577388"/>
+      </dsp:txXfrm>
+    </dsp:sp>
+    <dsp:sp modelId="{C687854F-18F9-4FDD-9C49-43FFF9E27A01}">
+      <dsp:nvSpPr>
+        <dsp:cNvPr id="0" name=""/>
+        <dsp:cNvSpPr/>
+      </dsp:nvSpPr>
+      <dsp:spPr>
+        <a:xfrm>
+          <a:off x="362494" y="3386130"/>
+          <a:ext cx="2888847" cy="613314"/>
+        </a:xfrm>
+        <a:prstGeom prst="roundRect">
+          <a:avLst>
+            <a:gd name="adj" fmla="val 10000"/>
+          </a:avLst>
+        </a:prstGeom>
+        <a:solidFill>
+          <a:schemeClr val="accent1">
+            <a:lumMod val="60000"/>
+            <a:lumOff val="40000"/>
+          </a:schemeClr>
+        </a:solidFill>
+        <a:ln w="19050" cap="flat" cmpd="sng" algn="ctr">
+          <a:solidFill>
+            <a:schemeClr val="lt1">
+              <a:hueOff val="0"/>
+              <a:satOff val="0"/>
+              <a:lumOff val="0"/>
+              <a:alphaOff val="0"/>
+            </a:schemeClr>
+          </a:solidFill>
+          <a:prstDash val="solid"/>
+          <a:miter lim="800000"/>
+        </a:ln>
+        <a:effectLst/>
+      </dsp:spPr>
+      <dsp:style>
+        <a:lnRef idx="3">
+          <a:scrgbClr r="0" g="0" b="0"/>
+        </a:lnRef>
+        <a:fillRef idx="1">
+          <a:scrgbClr r="0" g="0" b="0"/>
+        </a:fillRef>
+        <a:effectRef idx="1">
+          <a:scrgbClr r="0" g="0" b="0"/>
+        </a:effectRef>
+        <a:fontRef idx="minor">
+          <a:schemeClr val="lt1"/>
+        </a:fontRef>
+      </dsp:style>
+      <dsp:txBody>
+        <a:bodyPr spcFirstLastPara="0" vert="horz" wrap="square" lIns="48260" tIns="36195" rIns="48260" bIns="36195" numCol="1" spcCol="1270" anchor="ctr" anchorCtr="0">
+          <a:noAutofit/>
+        </a:bodyPr>
+        <a:lstStyle/>
+        <a:p>
+          <a:pPr marL="0" lvl="0" indent="0" algn="ctr" defTabSz="844550">
+            <a:lnSpc>
+              <a:spcPct val="90000"/>
+            </a:lnSpc>
+            <a:spcBef>
+              <a:spcPct val="0"/>
+            </a:spcBef>
+            <a:spcAft>
+              <a:spcPct val="35000"/>
+            </a:spcAft>
+            <a:buNone/>
+          </a:pPr>
+          <a:r>
+            <a:rPr lang="de-DE" sz="1900" kern="1200" dirty="0"/>
+            <a:t>Plankonformität</a:t>
+          </a:r>
+        </a:p>
+      </dsp:txBody>
+      <dsp:txXfrm>
+        <a:off x="380457" y="3404093"/>
+        <a:ext cx="2852921" cy="577388"/>
+      </dsp:txXfrm>
+    </dsp:sp>
+    <dsp:sp modelId="{43B03F1F-AC28-4090-B756-ADE47010CA9E}">
+      <dsp:nvSpPr>
+        <dsp:cNvPr id="0" name=""/>
+        <dsp:cNvSpPr/>
+      </dsp:nvSpPr>
+      <dsp:spPr>
+        <a:xfrm>
+          <a:off x="3883277" y="0"/>
+          <a:ext cx="3611058" cy="4210050"/>
+        </a:xfrm>
+        <a:prstGeom prst="roundRect">
+          <a:avLst>
+            <a:gd name="adj" fmla="val 10000"/>
+          </a:avLst>
+        </a:prstGeom>
+        <a:solidFill>
+          <a:schemeClr val="accent2">
+            <a:lumMod val="60000"/>
+            <a:lumOff val="40000"/>
+          </a:schemeClr>
+        </a:solidFill>
+        <a:ln>
+          <a:noFill/>
+        </a:ln>
+        <a:effectLst/>
+      </dsp:spPr>
+      <dsp:style>
+        <a:lnRef idx="0">
+          <a:scrgbClr r="0" g="0" b="0"/>
+        </a:lnRef>
+        <a:fillRef idx="1">
+          <a:scrgbClr r="0" g="0" b="0"/>
+        </a:fillRef>
+        <a:effectRef idx="0">
+          <a:scrgbClr r="0" g="0" b="0"/>
+        </a:effectRef>
+        <a:fontRef idx="minor"/>
+      </dsp:style>
+      <dsp:txBody>
+        <a:bodyPr spcFirstLastPara="0" vert="horz" wrap="square" lIns="133350" tIns="133350" rIns="133350" bIns="133350" numCol="1" spcCol="1270" anchor="ctr" anchorCtr="0">
+          <a:noAutofit/>
+        </a:bodyPr>
+        <a:lstStyle/>
+        <a:p>
+          <a:pPr marL="0" lvl="0" indent="0" algn="ctr" defTabSz="1555750">
+            <a:lnSpc>
+              <a:spcPct val="90000"/>
+            </a:lnSpc>
+            <a:spcBef>
+              <a:spcPct val="0"/>
+            </a:spcBef>
+            <a:spcAft>
+              <a:spcPct val="35000"/>
+            </a:spcAft>
+            <a:buNone/>
+          </a:pPr>
+          <a:r>
+            <a:rPr lang="de-DE" sz="3500" kern="1200" dirty="0"/>
+            <a:t>Herausforderung</a:t>
+          </a:r>
+        </a:p>
+      </dsp:txBody>
+      <dsp:txXfrm>
+        <a:off x="3883277" y="0"/>
+        <a:ext cx="3611058" cy="1263015"/>
+      </dsp:txXfrm>
+    </dsp:sp>
+    <dsp:sp modelId="{999016A8-F2D9-4C70-A24E-98ACE1277076}">
+      <dsp:nvSpPr>
+        <dsp:cNvPr id="0" name=""/>
+        <dsp:cNvSpPr/>
+      </dsp:nvSpPr>
+      <dsp:spPr>
+        <a:xfrm>
+          <a:off x="4244382" y="1263117"/>
+          <a:ext cx="2888847" cy="613314"/>
+        </a:xfrm>
+        <a:prstGeom prst="roundRect">
+          <a:avLst>
+            <a:gd name="adj" fmla="val 10000"/>
+          </a:avLst>
+        </a:prstGeom>
+        <a:solidFill>
+          <a:schemeClr val="accent1">
+            <a:hueOff val="0"/>
+            <a:satOff val="0"/>
+            <a:lumOff val="0"/>
+            <a:alphaOff val="0"/>
+          </a:schemeClr>
+        </a:solidFill>
+        <a:ln w="19050" cap="flat" cmpd="sng" algn="ctr">
+          <a:solidFill>
+            <a:schemeClr val="lt1">
+              <a:hueOff val="0"/>
+              <a:satOff val="0"/>
+              <a:lumOff val="0"/>
+              <a:alphaOff val="0"/>
+            </a:schemeClr>
+          </a:solidFill>
+          <a:prstDash val="solid"/>
+          <a:miter lim="800000"/>
+        </a:ln>
+        <a:effectLst/>
+      </dsp:spPr>
+      <dsp:style>
+        <a:lnRef idx="3">
+          <a:scrgbClr r="0" g="0" b="0"/>
+        </a:lnRef>
+        <a:fillRef idx="1">
+          <a:scrgbClr r="0" g="0" b="0"/>
+        </a:fillRef>
+        <a:effectRef idx="1">
+          <a:scrgbClr r="0" g="0" b="0"/>
+        </a:effectRef>
+        <a:fontRef idx="minor">
+          <a:schemeClr val="lt1"/>
+        </a:fontRef>
+      </dsp:style>
+      <dsp:txBody>
+        <a:bodyPr spcFirstLastPara="0" vert="horz" wrap="square" lIns="48260" tIns="36195" rIns="48260" bIns="36195" numCol="1" spcCol="1270" anchor="ctr" anchorCtr="0">
+          <a:noAutofit/>
+        </a:bodyPr>
+        <a:lstStyle/>
+        <a:p>
+          <a:pPr marL="0" lvl="0" indent="0" algn="ctr" defTabSz="844550">
+            <a:lnSpc>
+              <a:spcPct val="90000"/>
+            </a:lnSpc>
+            <a:spcBef>
+              <a:spcPct val="0"/>
+            </a:spcBef>
+            <a:spcAft>
+              <a:spcPct val="35000"/>
+            </a:spcAft>
+            <a:buNone/>
+          </a:pPr>
+          <a:r>
+            <a:rPr lang="de-DE" sz="1900" kern="1200" dirty="0"/>
+            <a:t>Art der Zusammenarbeit</a:t>
+          </a:r>
+        </a:p>
+      </dsp:txBody>
+      <dsp:txXfrm>
+        <a:off x="4262345" y="1281080"/>
+        <a:ext cx="2852921" cy="577388"/>
+      </dsp:txXfrm>
+    </dsp:sp>
+    <dsp:sp modelId="{5F2F941E-1A6A-4C06-8F74-1D6CF5173955}">
+      <dsp:nvSpPr>
+        <dsp:cNvPr id="0" name=""/>
+        <dsp:cNvSpPr/>
+      </dsp:nvSpPr>
+      <dsp:spPr>
+        <a:xfrm>
+          <a:off x="4244382" y="1970788"/>
+          <a:ext cx="2888847" cy="613314"/>
+        </a:xfrm>
+        <a:prstGeom prst="roundRect">
+          <a:avLst>
+            <a:gd name="adj" fmla="val 10000"/>
+          </a:avLst>
+        </a:prstGeom>
+        <a:solidFill>
+          <a:schemeClr val="accent1">
+            <a:hueOff val="0"/>
+            <a:satOff val="0"/>
+            <a:lumOff val="0"/>
+            <a:alphaOff val="0"/>
+          </a:schemeClr>
+        </a:solidFill>
+        <a:ln w="19050" cap="flat" cmpd="sng" algn="ctr">
+          <a:solidFill>
+            <a:schemeClr val="lt1">
+              <a:hueOff val="0"/>
+              <a:satOff val="0"/>
+              <a:lumOff val="0"/>
+              <a:alphaOff val="0"/>
+            </a:schemeClr>
+          </a:solidFill>
+          <a:prstDash val="solid"/>
+          <a:miter lim="800000"/>
+        </a:ln>
+        <a:effectLst/>
+      </dsp:spPr>
+      <dsp:style>
+        <a:lnRef idx="3">
+          <a:scrgbClr r="0" g="0" b="0"/>
+        </a:lnRef>
+        <a:fillRef idx="1">
+          <a:scrgbClr r="0" g="0" b="0"/>
+        </a:fillRef>
+        <a:effectRef idx="1">
+          <a:scrgbClr r="0" g="0" b="0"/>
+        </a:effectRef>
+        <a:fontRef idx="minor">
+          <a:schemeClr val="lt1"/>
+        </a:fontRef>
+      </dsp:style>
+      <dsp:txBody>
+        <a:bodyPr spcFirstLastPara="0" vert="horz" wrap="square" lIns="48260" tIns="36195" rIns="48260" bIns="36195" numCol="1" spcCol="1270" anchor="ctr" anchorCtr="0">
+          <a:noAutofit/>
+        </a:bodyPr>
+        <a:lstStyle/>
+        <a:p>
+          <a:pPr marL="0" lvl="0" indent="0" algn="ctr" defTabSz="844550">
+            <a:lnSpc>
+              <a:spcPct val="90000"/>
+            </a:lnSpc>
+            <a:spcBef>
+              <a:spcPct val="0"/>
+            </a:spcBef>
+            <a:spcAft>
+              <a:spcPct val="35000"/>
+            </a:spcAft>
+            <a:buNone/>
+          </a:pPr>
+          <a:r>
+            <a:rPr lang="de-DE" sz="1900" kern="1200" dirty="0"/>
+            <a:t>Steuerung der Zusammenarbeit</a:t>
+          </a:r>
+        </a:p>
+      </dsp:txBody>
+      <dsp:txXfrm>
+        <a:off x="4262345" y="1988751"/>
+        <a:ext cx="2852921" cy="577388"/>
+      </dsp:txXfrm>
+    </dsp:sp>
+    <dsp:sp modelId="{E08B4E8E-43A9-4240-9E69-230C06CFAA9A}">
+      <dsp:nvSpPr>
+        <dsp:cNvPr id="0" name=""/>
+        <dsp:cNvSpPr/>
+      </dsp:nvSpPr>
+      <dsp:spPr>
+        <a:xfrm>
+          <a:off x="4244382" y="2678459"/>
+          <a:ext cx="2888847" cy="613314"/>
+        </a:xfrm>
+        <a:prstGeom prst="roundRect">
+          <a:avLst>
+            <a:gd name="adj" fmla="val 10000"/>
+          </a:avLst>
+        </a:prstGeom>
+        <a:solidFill>
+          <a:schemeClr val="accent1">
+            <a:hueOff val="0"/>
+            <a:satOff val="0"/>
+            <a:lumOff val="0"/>
+            <a:alphaOff val="0"/>
+          </a:schemeClr>
+        </a:solidFill>
+        <a:ln w="19050" cap="flat" cmpd="sng" algn="ctr">
+          <a:solidFill>
+            <a:schemeClr val="lt1">
+              <a:hueOff val="0"/>
+              <a:satOff val="0"/>
+              <a:lumOff val="0"/>
+              <a:alphaOff val="0"/>
+            </a:schemeClr>
+          </a:solidFill>
+          <a:prstDash val="solid"/>
+          <a:miter lim="800000"/>
+        </a:ln>
+        <a:effectLst/>
+      </dsp:spPr>
+      <dsp:style>
+        <a:lnRef idx="3">
+          <a:scrgbClr r="0" g="0" b="0"/>
+        </a:lnRef>
+        <a:fillRef idx="1">
+          <a:scrgbClr r="0" g="0" b="0"/>
+        </a:fillRef>
+        <a:effectRef idx="1">
+          <a:scrgbClr r="0" g="0" b="0"/>
+        </a:effectRef>
+        <a:fontRef idx="minor">
+          <a:schemeClr val="lt1"/>
+        </a:fontRef>
+      </dsp:style>
+      <dsp:txBody>
+        <a:bodyPr spcFirstLastPara="0" vert="horz" wrap="square" lIns="48260" tIns="36195" rIns="48260" bIns="36195" numCol="1" spcCol="1270" anchor="ctr" anchorCtr="0">
+          <a:noAutofit/>
+        </a:bodyPr>
+        <a:lstStyle/>
+        <a:p>
+          <a:pPr marL="0" lvl="0" indent="0" algn="ctr" defTabSz="844550">
+            <a:lnSpc>
+              <a:spcPct val="90000"/>
+            </a:lnSpc>
+            <a:spcBef>
+              <a:spcPct val="0"/>
+            </a:spcBef>
+            <a:spcAft>
+              <a:spcPct val="35000"/>
+            </a:spcAft>
+            <a:buNone/>
+          </a:pPr>
+          <a:r>
+            <a:rPr lang="de-DE" sz="1900" kern="1200" dirty="0"/>
+            <a:t>Serienreife</a:t>
+          </a:r>
+        </a:p>
+      </dsp:txBody>
+      <dsp:txXfrm>
+        <a:off x="4262345" y="2696422"/>
+        <a:ext cx="2852921" cy="577388"/>
+      </dsp:txXfrm>
+    </dsp:sp>
+    <dsp:sp modelId="{A171F1EF-D6D9-463F-8D85-081A78E3D622}">
+      <dsp:nvSpPr>
+        <dsp:cNvPr id="0" name=""/>
+        <dsp:cNvSpPr/>
+      </dsp:nvSpPr>
+      <dsp:spPr>
+        <a:xfrm>
+          <a:off x="4244382" y="3386130"/>
+          <a:ext cx="2888847" cy="613314"/>
+        </a:xfrm>
+        <a:prstGeom prst="roundRect">
+          <a:avLst>
+            <a:gd name="adj" fmla="val 10000"/>
+          </a:avLst>
+        </a:prstGeom>
+        <a:solidFill>
+          <a:schemeClr val="accent1">
+            <a:hueOff val="0"/>
+            <a:satOff val="0"/>
+            <a:lumOff val="0"/>
+            <a:alphaOff val="0"/>
+          </a:schemeClr>
+        </a:solidFill>
+        <a:ln w="19050" cap="flat" cmpd="sng" algn="ctr">
+          <a:solidFill>
+            <a:schemeClr val="lt1">
+              <a:hueOff val="0"/>
+              <a:satOff val="0"/>
+              <a:lumOff val="0"/>
+              <a:alphaOff val="0"/>
+            </a:schemeClr>
+          </a:solidFill>
+          <a:prstDash val="solid"/>
+          <a:miter lim="800000"/>
+        </a:ln>
+        <a:effectLst/>
+      </dsp:spPr>
+      <dsp:style>
+        <a:lnRef idx="3">
+          <a:scrgbClr r="0" g="0" b="0"/>
+        </a:lnRef>
+        <a:fillRef idx="1">
+          <a:scrgbClr r="0" g="0" b="0"/>
+        </a:fillRef>
+        <a:effectRef idx="1">
+          <a:scrgbClr r="0" g="0" b="0"/>
+        </a:effectRef>
+        <a:fontRef idx="minor">
+          <a:schemeClr val="lt1"/>
+        </a:fontRef>
+      </dsp:style>
+      <dsp:txBody>
+        <a:bodyPr spcFirstLastPara="0" vert="horz" wrap="square" lIns="48260" tIns="36195" rIns="48260" bIns="36195" numCol="1" spcCol="1270" anchor="ctr" anchorCtr="0">
+          <a:noAutofit/>
+        </a:bodyPr>
+        <a:lstStyle/>
+        <a:p>
+          <a:pPr marL="0" lvl="0" indent="0" algn="ctr" defTabSz="844550">
+            <a:lnSpc>
+              <a:spcPct val="90000"/>
+            </a:lnSpc>
+            <a:spcBef>
+              <a:spcPct val="0"/>
+            </a:spcBef>
+            <a:spcAft>
+              <a:spcPct val="35000"/>
+            </a:spcAft>
+            <a:buNone/>
+          </a:pPr>
+          <a:r>
+            <a:rPr lang="de-DE" sz="1900" kern="1200" dirty="0"/>
+            <a:t>Planungshorizont</a:t>
+          </a:r>
+        </a:p>
+      </dsp:txBody>
+      <dsp:txXfrm>
+        <a:off x="4262345" y="3404093"/>
+        <a:ext cx="2852921" cy="577388"/>
+      </dsp:txXfrm>
+    </dsp:sp>
+    <dsp:sp modelId="{300EF233-89E2-455C-BBD1-46E234BF6FF1}">
+      <dsp:nvSpPr>
+        <dsp:cNvPr id="0" name=""/>
+        <dsp:cNvSpPr/>
+      </dsp:nvSpPr>
+      <dsp:spPr>
+        <a:xfrm>
+          <a:off x="7765165" y="0"/>
+          <a:ext cx="3611058" cy="4210050"/>
+        </a:xfrm>
+        <a:prstGeom prst="roundRect">
+          <a:avLst>
+            <a:gd name="adj" fmla="val 10000"/>
+          </a:avLst>
+        </a:prstGeom>
+        <a:solidFill>
+          <a:schemeClr val="accent1">
+            <a:tint val="40000"/>
+            <a:hueOff val="0"/>
+            <a:satOff val="0"/>
+            <a:lumOff val="0"/>
+            <a:alphaOff val="0"/>
+          </a:schemeClr>
+        </a:solidFill>
+        <a:ln>
+          <a:noFill/>
+        </a:ln>
+        <a:effectLst/>
+      </dsp:spPr>
+      <dsp:style>
+        <a:lnRef idx="0">
+          <a:scrgbClr r="0" g="0" b="0"/>
+        </a:lnRef>
+        <a:fillRef idx="1">
+          <a:scrgbClr r="0" g="0" b="0"/>
+        </a:fillRef>
+        <a:effectRef idx="0">
+          <a:scrgbClr r="0" g="0" b="0"/>
+        </a:effectRef>
+        <a:fontRef idx="minor"/>
+      </dsp:style>
+      <dsp:txBody>
+        <a:bodyPr spcFirstLastPara="0" vert="horz" wrap="square" lIns="133350" tIns="133350" rIns="133350" bIns="133350" numCol="1" spcCol="1270" anchor="ctr" anchorCtr="0">
+          <a:noAutofit/>
+        </a:bodyPr>
+        <a:lstStyle/>
+        <a:p>
+          <a:pPr marL="0" lvl="0" indent="0" algn="ctr" defTabSz="1555750">
+            <a:lnSpc>
+              <a:spcPct val="90000"/>
+            </a:lnSpc>
+            <a:spcBef>
+              <a:spcPct val="0"/>
+            </a:spcBef>
+            <a:spcAft>
+              <a:spcPct val="35000"/>
+            </a:spcAft>
+            <a:buNone/>
+          </a:pPr>
+          <a:r>
+            <a:rPr lang="de-DE" sz="3500" kern="1200" dirty="0"/>
+            <a:t>Agile</a:t>
+          </a:r>
+        </a:p>
+      </dsp:txBody>
+      <dsp:txXfrm>
+        <a:off x="7765165" y="0"/>
+        <a:ext cx="3611058" cy="1263015"/>
+      </dsp:txXfrm>
+    </dsp:sp>
+    <dsp:sp modelId="{7F58A3B8-ED41-4CFD-BE1E-EB3E24BE5E66}">
+      <dsp:nvSpPr>
+        <dsp:cNvPr id="0" name=""/>
+        <dsp:cNvSpPr/>
+      </dsp:nvSpPr>
+      <dsp:spPr>
+        <a:xfrm>
+          <a:off x="8126271" y="1263117"/>
+          <a:ext cx="2888847" cy="613314"/>
+        </a:xfrm>
+        <a:prstGeom prst="roundRect">
+          <a:avLst>
+            <a:gd name="adj" fmla="val 10000"/>
+          </a:avLst>
+        </a:prstGeom>
+        <a:solidFill>
+          <a:schemeClr val="accent1">
+            <a:lumMod val="60000"/>
+            <a:lumOff val="40000"/>
+          </a:schemeClr>
+        </a:solidFill>
+        <a:ln w="19050" cap="flat" cmpd="sng" algn="ctr">
+          <a:solidFill>
+            <a:schemeClr val="lt1">
+              <a:hueOff val="0"/>
+              <a:satOff val="0"/>
+              <a:lumOff val="0"/>
+              <a:alphaOff val="0"/>
+            </a:schemeClr>
+          </a:solidFill>
+          <a:prstDash val="solid"/>
+          <a:miter lim="800000"/>
+        </a:ln>
+        <a:effectLst/>
+      </dsp:spPr>
+      <dsp:style>
+        <a:lnRef idx="3">
+          <a:scrgbClr r="0" g="0" b="0"/>
+        </a:lnRef>
+        <a:fillRef idx="1">
+          <a:scrgbClr r="0" g="0" b="0"/>
+        </a:fillRef>
+        <a:effectRef idx="1">
+          <a:scrgbClr r="0" g="0" b="0"/>
+        </a:effectRef>
+        <a:fontRef idx="minor">
+          <a:schemeClr val="lt1"/>
+        </a:fontRef>
+      </dsp:style>
+      <dsp:txBody>
+        <a:bodyPr spcFirstLastPara="0" vert="horz" wrap="square" lIns="48260" tIns="36195" rIns="48260" bIns="36195" numCol="1" spcCol="1270" anchor="ctr" anchorCtr="0">
+          <a:noAutofit/>
+        </a:bodyPr>
+        <a:lstStyle/>
+        <a:p>
+          <a:pPr marL="0" lvl="0" indent="0" algn="ctr" defTabSz="844550">
+            <a:lnSpc>
+              <a:spcPct val="90000"/>
+            </a:lnSpc>
+            <a:spcBef>
+              <a:spcPct val="0"/>
+            </a:spcBef>
+            <a:spcAft>
+              <a:spcPct val="35000"/>
+            </a:spcAft>
+            <a:buNone/>
+          </a:pPr>
+          <a:r>
+            <a:rPr lang="de-DE" sz="1900" kern="1200" dirty="0"/>
+            <a:t>Individuen &amp; Interaktionen</a:t>
+          </a:r>
+        </a:p>
+      </dsp:txBody>
+      <dsp:txXfrm>
+        <a:off x="8144234" y="1281080"/>
+        <a:ext cx="2852921" cy="577388"/>
+      </dsp:txXfrm>
+    </dsp:sp>
+    <dsp:sp modelId="{A0DF931C-A672-428F-8C39-59D55CDACB11}">
+      <dsp:nvSpPr>
+        <dsp:cNvPr id="0" name=""/>
+        <dsp:cNvSpPr/>
+      </dsp:nvSpPr>
+      <dsp:spPr>
+        <a:xfrm>
+          <a:off x="8126271" y="1970788"/>
+          <a:ext cx="2888847" cy="613314"/>
+        </a:xfrm>
+        <a:prstGeom prst="roundRect">
+          <a:avLst>
+            <a:gd name="adj" fmla="val 10000"/>
+          </a:avLst>
+        </a:prstGeom>
+        <a:solidFill>
+          <a:schemeClr val="accent1">
+            <a:lumMod val="60000"/>
+            <a:lumOff val="40000"/>
+          </a:schemeClr>
+        </a:solidFill>
+        <a:ln w="19050" cap="flat" cmpd="sng" algn="ctr">
+          <a:solidFill>
+            <a:schemeClr val="lt1">
+              <a:hueOff val="0"/>
+              <a:satOff val="0"/>
+              <a:lumOff val="0"/>
+              <a:alphaOff val="0"/>
+            </a:schemeClr>
+          </a:solidFill>
+          <a:prstDash val="solid"/>
+          <a:miter lim="800000"/>
+        </a:ln>
+        <a:effectLst/>
+      </dsp:spPr>
+      <dsp:style>
+        <a:lnRef idx="3">
+          <a:scrgbClr r="0" g="0" b="0"/>
+        </a:lnRef>
+        <a:fillRef idx="1">
+          <a:scrgbClr r="0" g="0" b="0"/>
+        </a:fillRef>
+        <a:effectRef idx="1">
+          <a:scrgbClr r="0" g="0" b="0"/>
+        </a:effectRef>
+        <a:fontRef idx="minor">
+          <a:schemeClr val="lt1"/>
+        </a:fontRef>
+      </dsp:style>
+      <dsp:txBody>
+        <a:bodyPr spcFirstLastPara="0" vert="horz" wrap="square" lIns="48260" tIns="36195" rIns="48260" bIns="36195" numCol="1" spcCol="1270" anchor="ctr" anchorCtr="0">
+          <a:noAutofit/>
+        </a:bodyPr>
+        <a:lstStyle/>
+        <a:p>
+          <a:pPr marL="0" lvl="0" indent="0" algn="ctr" defTabSz="844550">
+            <a:lnSpc>
+              <a:spcPct val="90000"/>
+            </a:lnSpc>
+            <a:spcBef>
+              <a:spcPct val="0"/>
+            </a:spcBef>
+            <a:spcAft>
+              <a:spcPct val="35000"/>
+            </a:spcAft>
+            <a:buNone/>
+          </a:pPr>
+          <a:r>
+            <a:rPr lang="de-DE" sz="1900" kern="1200" dirty="0"/>
+            <a:t>Zusammenarbeit mit dem Kunden</a:t>
+          </a:r>
+        </a:p>
+      </dsp:txBody>
+      <dsp:txXfrm>
+        <a:off x="8144234" y="1988751"/>
+        <a:ext cx="2852921" cy="577388"/>
+      </dsp:txXfrm>
+    </dsp:sp>
+    <dsp:sp modelId="{15960031-D385-4463-ACC8-F6A08D82813D}">
+      <dsp:nvSpPr>
+        <dsp:cNvPr id="0" name=""/>
+        <dsp:cNvSpPr/>
+      </dsp:nvSpPr>
+      <dsp:spPr>
+        <a:xfrm>
+          <a:off x="8126271" y="2678459"/>
+          <a:ext cx="2888847" cy="613314"/>
+        </a:xfrm>
+        <a:prstGeom prst="roundRect">
+          <a:avLst>
+            <a:gd name="adj" fmla="val 10000"/>
+          </a:avLst>
+        </a:prstGeom>
+        <a:solidFill>
+          <a:schemeClr val="accent1">
+            <a:lumMod val="60000"/>
+            <a:lumOff val="40000"/>
+          </a:schemeClr>
+        </a:solidFill>
+        <a:ln w="19050" cap="flat" cmpd="sng" algn="ctr">
+          <a:solidFill>
+            <a:schemeClr val="lt1">
+              <a:hueOff val="0"/>
+              <a:satOff val="0"/>
+              <a:lumOff val="0"/>
+              <a:alphaOff val="0"/>
+            </a:schemeClr>
+          </a:solidFill>
+          <a:prstDash val="solid"/>
+          <a:miter lim="800000"/>
+        </a:ln>
+        <a:effectLst/>
+      </dsp:spPr>
+      <dsp:style>
+        <a:lnRef idx="3">
+          <a:scrgbClr r="0" g="0" b="0"/>
+        </a:lnRef>
+        <a:fillRef idx="1">
+          <a:scrgbClr r="0" g="0" b="0"/>
+        </a:fillRef>
+        <a:effectRef idx="1">
+          <a:scrgbClr r="0" g="0" b="0"/>
+        </a:effectRef>
+        <a:fontRef idx="minor">
+          <a:schemeClr val="lt1"/>
+        </a:fontRef>
+      </dsp:style>
+      <dsp:txBody>
+        <a:bodyPr spcFirstLastPara="0" vert="horz" wrap="square" lIns="48260" tIns="36195" rIns="48260" bIns="36195" numCol="1" spcCol="1270" anchor="ctr" anchorCtr="0">
+          <a:noAutofit/>
+        </a:bodyPr>
+        <a:lstStyle/>
+        <a:p>
+          <a:pPr marL="0" lvl="0" indent="0" algn="ctr" defTabSz="844550">
+            <a:lnSpc>
+              <a:spcPct val="90000"/>
+            </a:lnSpc>
+            <a:spcBef>
+              <a:spcPct val="0"/>
+            </a:spcBef>
+            <a:spcAft>
+              <a:spcPct val="35000"/>
+            </a:spcAft>
+            <a:buNone/>
+          </a:pPr>
+          <a:r>
+            <a:rPr lang="de-DE" sz="1900" kern="1200" dirty="0"/>
+            <a:t>Funktionierende Software</a:t>
+          </a:r>
+        </a:p>
+      </dsp:txBody>
+      <dsp:txXfrm>
+        <a:off x="8144234" y="2696422"/>
+        <a:ext cx="2852921" cy="577388"/>
+      </dsp:txXfrm>
+    </dsp:sp>
+    <dsp:sp modelId="{63A6C6EC-1EA2-4C34-A9E8-154ED819E2F9}">
+      <dsp:nvSpPr>
+        <dsp:cNvPr id="0" name=""/>
+        <dsp:cNvSpPr/>
+      </dsp:nvSpPr>
+      <dsp:spPr>
+        <a:xfrm>
+          <a:off x="8126271" y="3386130"/>
+          <a:ext cx="2888847" cy="613314"/>
+        </a:xfrm>
+        <a:prstGeom prst="roundRect">
+          <a:avLst>
+            <a:gd name="adj" fmla="val 10000"/>
+          </a:avLst>
+        </a:prstGeom>
+        <a:solidFill>
+          <a:schemeClr val="accent1">
+            <a:lumMod val="60000"/>
+            <a:lumOff val="40000"/>
+          </a:schemeClr>
+        </a:solidFill>
+        <a:ln w="19050" cap="flat" cmpd="sng" algn="ctr">
+          <a:solidFill>
+            <a:schemeClr val="lt1">
+              <a:hueOff val="0"/>
+              <a:satOff val="0"/>
+              <a:lumOff val="0"/>
+              <a:alphaOff val="0"/>
+            </a:schemeClr>
+          </a:solidFill>
+          <a:prstDash val="solid"/>
+          <a:miter lim="800000"/>
+        </a:ln>
+        <a:effectLst/>
+      </dsp:spPr>
+      <dsp:style>
+        <a:lnRef idx="3">
+          <a:scrgbClr r="0" g="0" b="0"/>
+        </a:lnRef>
+        <a:fillRef idx="1">
+          <a:scrgbClr r="0" g="0" b="0"/>
+        </a:fillRef>
+        <a:effectRef idx="1">
+          <a:scrgbClr r="0" g="0" b="0"/>
+        </a:effectRef>
+        <a:fontRef idx="minor">
+          <a:schemeClr val="lt1"/>
+        </a:fontRef>
+      </dsp:style>
+      <dsp:txBody>
+        <a:bodyPr spcFirstLastPara="0" vert="horz" wrap="square" lIns="48260" tIns="36195" rIns="48260" bIns="36195" numCol="1" spcCol="1270" anchor="ctr" anchorCtr="0">
+          <a:noAutofit/>
+        </a:bodyPr>
+        <a:lstStyle/>
+        <a:p>
+          <a:pPr marL="0" lvl="0" indent="0" algn="ctr" defTabSz="844550">
+            <a:lnSpc>
+              <a:spcPct val="90000"/>
+            </a:lnSpc>
+            <a:spcBef>
+              <a:spcPct val="0"/>
+            </a:spcBef>
+            <a:spcAft>
+              <a:spcPct val="35000"/>
+            </a:spcAft>
+            <a:buNone/>
+          </a:pPr>
+          <a:r>
+            <a:rPr lang="de-DE" sz="1900" kern="1200" dirty="0"/>
+            <a:t>Reaktion auf Änderungen</a:t>
+          </a:r>
+        </a:p>
+      </dsp:txBody>
+      <dsp:txXfrm>
+        <a:off x="8144234" y="3404093"/>
+        <a:ext cx="2852921" cy="577388"/>
+      </dsp:txXfrm>
+    </dsp:sp>
+  </dsp:spTree>
+</dsp:drawing>
+</file>
+
 <file path=ppt/diagrams/layout1.xml><?xml version="1.0" encoding="utf-8"?>
 <dgm:layoutDef xmlns:dgm="http://schemas.openxmlformats.org/drawingml/2006/diagram" xmlns:a="http://schemas.openxmlformats.org/drawingml/2006/main" uniqueId="urn:microsoft.com/office/officeart/2008/layout/VerticalCurvedList">
   <dgm:title val=""/>
@@ -6601,6 +9426,233 @@
 </dgm:layoutDef>
 </file>
 
+<file path=ppt/diagrams/layout4.xml><?xml version="1.0" encoding="utf-8"?>
+<dgm:layoutDef xmlns:dgm="http://schemas.openxmlformats.org/drawingml/2006/diagram" xmlns:a="http://schemas.openxmlformats.org/drawingml/2006/main" uniqueId="urn:microsoft.com/office/officeart/2005/8/layout/lProcess2">
+  <dgm:title val=""/>
+  <dgm:desc val=""/>
+  <dgm:catLst>
+    <dgm:cat type="list" pri="10000"/>
+    <dgm:cat type="relationship" pri="13000"/>
+  </dgm:catLst>
+  <dgm:sampData>
+    <dgm:dataModel>
+      <dgm:ptLst>
+        <dgm:pt modelId="0" type="doc"/>
+        <dgm:pt modelId="1">
+          <dgm:prSet phldr="1"/>
+        </dgm:pt>
+        <dgm:pt modelId="11">
+          <dgm:prSet phldr="1"/>
+        </dgm:pt>
+        <dgm:pt modelId="12">
+          <dgm:prSet phldr="1"/>
+        </dgm:pt>
+        <dgm:pt modelId="2">
+          <dgm:prSet phldr="1"/>
+        </dgm:pt>
+        <dgm:pt modelId="21">
+          <dgm:prSet phldr="1"/>
+        </dgm:pt>
+        <dgm:pt modelId="22">
+          <dgm:prSet phldr="1"/>
+        </dgm:pt>
+        <dgm:pt modelId="3">
+          <dgm:prSet phldr="1"/>
+        </dgm:pt>
+        <dgm:pt modelId="31">
+          <dgm:prSet phldr="1"/>
+        </dgm:pt>
+        <dgm:pt modelId="32">
+          <dgm:prSet phldr="1"/>
+        </dgm:pt>
+      </dgm:ptLst>
+      <dgm:cxnLst>
+        <dgm:cxn modelId="4" srcId="0" destId="1" srcOrd="0" destOrd="0"/>
+        <dgm:cxn modelId="5" srcId="0" destId="2" srcOrd="1" destOrd="0"/>
+        <dgm:cxn modelId="13" srcId="1" destId="11" srcOrd="0" destOrd="0"/>
+        <dgm:cxn modelId="14" srcId="1" destId="12" srcOrd="0" destOrd="0"/>
+        <dgm:cxn modelId="23" srcId="2" destId="21" srcOrd="0" destOrd="0"/>
+        <dgm:cxn modelId="24" srcId="2" destId="22" srcOrd="0" destOrd="0"/>
+        <dgm:cxn modelId="33" srcId="3" destId="31" srcOrd="0" destOrd="0"/>
+        <dgm:cxn modelId="34" srcId="3" destId="32" srcOrd="0" destOrd="0"/>
+      </dgm:cxnLst>
+      <dgm:bg/>
+      <dgm:whole/>
+    </dgm:dataModel>
+  </dgm:sampData>
+  <dgm:styleData useDef="1">
+    <dgm:dataModel>
+      <dgm:ptLst/>
+      <dgm:bg/>
+      <dgm:whole/>
+    </dgm:dataModel>
+  </dgm:styleData>
+  <dgm:clrData useDef="1">
+    <dgm:dataModel>
+      <dgm:ptLst/>
+      <dgm:bg/>
+      <dgm:whole/>
+    </dgm:dataModel>
+  </dgm:clrData>
+  <dgm:layoutNode name="theList">
+    <dgm:varLst>
+      <dgm:dir/>
+      <dgm:animLvl val="lvl"/>
+      <dgm:resizeHandles val="exact"/>
+    </dgm:varLst>
+    <dgm:choose name="Name0">
+      <dgm:if name="Name1" func="var" arg="dir" op="equ" val="norm">
+        <dgm:alg type="lin"/>
+      </dgm:if>
+      <dgm:else name="Name2">
+        <dgm:alg type="lin">
+          <dgm:param type="linDir" val="fromR"/>
+        </dgm:alg>
+      </dgm:else>
+    </dgm:choose>
+    <dgm:shape xmlns:r="http://schemas.openxmlformats.org/officeDocument/2006/relationships" r:blip="">
+      <dgm:adjLst/>
+    </dgm:shape>
+    <dgm:presOf/>
+    <dgm:constrLst>
+      <dgm:constr type="w" for="ch" forName="compNode" refType="w"/>
+      <dgm:constr type="h" for="ch" forName="compNode" refType="h"/>
+      <dgm:constr type="w" for="ch" forName="aSpace" refType="w" fact="0.075"/>
+      <dgm:constr type="h" for="des" forName="aSpace2" refType="h" fact="0.1"/>
+      <dgm:constr type="primFontSz" for="des" forName="textNode" op="equ"/>
+      <dgm:constr type="primFontSz" for="des" forName="childNode" op="equ"/>
+    </dgm:constrLst>
+    <dgm:ruleLst/>
+    <dgm:forEach name="aNodeForEach" axis="ch" ptType="node">
+      <dgm:layoutNode name="compNode">
+        <dgm:alg type="composite"/>
+        <dgm:shape xmlns:r="http://schemas.openxmlformats.org/officeDocument/2006/relationships" r:blip="">
+          <dgm:adjLst/>
+        </dgm:shape>
+        <dgm:presOf/>
+        <dgm:constrLst>
+          <dgm:constr type="w" for="ch" forName="aNode" refType="w"/>
+          <dgm:constr type="h" for="ch" forName="aNode" refType="h"/>
+          <dgm:constr type="w" for="ch" forName="textNode" refType="w"/>
+          <dgm:constr type="h" for="ch" forName="textNode" refType="h" fact="0.3"/>
+          <dgm:constr type="ctrX" for="ch" forName="textNode" refType="w" fact="0.5"/>
+          <dgm:constr type="w" for="ch" forName="compChildNode" refType="w" fact="0.8"/>
+          <dgm:constr type="h" for="ch" forName="compChildNode" refType="h" fact="0.65"/>
+          <dgm:constr type="t" for="ch" forName="compChildNode" refType="h" fact="0.3"/>
+          <dgm:constr type="ctrX" for="ch" forName="compChildNode" refType="w" fact="0.5"/>
+        </dgm:constrLst>
+        <dgm:ruleLst/>
+        <dgm:layoutNode name="aNode" styleLbl="bgShp">
+          <dgm:alg type="sp"/>
+          <dgm:shape xmlns:r="http://schemas.openxmlformats.org/officeDocument/2006/relationships" type="roundRect" r:blip="">
+            <dgm:adjLst>
+              <dgm:adj idx="1" val="0.1"/>
+            </dgm:adjLst>
+          </dgm:shape>
+          <dgm:presOf axis="self"/>
+          <dgm:constrLst/>
+          <dgm:ruleLst/>
+        </dgm:layoutNode>
+        <dgm:layoutNode name="textNode" styleLbl="bgShp">
+          <dgm:alg type="tx"/>
+          <dgm:shape xmlns:r="http://schemas.openxmlformats.org/officeDocument/2006/relationships" type="rect" r:blip="" hideGeom="1">
+            <dgm:adjLst>
+              <dgm:adj idx="1" val="0.1"/>
+            </dgm:adjLst>
+          </dgm:shape>
+          <dgm:presOf axis="self"/>
+          <dgm:constrLst>
+            <dgm:constr type="primFontSz" val="65"/>
+            <dgm:constr type="lMarg" refType="primFontSz" fact="0.3"/>
+            <dgm:constr type="rMarg" refType="primFontSz" fact="0.3"/>
+            <dgm:constr type="tMarg" refType="primFontSz" fact="0.3"/>
+            <dgm:constr type="bMarg" refType="primFontSz" fact="0.3"/>
+          </dgm:constrLst>
+          <dgm:ruleLst>
+            <dgm:rule type="primFontSz" val="5" fact="NaN" max="NaN"/>
+          </dgm:ruleLst>
+        </dgm:layoutNode>
+        <dgm:layoutNode name="compChildNode">
+          <dgm:alg type="composite"/>
+          <dgm:shape xmlns:r="http://schemas.openxmlformats.org/officeDocument/2006/relationships" r:blip="">
+            <dgm:adjLst/>
+          </dgm:shape>
+          <dgm:presOf/>
+          <dgm:constrLst>
+            <dgm:constr type="w" for="des" forName="childNode" refType="w"/>
+            <dgm:constr type="h" for="des" forName="childNode" refType="h"/>
+          </dgm:constrLst>
+          <dgm:ruleLst/>
+          <dgm:layoutNode name="theInnerList">
+            <dgm:alg type="lin">
+              <dgm:param type="linDir" val="fromT"/>
+            </dgm:alg>
+            <dgm:shape xmlns:r="http://schemas.openxmlformats.org/officeDocument/2006/relationships" r:blip="">
+              <dgm:adjLst/>
+            </dgm:shape>
+            <dgm:presOf/>
+            <dgm:constrLst/>
+            <dgm:ruleLst/>
+            <dgm:forEach name="childNodeForEach" axis="ch" ptType="node">
+              <dgm:layoutNode name="childNode" styleLbl="node1">
+                <dgm:varLst>
+                  <dgm:bulletEnabled val="1"/>
+                </dgm:varLst>
+                <dgm:alg type="tx"/>
+                <dgm:shape xmlns:r="http://schemas.openxmlformats.org/officeDocument/2006/relationships" type="roundRect" r:blip="">
+                  <dgm:adjLst>
+                    <dgm:adj idx="1" val="0.1"/>
+                  </dgm:adjLst>
+                </dgm:shape>
+                <dgm:presOf axis="desOrSelf" ptType="node"/>
+                <dgm:constrLst>
+                  <dgm:constr type="primFontSz" val="65"/>
+                  <dgm:constr type="tMarg" refType="primFontSz" fact="0.15"/>
+                  <dgm:constr type="bMarg" refType="primFontSz" fact="0.15"/>
+                  <dgm:constr type="lMarg" refType="primFontSz" fact="0.2"/>
+                  <dgm:constr type="rMarg" refType="primFontSz" fact="0.2"/>
+                </dgm:constrLst>
+                <dgm:ruleLst>
+                  <dgm:rule type="primFontSz" val="5" fact="NaN" max="NaN"/>
+                </dgm:ruleLst>
+              </dgm:layoutNode>
+              <dgm:choose name="Name3">
+                <dgm:if name="Name4" axis="self" ptType="node" func="revPos" op="equ" val="1"/>
+                <dgm:else name="Name5">
+                  <dgm:layoutNode name="aSpace2">
+                    <dgm:alg type="sp"/>
+                    <dgm:shape xmlns:r="http://schemas.openxmlformats.org/officeDocument/2006/relationships" r:blip="">
+                      <dgm:adjLst/>
+                    </dgm:shape>
+                    <dgm:presOf/>
+                    <dgm:constrLst/>
+                    <dgm:ruleLst/>
+                  </dgm:layoutNode>
+                </dgm:else>
+              </dgm:choose>
+            </dgm:forEach>
+          </dgm:layoutNode>
+        </dgm:layoutNode>
+      </dgm:layoutNode>
+      <dgm:choose name="Name6">
+        <dgm:if name="Name7" axis="self" ptType="node" func="revPos" op="equ" val="1"/>
+        <dgm:else name="Name8">
+          <dgm:layoutNode name="aSpace">
+            <dgm:alg type="sp"/>
+            <dgm:shape xmlns:r="http://schemas.openxmlformats.org/officeDocument/2006/relationships" r:blip="">
+              <dgm:adjLst/>
+            </dgm:shape>
+            <dgm:presOf/>
+            <dgm:constrLst/>
+            <dgm:ruleLst/>
+          </dgm:layoutNode>
+        </dgm:else>
+      </dgm:choose>
+    </dgm:forEach>
+  </dgm:layoutNode>
+</dgm:layoutDef>
+</file>
+
 <file path=ppt/diagrams/quickStyle1.xml><?xml version="1.0" encoding="utf-8"?>
 <dgm:styleDef xmlns:dgm="http://schemas.openxmlformats.org/drawingml/2006/diagram" xmlns:a="http://schemas.openxmlformats.org/drawingml/2006/main" uniqueId="urn:microsoft.com/office/officeart/2005/8/quickstyle/simple5">
   <dgm:title val=""/>
@@ -9675,6 +12727,1040 @@
         <a:scrgbClr r="0" g="0" b="0"/>
       </a:fillRef>
       <a:effectRef idx="2">
+        <a:scrgbClr r="0" g="0" b="0"/>
+      </a:effectRef>
+      <a:fontRef idx="minor"/>
+    </dgm:style>
+  </dgm:styleLbl>
+  <dgm:styleLbl name="revTx">
+    <dgm:scene3d>
+      <a:camera prst="orthographicFront"/>
+      <a:lightRig rig="threePt" dir="t"/>
+    </dgm:scene3d>
+    <dgm:sp3d/>
+    <dgm:txPr/>
+    <dgm:style>
+      <a:lnRef idx="0">
+        <a:scrgbClr r="0" g="0" b="0"/>
+      </a:lnRef>
+      <a:fillRef idx="0">
+        <a:scrgbClr r="0" g="0" b="0"/>
+      </a:fillRef>
+      <a:effectRef idx="0">
+        <a:scrgbClr r="0" g="0" b="0"/>
+      </a:effectRef>
+      <a:fontRef idx="minor"/>
+    </dgm:style>
+  </dgm:styleLbl>
+</dgm:styleDef>
+</file>
+
+<file path=ppt/diagrams/quickStyle4.xml><?xml version="1.0" encoding="utf-8"?>
+<dgm:styleDef xmlns:dgm="http://schemas.openxmlformats.org/drawingml/2006/diagram" xmlns:a="http://schemas.openxmlformats.org/drawingml/2006/main" uniqueId="urn:microsoft.com/office/officeart/2005/8/quickstyle/simple2">
+  <dgm:title val=""/>
+  <dgm:desc val=""/>
+  <dgm:catLst>
+    <dgm:cat type="simple" pri="10200"/>
+  </dgm:catLst>
+  <dgm:scene3d>
+    <a:camera prst="orthographicFront"/>
+    <a:lightRig rig="threePt" dir="t"/>
+  </dgm:scene3d>
+  <dgm:styleLbl name="node0">
+    <dgm:scene3d>
+      <a:camera prst="orthographicFront"/>
+      <a:lightRig rig="threePt" dir="t"/>
+    </dgm:scene3d>
+    <dgm:sp3d/>
+    <dgm:txPr/>
+    <dgm:style>
+      <a:lnRef idx="3">
+        <a:scrgbClr r="0" g="0" b="0"/>
+      </a:lnRef>
+      <a:fillRef idx="1">
+        <a:scrgbClr r="0" g="0" b="0"/>
+      </a:fillRef>
+      <a:effectRef idx="1">
+        <a:scrgbClr r="0" g="0" b="0"/>
+      </a:effectRef>
+      <a:fontRef idx="minor">
+        <a:schemeClr val="lt1"/>
+      </a:fontRef>
+    </dgm:style>
+  </dgm:styleLbl>
+  <dgm:styleLbl name="lnNode1">
+    <dgm:scene3d>
+      <a:camera prst="orthographicFront"/>
+      <a:lightRig rig="threePt" dir="t"/>
+    </dgm:scene3d>
+    <dgm:sp3d/>
+    <dgm:txPr/>
+    <dgm:style>
+      <a:lnRef idx="3">
+        <a:scrgbClr r="0" g="0" b="0"/>
+      </a:lnRef>
+      <a:fillRef idx="1">
+        <a:scrgbClr r="0" g="0" b="0"/>
+      </a:fillRef>
+      <a:effectRef idx="1">
+        <a:scrgbClr r="0" g="0" b="0"/>
+      </a:effectRef>
+      <a:fontRef idx="minor">
+        <a:schemeClr val="lt1"/>
+      </a:fontRef>
+    </dgm:style>
+  </dgm:styleLbl>
+  <dgm:styleLbl name="vennNode1">
+    <dgm:scene3d>
+      <a:camera prst="orthographicFront"/>
+      <a:lightRig rig="threePt" dir="t"/>
+    </dgm:scene3d>
+    <dgm:sp3d/>
+    <dgm:txPr/>
+    <dgm:style>
+      <a:lnRef idx="3">
+        <a:scrgbClr r="0" g="0" b="0"/>
+      </a:lnRef>
+      <a:fillRef idx="1">
+        <a:scrgbClr r="0" g="0" b="0"/>
+      </a:fillRef>
+      <a:effectRef idx="0">
+        <a:scrgbClr r="0" g="0" b="0"/>
+      </a:effectRef>
+      <a:fontRef idx="minor">
+        <a:schemeClr val="tx1"/>
+      </a:fontRef>
+    </dgm:style>
+  </dgm:styleLbl>
+  <dgm:styleLbl name="alignNode1">
+    <dgm:scene3d>
+      <a:camera prst="orthographicFront"/>
+      <a:lightRig rig="threePt" dir="t"/>
+    </dgm:scene3d>
+    <dgm:sp3d/>
+    <dgm:txPr/>
+    <dgm:style>
+      <a:lnRef idx="2">
+        <a:scrgbClr r="0" g="0" b="0"/>
+      </a:lnRef>
+      <a:fillRef idx="1">
+        <a:scrgbClr r="0" g="0" b="0"/>
+      </a:fillRef>
+      <a:effectRef idx="1">
+        <a:scrgbClr r="0" g="0" b="0"/>
+      </a:effectRef>
+      <a:fontRef idx="minor">
+        <a:schemeClr val="lt1"/>
+      </a:fontRef>
+    </dgm:style>
+  </dgm:styleLbl>
+  <dgm:styleLbl name="node1">
+    <dgm:scene3d>
+      <a:camera prst="orthographicFront"/>
+      <a:lightRig rig="threePt" dir="t"/>
+    </dgm:scene3d>
+    <dgm:sp3d/>
+    <dgm:txPr/>
+    <dgm:style>
+      <a:lnRef idx="3">
+        <a:scrgbClr r="0" g="0" b="0"/>
+      </a:lnRef>
+      <a:fillRef idx="1">
+        <a:scrgbClr r="0" g="0" b="0"/>
+      </a:fillRef>
+      <a:effectRef idx="1">
+        <a:scrgbClr r="0" g="0" b="0"/>
+      </a:effectRef>
+      <a:fontRef idx="minor">
+        <a:schemeClr val="lt1"/>
+      </a:fontRef>
+    </dgm:style>
+  </dgm:styleLbl>
+  <dgm:styleLbl name="node2">
+    <dgm:scene3d>
+      <a:camera prst="orthographicFront"/>
+      <a:lightRig rig="threePt" dir="t"/>
+    </dgm:scene3d>
+    <dgm:sp3d/>
+    <dgm:txPr/>
+    <dgm:style>
+      <a:lnRef idx="3">
+        <a:scrgbClr r="0" g="0" b="0"/>
+      </a:lnRef>
+      <a:fillRef idx="1">
+        <a:scrgbClr r="0" g="0" b="0"/>
+      </a:fillRef>
+      <a:effectRef idx="1">
+        <a:scrgbClr r="0" g="0" b="0"/>
+      </a:effectRef>
+      <a:fontRef idx="minor">
+        <a:schemeClr val="lt1"/>
+      </a:fontRef>
+    </dgm:style>
+  </dgm:styleLbl>
+  <dgm:styleLbl name="node3">
+    <dgm:scene3d>
+      <a:camera prst="orthographicFront"/>
+      <a:lightRig rig="threePt" dir="t"/>
+    </dgm:scene3d>
+    <dgm:sp3d/>
+    <dgm:txPr/>
+    <dgm:style>
+      <a:lnRef idx="3">
+        <a:scrgbClr r="0" g="0" b="0"/>
+      </a:lnRef>
+      <a:fillRef idx="1">
+        <a:scrgbClr r="0" g="0" b="0"/>
+      </a:fillRef>
+      <a:effectRef idx="1">
+        <a:scrgbClr r="0" g="0" b="0"/>
+      </a:effectRef>
+      <a:fontRef idx="minor">
+        <a:schemeClr val="lt1"/>
+      </a:fontRef>
+    </dgm:style>
+  </dgm:styleLbl>
+  <dgm:styleLbl name="node4">
+    <dgm:scene3d>
+      <a:camera prst="orthographicFront"/>
+      <a:lightRig rig="threePt" dir="t"/>
+    </dgm:scene3d>
+    <dgm:sp3d/>
+    <dgm:txPr/>
+    <dgm:style>
+      <a:lnRef idx="3">
+        <a:scrgbClr r="0" g="0" b="0"/>
+      </a:lnRef>
+      <a:fillRef idx="1">
+        <a:scrgbClr r="0" g="0" b="0"/>
+      </a:fillRef>
+      <a:effectRef idx="1">
+        <a:scrgbClr r="0" g="0" b="0"/>
+      </a:effectRef>
+      <a:fontRef idx="minor">
+        <a:schemeClr val="lt1"/>
+      </a:fontRef>
+    </dgm:style>
+  </dgm:styleLbl>
+  <dgm:styleLbl name="fgImgPlace1">
+    <dgm:scene3d>
+      <a:camera prst="orthographicFront"/>
+      <a:lightRig rig="threePt" dir="t"/>
+    </dgm:scene3d>
+    <dgm:sp3d/>
+    <dgm:txPr/>
+    <dgm:style>
+      <a:lnRef idx="3">
+        <a:scrgbClr r="0" g="0" b="0"/>
+      </a:lnRef>
+      <a:fillRef idx="1">
+        <a:scrgbClr r="0" g="0" b="0"/>
+      </a:fillRef>
+      <a:effectRef idx="1">
+        <a:scrgbClr r="0" g="0" b="0"/>
+      </a:effectRef>
+      <a:fontRef idx="minor"/>
+    </dgm:style>
+  </dgm:styleLbl>
+  <dgm:styleLbl name="alignImgPlace1">
+    <dgm:scene3d>
+      <a:camera prst="orthographicFront"/>
+      <a:lightRig rig="threePt" dir="t"/>
+    </dgm:scene3d>
+    <dgm:sp3d/>
+    <dgm:txPr/>
+    <dgm:style>
+      <a:lnRef idx="3">
+        <a:scrgbClr r="0" g="0" b="0"/>
+      </a:lnRef>
+      <a:fillRef idx="1">
+        <a:scrgbClr r="0" g="0" b="0"/>
+      </a:fillRef>
+      <a:effectRef idx="1">
+        <a:scrgbClr r="0" g="0" b="0"/>
+      </a:effectRef>
+      <a:fontRef idx="minor"/>
+    </dgm:style>
+  </dgm:styleLbl>
+  <dgm:styleLbl name="bgImgPlace1">
+    <dgm:scene3d>
+      <a:camera prst="orthographicFront"/>
+      <a:lightRig rig="threePt" dir="t"/>
+    </dgm:scene3d>
+    <dgm:sp3d/>
+    <dgm:txPr/>
+    <dgm:style>
+      <a:lnRef idx="3">
+        <a:scrgbClr r="0" g="0" b="0"/>
+      </a:lnRef>
+      <a:fillRef idx="1">
+        <a:scrgbClr r="0" g="0" b="0"/>
+      </a:fillRef>
+      <a:effectRef idx="1">
+        <a:scrgbClr r="0" g="0" b="0"/>
+      </a:effectRef>
+      <a:fontRef idx="minor"/>
+    </dgm:style>
+  </dgm:styleLbl>
+  <dgm:styleLbl name="sibTrans2D1">
+    <dgm:scene3d>
+      <a:camera prst="orthographicFront"/>
+      <a:lightRig rig="threePt" dir="t"/>
+    </dgm:scene3d>
+    <dgm:sp3d/>
+    <dgm:txPr/>
+    <dgm:style>
+      <a:lnRef idx="0">
+        <a:scrgbClr r="0" g="0" b="0"/>
+      </a:lnRef>
+      <a:fillRef idx="1">
+        <a:scrgbClr r="0" g="0" b="0"/>
+      </a:fillRef>
+      <a:effectRef idx="1">
+        <a:scrgbClr r="0" g="0" b="0"/>
+      </a:effectRef>
+      <a:fontRef idx="minor">
+        <a:schemeClr val="lt1"/>
+      </a:fontRef>
+    </dgm:style>
+  </dgm:styleLbl>
+  <dgm:styleLbl name="fgSibTrans2D1">
+    <dgm:scene3d>
+      <a:camera prst="orthographicFront"/>
+      <a:lightRig rig="threePt" dir="t"/>
+    </dgm:scene3d>
+    <dgm:sp3d/>
+    <dgm:txPr/>
+    <dgm:style>
+      <a:lnRef idx="0">
+        <a:scrgbClr r="0" g="0" b="0"/>
+      </a:lnRef>
+      <a:fillRef idx="1">
+        <a:scrgbClr r="0" g="0" b="0"/>
+      </a:fillRef>
+      <a:effectRef idx="1">
+        <a:scrgbClr r="0" g="0" b="0"/>
+      </a:effectRef>
+      <a:fontRef idx="minor">
+        <a:schemeClr val="lt1"/>
+      </a:fontRef>
+    </dgm:style>
+  </dgm:styleLbl>
+  <dgm:styleLbl name="bgSibTrans2D1">
+    <dgm:scene3d>
+      <a:camera prst="orthographicFront"/>
+      <a:lightRig rig="threePt" dir="t"/>
+    </dgm:scene3d>
+    <dgm:sp3d/>
+    <dgm:txPr/>
+    <dgm:style>
+      <a:lnRef idx="0">
+        <a:scrgbClr r="0" g="0" b="0"/>
+      </a:lnRef>
+      <a:fillRef idx="1">
+        <a:scrgbClr r="0" g="0" b="0"/>
+      </a:fillRef>
+      <a:effectRef idx="1">
+        <a:scrgbClr r="0" g="0" b="0"/>
+      </a:effectRef>
+      <a:fontRef idx="minor">
+        <a:schemeClr val="lt1"/>
+      </a:fontRef>
+    </dgm:style>
+  </dgm:styleLbl>
+  <dgm:styleLbl name="sibTrans1D1">
+    <dgm:scene3d>
+      <a:camera prst="orthographicFront"/>
+      <a:lightRig rig="threePt" dir="t"/>
+    </dgm:scene3d>
+    <dgm:sp3d/>
+    <dgm:txPr/>
+    <dgm:style>
+      <a:lnRef idx="1">
+        <a:scrgbClr r="0" g="0" b="0"/>
+      </a:lnRef>
+      <a:fillRef idx="0">
+        <a:scrgbClr r="0" g="0" b="0"/>
+      </a:fillRef>
+      <a:effectRef idx="0">
+        <a:scrgbClr r="0" g="0" b="0"/>
+      </a:effectRef>
+      <a:fontRef idx="minor"/>
+    </dgm:style>
+  </dgm:styleLbl>
+  <dgm:styleLbl name="callout">
+    <dgm:scene3d>
+      <a:camera prst="orthographicFront"/>
+      <a:lightRig rig="threePt" dir="t"/>
+    </dgm:scene3d>
+    <dgm:sp3d/>
+    <dgm:txPr/>
+    <dgm:style>
+      <a:lnRef idx="2">
+        <a:scrgbClr r="0" g="0" b="0"/>
+      </a:lnRef>
+      <a:fillRef idx="1">
+        <a:scrgbClr r="0" g="0" b="0"/>
+      </a:fillRef>
+      <a:effectRef idx="1">
+        <a:scrgbClr r="0" g="0" b="0"/>
+      </a:effectRef>
+      <a:fontRef idx="minor"/>
+    </dgm:style>
+  </dgm:styleLbl>
+  <dgm:styleLbl name="asst0">
+    <dgm:scene3d>
+      <a:camera prst="orthographicFront"/>
+      <a:lightRig rig="threePt" dir="t"/>
+    </dgm:scene3d>
+    <dgm:sp3d/>
+    <dgm:txPr/>
+    <dgm:style>
+      <a:lnRef idx="3">
+        <a:scrgbClr r="0" g="0" b="0"/>
+      </a:lnRef>
+      <a:fillRef idx="1">
+        <a:scrgbClr r="0" g="0" b="0"/>
+      </a:fillRef>
+      <a:effectRef idx="1">
+        <a:scrgbClr r="0" g="0" b="0"/>
+      </a:effectRef>
+      <a:fontRef idx="minor">
+        <a:schemeClr val="lt1"/>
+      </a:fontRef>
+    </dgm:style>
+  </dgm:styleLbl>
+  <dgm:styleLbl name="asst1">
+    <dgm:scene3d>
+      <a:camera prst="orthographicFront"/>
+      <a:lightRig rig="threePt" dir="t"/>
+    </dgm:scene3d>
+    <dgm:sp3d/>
+    <dgm:txPr/>
+    <dgm:style>
+      <a:lnRef idx="3">
+        <a:scrgbClr r="0" g="0" b="0"/>
+      </a:lnRef>
+      <a:fillRef idx="1">
+        <a:scrgbClr r="0" g="0" b="0"/>
+      </a:fillRef>
+      <a:effectRef idx="1">
+        <a:scrgbClr r="0" g="0" b="0"/>
+      </a:effectRef>
+      <a:fontRef idx="minor">
+        <a:schemeClr val="lt1"/>
+      </a:fontRef>
+    </dgm:style>
+  </dgm:styleLbl>
+  <dgm:styleLbl name="asst2">
+    <dgm:scene3d>
+      <a:camera prst="orthographicFront"/>
+      <a:lightRig rig="threePt" dir="t"/>
+    </dgm:scene3d>
+    <dgm:sp3d/>
+    <dgm:txPr/>
+    <dgm:style>
+      <a:lnRef idx="3">
+        <a:scrgbClr r="0" g="0" b="0"/>
+      </a:lnRef>
+      <a:fillRef idx="1">
+        <a:scrgbClr r="0" g="0" b="0"/>
+      </a:fillRef>
+      <a:effectRef idx="1">
+        <a:scrgbClr r="0" g="0" b="0"/>
+      </a:effectRef>
+      <a:fontRef idx="minor">
+        <a:schemeClr val="lt1"/>
+      </a:fontRef>
+    </dgm:style>
+  </dgm:styleLbl>
+  <dgm:styleLbl name="asst3">
+    <dgm:scene3d>
+      <a:camera prst="orthographicFront"/>
+      <a:lightRig rig="threePt" dir="t"/>
+    </dgm:scene3d>
+    <dgm:sp3d/>
+    <dgm:txPr/>
+    <dgm:style>
+      <a:lnRef idx="3">
+        <a:scrgbClr r="0" g="0" b="0"/>
+      </a:lnRef>
+      <a:fillRef idx="1">
+        <a:scrgbClr r="0" g="0" b="0"/>
+      </a:fillRef>
+      <a:effectRef idx="1">
+        <a:scrgbClr r="0" g="0" b="0"/>
+      </a:effectRef>
+      <a:fontRef idx="minor">
+        <a:schemeClr val="lt1"/>
+      </a:fontRef>
+    </dgm:style>
+  </dgm:styleLbl>
+  <dgm:styleLbl name="asst4">
+    <dgm:scene3d>
+      <a:camera prst="orthographicFront"/>
+      <a:lightRig rig="threePt" dir="t"/>
+    </dgm:scene3d>
+    <dgm:sp3d/>
+    <dgm:txPr/>
+    <dgm:style>
+      <a:lnRef idx="3">
+        <a:scrgbClr r="0" g="0" b="0"/>
+      </a:lnRef>
+      <a:fillRef idx="1">
+        <a:scrgbClr r="0" g="0" b="0"/>
+      </a:fillRef>
+      <a:effectRef idx="1">
+        <a:scrgbClr r="0" g="0" b="0"/>
+      </a:effectRef>
+      <a:fontRef idx="minor">
+        <a:schemeClr val="lt1"/>
+      </a:fontRef>
+    </dgm:style>
+  </dgm:styleLbl>
+  <dgm:styleLbl name="parChTrans2D1">
+    <dgm:scene3d>
+      <a:camera prst="orthographicFront"/>
+      <a:lightRig rig="threePt" dir="t"/>
+    </dgm:scene3d>
+    <dgm:sp3d/>
+    <dgm:txPr/>
+    <dgm:style>
+      <a:lnRef idx="3">
+        <a:scrgbClr r="0" g="0" b="0"/>
+      </a:lnRef>
+      <a:fillRef idx="1">
+        <a:scrgbClr r="0" g="0" b="0"/>
+      </a:fillRef>
+      <a:effectRef idx="1">
+        <a:scrgbClr r="0" g="0" b="0"/>
+      </a:effectRef>
+      <a:fontRef idx="minor">
+        <a:schemeClr val="lt1"/>
+      </a:fontRef>
+    </dgm:style>
+  </dgm:styleLbl>
+  <dgm:styleLbl name="parChTrans2D2">
+    <dgm:scene3d>
+      <a:camera prst="orthographicFront"/>
+      <a:lightRig rig="threePt" dir="t"/>
+    </dgm:scene3d>
+    <dgm:sp3d/>
+    <dgm:txPr/>
+    <dgm:style>
+      <a:lnRef idx="3">
+        <a:scrgbClr r="0" g="0" b="0"/>
+      </a:lnRef>
+      <a:fillRef idx="1">
+        <a:scrgbClr r="0" g="0" b="0"/>
+      </a:fillRef>
+      <a:effectRef idx="1">
+        <a:scrgbClr r="0" g="0" b="0"/>
+      </a:effectRef>
+      <a:fontRef idx="minor">
+        <a:schemeClr val="lt1"/>
+      </a:fontRef>
+    </dgm:style>
+  </dgm:styleLbl>
+  <dgm:styleLbl name="parChTrans2D3">
+    <dgm:scene3d>
+      <a:camera prst="orthographicFront"/>
+      <a:lightRig rig="threePt" dir="t"/>
+    </dgm:scene3d>
+    <dgm:sp3d/>
+    <dgm:txPr/>
+    <dgm:style>
+      <a:lnRef idx="3">
+        <a:scrgbClr r="0" g="0" b="0"/>
+      </a:lnRef>
+      <a:fillRef idx="1">
+        <a:scrgbClr r="0" g="0" b="0"/>
+      </a:fillRef>
+      <a:effectRef idx="1">
+        <a:scrgbClr r="0" g="0" b="0"/>
+      </a:effectRef>
+      <a:fontRef idx="minor">
+        <a:schemeClr val="lt1"/>
+      </a:fontRef>
+    </dgm:style>
+  </dgm:styleLbl>
+  <dgm:styleLbl name="parChTrans2D4">
+    <dgm:scene3d>
+      <a:camera prst="orthographicFront"/>
+      <a:lightRig rig="threePt" dir="t"/>
+    </dgm:scene3d>
+    <dgm:sp3d/>
+    <dgm:txPr/>
+    <dgm:style>
+      <a:lnRef idx="3">
+        <a:scrgbClr r="0" g="0" b="0"/>
+      </a:lnRef>
+      <a:fillRef idx="1">
+        <a:scrgbClr r="0" g="0" b="0"/>
+      </a:fillRef>
+      <a:effectRef idx="1">
+        <a:scrgbClr r="0" g="0" b="0"/>
+      </a:effectRef>
+      <a:fontRef idx="minor">
+        <a:schemeClr val="lt1"/>
+      </a:fontRef>
+    </dgm:style>
+  </dgm:styleLbl>
+  <dgm:styleLbl name="parChTrans1D1">
+    <dgm:scene3d>
+      <a:camera prst="orthographicFront"/>
+      <a:lightRig rig="threePt" dir="t"/>
+    </dgm:scene3d>
+    <dgm:sp3d/>
+    <dgm:txPr/>
+    <dgm:style>
+      <a:lnRef idx="2">
+        <a:scrgbClr r="0" g="0" b="0"/>
+      </a:lnRef>
+      <a:fillRef idx="0">
+        <a:scrgbClr r="0" g="0" b="0"/>
+      </a:fillRef>
+      <a:effectRef idx="0">
+        <a:scrgbClr r="0" g="0" b="0"/>
+      </a:effectRef>
+      <a:fontRef idx="minor"/>
+    </dgm:style>
+  </dgm:styleLbl>
+  <dgm:styleLbl name="parChTrans1D2">
+    <dgm:scene3d>
+      <a:camera prst="orthographicFront"/>
+      <a:lightRig rig="threePt" dir="t"/>
+    </dgm:scene3d>
+    <dgm:sp3d/>
+    <dgm:txPr/>
+    <dgm:style>
+      <a:lnRef idx="2">
+        <a:scrgbClr r="0" g="0" b="0"/>
+      </a:lnRef>
+      <a:fillRef idx="0">
+        <a:scrgbClr r="0" g="0" b="0"/>
+      </a:fillRef>
+      <a:effectRef idx="0">
+        <a:scrgbClr r="0" g="0" b="0"/>
+      </a:effectRef>
+      <a:fontRef idx="minor"/>
+    </dgm:style>
+  </dgm:styleLbl>
+  <dgm:styleLbl name="parChTrans1D3">
+    <dgm:scene3d>
+      <a:camera prst="orthographicFront"/>
+      <a:lightRig rig="threePt" dir="t"/>
+    </dgm:scene3d>
+    <dgm:sp3d/>
+    <dgm:txPr/>
+    <dgm:style>
+      <a:lnRef idx="2">
+        <a:scrgbClr r="0" g="0" b="0"/>
+      </a:lnRef>
+      <a:fillRef idx="0">
+        <a:scrgbClr r="0" g="0" b="0"/>
+      </a:fillRef>
+      <a:effectRef idx="0">
+        <a:scrgbClr r="0" g="0" b="0"/>
+      </a:effectRef>
+      <a:fontRef idx="minor"/>
+    </dgm:style>
+  </dgm:styleLbl>
+  <dgm:styleLbl name="parChTrans1D4">
+    <dgm:scene3d>
+      <a:camera prst="orthographicFront"/>
+      <a:lightRig rig="threePt" dir="t"/>
+    </dgm:scene3d>
+    <dgm:sp3d/>
+    <dgm:txPr/>
+    <dgm:style>
+      <a:lnRef idx="2">
+        <a:scrgbClr r="0" g="0" b="0"/>
+      </a:lnRef>
+      <a:fillRef idx="0">
+        <a:scrgbClr r="0" g="0" b="0"/>
+      </a:fillRef>
+      <a:effectRef idx="0">
+        <a:scrgbClr r="0" g="0" b="0"/>
+      </a:effectRef>
+      <a:fontRef idx="minor"/>
+    </dgm:style>
+  </dgm:styleLbl>
+  <dgm:styleLbl name="fgAcc1">
+    <dgm:scene3d>
+      <a:camera prst="orthographicFront"/>
+      <a:lightRig rig="threePt" dir="t"/>
+    </dgm:scene3d>
+    <dgm:sp3d/>
+    <dgm:txPr/>
+    <dgm:style>
+      <a:lnRef idx="2">
+        <a:scrgbClr r="0" g="0" b="0"/>
+      </a:lnRef>
+      <a:fillRef idx="1">
+        <a:scrgbClr r="0" g="0" b="0"/>
+      </a:fillRef>
+      <a:effectRef idx="0">
+        <a:scrgbClr r="0" g="0" b="0"/>
+      </a:effectRef>
+      <a:fontRef idx="minor"/>
+    </dgm:style>
+  </dgm:styleLbl>
+  <dgm:styleLbl name="conFgAcc1">
+    <dgm:scene3d>
+      <a:camera prst="orthographicFront"/>
+      <a:lightRig rig="threePt" dir="t"/>
+    </dgm:scene3d>
+    <dgm:sp3d/>
+    <dgm:txPr/>
+    <dgm:style>
+      <a:lnRef idx="2">
+        <a:scrgbClr r="0" g="0" b="0"/>
+      </a:lnRef>
+      <a:fillRef idx="1">
+        <a:scrgbClr r="0" g="0" b="0"/>
+      </a:fillRef>
+      <a:effectRef idx="0">
+        <a:scrgbClr r="0" g="0" b="0"/>
+      </a:effectRef>
+      <a:fontRef idx="minor"/>
+    </dgm:style>
+  </dgm:styleLbl>
+  <dgm:styleLbl name="alignAcc1">
+    <dgm:scene3d>
+      <a:camera prst="orthographicFront"/>
+      <a:lightRig rig="threePt" dir="t"/>
+    </dgm:scene3d>
+    <dgm:sp3d/>
+    <dgm:txPr/>
+    <dgm:style>
+      <a:lnRef idx="2">
+        <a:scrgbClr r="0" g="0" b="0"/>
+      </a:lnRef>
+      <a:fillRef idx="1">
+        <a:scrgbClr r="0" g="0" b="0"/>
+      </a:fillRef>
+      <a:effectRef idx="0">
+        <a:scrgbClr r="0" g="0" b="0"/>
+      </a:effectRef>
+      <a:fontRef idx="minor"/>
+    </dgm:style>
+  </dgm:styleLbl>
+  <dgm:styleLbl name="trAlignAcc1">
+    <dgm:scene3d>
+      <a:camera prst="orthographicFront"/>
+      <a:lightRig rig="threePt" dir="t"/>
+    </dgm:scene3d>
+    <dgm:sp3d/>
+    <dgm:txPr/>
+    <dgm:style>
+      <a:lnRef idx="1">
+        <a:scrgbClr r="0" g="0" b="0"/>
+      </a:lnRef>
+      <a:fillRef idx="1">
+        <a:scrgbClr r="0" g="0" b="0"/>
+      </a:fillRef>
+      <a:effectRef idx="0">
+        <a:scrgbClr r="0" g="0" b="0"/>
+      </a:effectRef>
+      <a:fontRef idx="minor"/>
+    </dgm:style>
+  </dgm:styleLbl>
+  <dgm:styleLbl name="bgAcc1">
+    <dgm:scene3d>
+      <a:camera prst="orthographicFront"/>
+      <a:lightRig rig="threePt" dir="t"/>
+    </dgm:scene3d>
+    <dgm:sp3d/>
+    <dgm:txPr/>
+    <dgm:style>
+      <a:lnRef idx="2">
+        <a:scrgbClr r="0" g="0" b="0"/>
+      </a:lnRef>
+      <a:fillRef idx="1">
+        <a:scrgbClr r="0" g="0" b="0"/>
+      </a:fillRef>
+      <a:effectRef idx="0">
+        <a:scrgbClr r="0" g="0" b="0"/>
+      </a:effectRef>
+      <a:fontRef idx="minor"/>
+    </dgm:style>
+  </dgm:styleLbl>
+  <dgm:styleLbl name="solidFgAcc1">
+    <dgm:scene3d>
+      <a:camera prst="orthographicFront"/>
+      <a:lightRig rig="threePt" dir="t"/>
+    </dgm:scene3d>
+    <dgm:sp3d/>
+    <dgm:txPr/>
+    <dgm:style>
+      <a:lnRef idx="2">
+        <a:scrgbClr r="0" g="0" b="0"/>
+      </a:lnRef>
+      <a:fillRef idx="1">
+        <a:scrgbClr r="0" g="0" b="0"/>
+      </a:fillRef>
+      <a:effectRef idx="0">
+        <a:scrgbClr r="0" g="0" b="0"/>
+      </a:effectRef>
+      <a:fontRef idx="minor"/>
+    </dgm:style>
+  </dgm:styleLbl>
+  <dgm:styleLbl name="solidAlignAcc1">
+    <dgm:scene3d>
+      <a:camera prst="orthographicFront"/>
+      <a:lightRig rig="threePt" dir="t"/>
+    </dgm:scene3d>
+    <dgm:sp3d/>
+    <dgm:txPr/>
+    <dgm:style>
+      <a:lnRef idx="2">
+        <a:scrgbClr r="0" g="0" b="0"/>
+      </a:lnRef>
+      <a:fillRef idx="1">
+        <a:scrgbClr r="0" g="0" b="0"/>
+      </a:fillRef>
+      <a:effectRef idx="0">
+        <a:scrgbClr r="0" g="0" b="0"/>
+      </a:effectRef>
+      <a:fontRef idx="minor"/>
+    </dgm:style>
+  </dgm:styleLbl>
+  <dgm:styleLbl name="solidBgAcc1">
+    <dgm:scene3d>
+      <a:camera prst="orthographicFront"/>
+      <a:lightRig rig="threePt" dir="t"/>
+    </dgm:scene3d>
+    <dgm:sp3d/>
+    <dgm:txPr/>
+    <dgm:style>
+      <a:lnRef idx="2">
+        <a:scrgbClr r="0" g="0" b="0"/>
+      </a:lnRef>
+      <a:fillRef idx="1">
+        <a:scrgbClr r="0" g="0" b="0"/>
+      </a:fillRef>
+      <a:effectRef idx="0">
+        <a:scrgbClr r="0" g="0" b="0"/>
+      </a:effectRef>
+      <a:fontRef idx="minor"/>
+    </dgm:style>
+  </dgm:styleLbl>
+  <dgm:styleLbl name="fgAccFollowNode1">
+    <dgm:scene3d>
+      <a:camera prst="orthographicFront"/>
+      <a:lightRig rig="threePt" dir="t"/>
+    </dgm:scene3d>
+    <dgm:sp3d/>
+    <dgm:txPr/>
+    <dgm:style>
+      <a:lnRef idx="2">
+        <a:scrgbClr r="0" g="0" b="0"/>
+      </a:lnRef>
+      <a:fillRef idx="1">
+        <a:scrgbClr r="0" g="0" b="0"/>
+      </a:fillRef>
+      <a:effectRef idx="0">
+        <a:scrgbClr r="0" g="0" b="0"/>
+      </a:effectRef>
+      <a:fontRef idx="minor"/>
+    </dgm:style>
+  </dgm:styleLbl>
+  <dgm:styleLbl name="alignAccFollowNode1">
+    <dgm:scene3d>
+      <a:camera prst="orthographicFront"/>
+      <a:lightRig rig="threePt" dir="t"/>
+    </dgm:scene3d>
+    <dgm:sp3d/>
+    <dgm:txPr/>
+    <dgm:style>
+      <a:lnRef idx="2">
+        <a:scrgbClr r="0" g="0" b="0"/>
+      </a:lnRef>
+      <a:fillRef idx="1">
+        <a:scrgbClr r="0" g="0" b="0"/>
+      </a:fillRef>
+      <a:effectRef idx="0">
+        <a:scrgbClr r="0" g="0" b="0"/>
+      </a:effectRef>
+      <a:fontRef idx="minor"/>
+    </dgm:style>
+  </dgm:styleLbl>
+  <dgm:styleLbl name="bgAccFollowNode1">
+    <dgm:scene3d>
+      <a:camera prst="orthographicFront"/>
+      <a:lightRig rig="threePt" dir="t"/>
+    </dgm:scene3d>
+    <dgm:sp3d/>
+    <dgm:txPr/>
+    <dgm:style>
+      <a:lnRef idx="2">
+        <a:scrgbClr r="0" g="0" b="0"/>
+      </a:lnRef>
+      <a:fillRef idx="1">
+        <a:scrgbClr r="0" g="0" b="0"/>
+      </a:fillRef>
+      <a:effectRef idx="0">
+        <a:scrgbClr r="0" g="0" b="0"/>
+      </a:effectRef>
+      <a:fontRef idx="minor"/>
+    </dgm:style>
+  </dgm:styleLbl>
+  <dgm:styleLbl name="fgAcc0">
+    <dgm:scene3d>
+      <a:camera prst="orthographicFront"/>
+      <a:lightRig rig="threePt" dir="t"/>
+    </dgm:scene3d>
+    <dgm:sp3d/>
+    <dgm:txPr/>
+    <dgm:style>
+      <a:lnRef idx="2">
+        <a:scrgbClr r="0" g="0" b="0"/>
+      </a:lnRef>
+      <a:fillRef idx="1">
+        <a:scrgbClr r="0" g="0" b="0"/>
+      </a:fillRef>
+      <a:effectRef idx="0">
+        <a:scrgbClr r="0" g="0" b="0"/>
+      </a:effectRef>
+      <a:fontRef idx="minor"/>
+    </dgm:style>
+  </dgm:styleLbl>
+  <dgm:styleLbl name="fgAcc2">
+    <dgm:scene3d>
+      <a:camera prst="orthographicFront"/>
+      <a:lightRig rig="threePt" dir="t"/>
+    </dgm:scene3d>
+    <dgm:sp3d/>
+    <dgm:txPr/>
+    <dgm:style>
+      <a:lnRef idx="2">
+        <a:scrgbClr r="0" g="0" b="0"/>
+      </a:lnRef>
+      <a:fillRef idx="1">
+        <a:scrgbClr r="0" g="0" b="0"/>
+      </a:fillRef>
+      <a:effectRef idx="0">
+        <a:scrgbClr r="0" g="0" b="0"/>
+      </a:effectRef>
+      <a:fontRef idx="minor"/>
+    </dgm:style>
+  </dgm:styleLbl>
+  <dgm:styleLbl name="fgAcc3">
+    <dgm:scene3d>
+      <a:camera prst="orthographicFront"/>
+      <a:lightRig rig="threePt" dir="t"/>
+    </dgm:scene3d>
+    <dgm:sp3d/>
+    <dgm:txPr/>
+    <dgm:style>
+      <a:lnRef idx="2">
+        <a:scrgbClr r="0" g="0" b="0"/>
+      </a:lnRef>
+      <a:fillRef idx="1">
+        <a:scrgbClr r="0" g="0" b="0"/>
+      </a:fillRef>
+      <a:effectRef idx="0">
+        <a:scrgbClr r="0" g="0" b="0"/>
+      </a:effectRef>
+      <a:fontRef idx="minor"/>
+    </dgm:style>
+  </dgm:styleLbl>
+  <dgm:styleLbl name="fgAcc4">
+    <dgm:scene3d>
+      <a:camera prst="orthographicFront"/>
+      <a:lightRig rig="threePt" dir="t"/>
+    </dgm:scene3d>
+    <dgm:sp3d/>
+    <dgm:txPr/>
+    <dgm:style>
+      <a:lnRef idx="2">
+        <a:scrgbClr r="0" g="0" b="0"/>
+      </a:lnRef>
+      <a:fillRef idx="1">
+        <a:scrgbClr r="0" g="0" b="0"/>
+      </a:fillRef>
+      <a:effectRef idx="0">
+        <a:scrgbClr r="0" g="0" b="0"/>
+      </a:effectRef>
+      <a:fontRef idx="minor"/>
+    </dgm:style>
+  </dgm:styleLbl>
+  <dgm:styleLbl name="bgShp">
+    <dgm:scene3d>
+      <a:camera prst="orthographicFront"/>
+      <a:lightRig rig="threePt" dir="t"/>
+    </dgm:scene3d>
+    <dgm:sp3d/>
+    <dgm:txPr/>
+    <dgm:style>
+      <a:lnRef idx="0">
+        <a:scrgbClr r="0" g="0" b="0"/>
+      </a:lnRef>
+      <a:fillRef idx="1">
+        <a:scrgbClr r="0" g="0" b="0"/>
+      </a:fillRef>
+      <a:effectRef idx="0">
+        <a:scrgbClr r="0" g="0" b="0"/>
+      </a:effectRef>
+      <a:fontRef idx="minor"/>
+    </dgm:style>
+  </dgm:styleLbl>
+  <dgm:styleLbl name="dkBgShp">
+    <dgm:scene3d>
+      <a:camera prst="orthographicFront"/>
+      <a:lightRig rig="threePt" dir="t"/>
+    </dgm:scene3d>
+    <dgm:sp3d/>
+    <dgm:txPr/>
+    <dgm:style>
+      <a:lnRef idx="0">
+        <a:scrgbClr r="0" g="0" b="0"/>
+      </a:lnRef>
+      <a:fillRef idx="1">
+        <a:scrgbClr r="0" g="0" b="0"/>
+      </a:fillRef>
+      <a:effectRef idx="0">
+        <a:scrgbClr r="0" g="0" b="0"/>
+      </a:effectRef>
+      <a:fontRef idx="minor"/>
+    </dgm:style>
+  </dgm:styleLbl>
+  <dgm:styleLbl name="trBgShp">
+    <dgm:scene3d>
+      <a:camera prst="orthographicFront"/>
+      <a:lightRig rig="threePt" dir="t"/>
+    </dgm:scene3d>
+    <dgm:sp3d/>
+    <dgm:txPr/>
+    <dgm:style>
+      <a:lnRef idx="0">
+        <a:scrgbClr r="0" g="0" b="0"/>
+      </a:lnRef>
+      <a:fillRef idx="1">
+        <a:scrgbClr r="0" g="0" b="0"/>
+      </a:fillRef>
+      <a:effectRef idx="0">
+        <a:scrgbClr r="0" g="0" b="0"/>
+      </a:effectRef>
+      <a:fontRef idx="minor"/>
+    </dgm:style>
+  </dgm:styleLbl>
+  <dgm:styleLbl name="fgShp">
+    <dgm:scene3d>
+      <a:camera prst="orthographicFront"/>
+      <a:lightRig rig="threePt" dir="t"/>
+    </dgm:scene3d>
+    <dgm:sp3d/>
+    <dgm:txPr/>
+    <dgm:style>
+      <a:lnRef idx="3">
+        <a:scrgbClr r="0" g="0" b="0"/>
+      </a:lnRef>
+      <a:fillRef idx="1">
+        <a:scrgbClr r="0" g="0" b="0"/>
+      </a:fillRef>
+      <a:effectRef idx="1">
         <a:scrgbClr r="0" g="0" b="0"/>
       </a:effectRef>
       <a:fontRef idx="minor"/>
@@ -9785,7 +13871,7 @@
           <a:p>
             <a:fld id="{CF93AEB5-C303-4762-90A0-AF697EB357C4}" type="datetimeFigureOut">
               <a:rPr lang="de-DE" smtClean="0"/>
-              <a:t>25.11.2022</a:t>
+              <a:t>28.11.2022</a:t>
             </a:fld>
             <a:endParaRPr lang="de-DE"/>
           </a:p>
@@ -10254,6 +14340,211 @@
     <p:extLst>
       <p:ext uri="{BB962C8B-B14F-4D97-AF65-F5344CB8AC3E}">
         <p14:creationId xmlns:p14="http://schemas.microsoft.com/office/powerpoint/2010/main" val="2148657298"/>
+      </p:ext>
+    </p:extLst>
+  </p:cSld>
+  <p:clrMapOvr>
+    <a:masterClrMapping/>
+  </p:clrMapOvr>
+</p:notes>
+</file>
+
+<file path=ppt/notesSlides/notesSlide2.xml><?xml version="1.0" encoding="utf-8"?>
+<p:notes xmlns:a="http://schemas.openxmlformats.org/drawingml/2006/main" xmlns:r="http://schemas.openxmlformats.org/officeDocument/2006/relationships" xmlns:p="http://schemas.openxmlformats.org/presentationml/2006/main">
+  <p:cSld>
+    <p:spTree>
+      <p:nvGrpSpPr>
+        <p:cNvPr id="1" name=""/>
+        <p:cNvGrpSpPr/>
+        <p:nvPr/>
+      </p:nvGrpSpPr>
+      <p:grpSpPr>
+        <a:xfrm>
+          <a:off x="0" y="0"/>
+          <a:ext cx="0" cy="0"/>
+          <a:chOff x="0" y="0"/>
+          <a:chExt cx="0" cy="0"/>
+        </a:xfrm>
+      </p:grpSpPr>
+      <p:sp>
+        <p:nvSpPr>
+          <p:cNvPr id="2" name="Folienbildplatzhalter 1"/>
+          <p:cNvSpPr>
+            <a:spLocks noGrp="1" noRot="1" noChangeAspect="1"/>
+          </p:cNvSpPr>
+          <p:nvPr>
+            <p:ph type="sldImg"/>
+          </p:nvPr>
+        </p:nvSpPr>
+        <p:spPr/>
+      </p:sp>
+      <p:sp>
+        <p:nvSpPr>
+          <p:cNvPr id="3" name="Notizenplatzhalter 2"/>
+          <p:cNvSpPr>
+            <a:spLocks noGrp="1"/>
+          </p:cNvSpPr>
+          <p:nvPr>
+            <p:ph type="body" idx="1"/>
+          </p:nvPr>
+        </p:nvSpPr>
+        <p:spPr/>
+        <p:txBody>
+          <a:bodyPr/>
+          <a:lstStyle/>
+          <a:p>
+            <a:pPr marL="0" indent="0">
+              <a:buFontTx/>
+              <a:buNone/>
+            </a:pPr>
+            <a:endParaRPr lang="de-DE" dirty="0"/>
+          </a:p>
+        </p:txBody>
+      </p:sp>
+      <p:sp>
+        <p:nvSpPr>
+          <p:cNvPr id="4" name="Foliennummernplatzhalter 3"/>
+          <p:cNvSpPr>
+            <a:spLocks noGrp="1"/>
+          </p:cNvSpPr>
+          <p:nvPr>
+            <p:ph type="sldNum" sz="quarter" idx="5"/>
+          </p:nvPr>
+        </p:nvSpPr>
+        <p:spPr/>
+        <p:txBody>
+          <a:bodyPr/>
+          <a:lstStyle/>
+          <a:p>
+            <a:fld id="{590C587F-9620-41AA-8442-404D6D597627}" type="slidenum">
+              <a:rPr lang="de-DE" smtClean="0"/>
+              <a:t>15</a:t>
+            </a:fld>
+            <a:endParaRPr lang="de-DE"/>
+          </a:p>
+        </p:txBody>
+      </p:sp>
+    </p:spTree>
+    <p:extLst>
+      <p:ext uri="{BB962C8B-B14F-4D97-AF65-F5344CB8AC3E}">
+        <p14:creationId xmlns:p14="http://schemas.microsoft.com/office/powerpoint/2010/main" val="3127795508"/>
+      </p:ext>
+    </p:extLst>
+  </p:cSld>
+  <p:clrMapOvr>
+    <a:masterClrMapping/>
+  </p:clrMapOvr>
+</p:notes>
+</file>
+
+<file path=ppt/notesSlides/notesSlide3.xml><?xml version="1.0" encoding="utf-8"?>
+<p:notes xmlns:a="http://schemas.openxmlformats.org/drawingml/2006/main" xmlns:r="http://schemas.openxmlformats.org/officeDocument/2006/relationships" xmlns:p="http://schemas.openxmlformats.org/presentationml/2006/main">
+  <p:cSld>
+    <p:spTree>
+      <p:nvGrpSpPr>
+        <p:cNvPr id="1" name=""/>
+        <p:cNvGrpSpPr/>
+        <p:nvPr/>
+      </p:nvGrpSpPr>
+      <p:grpSpPr>
+        <a:xfrm>
+          <a:off x="0" y="0"/>
+          <a:ext cx="0" cy="0"/>
+          <a:chOff x="0" y="0"/>
+          <a:chExt cx="0" cy="0"/>
+        </a:xfrm>
+      </p:grpSpPr>
+      <p:sp>
+        <p:nvSpPr>
+          <p:cNvPr id="2" name="Folienbildplatzhalter 1"/>
+          <p:cNvSpPr>
+            <a:spLocks noGrp="1" noRot="1" noChangeAspect="1"/>
+          </p:cNvSpPr>
+          <p:nvPr>
+            <p:ph type="sldImg"/>
+          </p:nvPr>
+        </p:nvSpPr>
+        <p:spPr/>
+      </p:sp>
+      <p:sp>
+        <p:nvSpPr>
+          <p:cNvPr id="3" name="Notizenplatzhalter 2"/>
+          <p:cNvSpPr>
+            <a:spLocks noGrp="1"/>
+          </p:cNvSpPr>
+          <p:nvPr>
+            <p:ph type="body" idx="1"/>
+          </p:nvPr>
+        </p:nvSpPr>
+        <p:spPr/>
+        <p:txBody>
+          <a:bodyPr/>
+          <a:lstStyle/>
+          <a:p>
+            <a:pPr marL="171450" indent="-171450">
+              <a:buFontTx/>
+              <a:buChar char="-"/>
+            </a:pPr>
+            <a:r>
+              <a:rPr lang="de-DE" dirty="0"/>
+              <a:t>Ein großer Teil der SW im Auto wird für eingebettete Systeme entwickelt</a:t>
+            </a:r>
+          </a:p>
+          <a:p>
+            <a:pPr marL="171450" indent="-171450">
+              <a:buFontTx/>
+              <a:buChar char="-"/>
+            </a:pPr>
+            <a:r>
+              <a:rPr lang="de-DE" dirty="0"/>
+              <a:t>Viele sicherheitskritische Systeme im Auto </a:t>
+            </a:r>
+            <a:r>
+              <a:rPr lang="de-DE" dirty="0">
+                <a:sym typeface="Wingdings" panose="05000000000000000000" pitchFamily="2" charset="2"/>
+              </a:rPr>
+              <a:t> Bugs können nicht einfach per Update gefixt werden </a:t>
+            </a:r>
+          </a:p>
+          <a:p>
+            <a:pPr marL="171450" indent="-171450">
+              <a:buFontTx/>
+              <a:buChar char="-"/>
+            </a:pPr>
+            <a:r>
+              <a:rPr lang="de-DE" dirty="0"/>
+              <a:t>Erwähnen, dass es noch weitere Herausforderungen gibt, wie kulturelle Anpassungen von V-Modell zu Agile (ist aber nicht Automotive spezifisch)</a:t>
+            </a:r>
+          </a:p>
+        </p:txBody>
+      </p:sp>
+      <p:sp>
+        <p:nvSpPr>
+          <p:cNvPr id="4" name="Foliennummernplatzhalter 3"/>
+          <p:cNvSpPr>
+            <a:spLocks noGrp="1"/>
+          </p:cNvSpPr>
+          <p:nvPr>
+            <p:ph type="sldNum" sz="quarter" idx="5"/>
+          </p:nvPr>
+        </p:nvSpPr>
+        <p:spPr/>
+        <p:txBody>
+          <a:bodyPr/>
+          <a:lstStyle/>
+          <a:p>
+            <a:fld id="{590C587F-9620-41AA-8442-404D6D597627}" type="slidenum">
+              <a:rPr lang="de-DE" smtClean="0"/>
+              <a:t>16</a:t>
+            </a:fld>
+            <a:endParaRPr lang="de-DE"/>
+          </a:p>
+        </p:txBody>
+      </p:sp>
+    </p:spTree>
+    <p:extLst>
+      <p:ext uri="{BB962C8B-B14F-4D97-AF65-F5344CB8AC3E}">
+        <p14:creationId xmlns:p14="http://schemas.microsoft.com/office/powerpoint/2010/main" val="2530847614"/>
       </p:ext>
     </p:extLst>
   </p:cSld>
@@ -36948,6 +41239,722 @@
       </p:grpSpPr>
       <p:sp>
         <p:nvSpPr>
+          <p:cNvPr id="2" name="Datumsplatzhalter 1">
+            <a:extLst>
+              <a:ext uri="{FF2B5EF4-FFF2-40B4-BE49-F238E27FC236}">
+                <a16:creationId xmlns:a16="http://schemas.microsoft.com/office/drawing/2014/main" id="{A0E61A3E-7A53-2846-4F46-0FCEF00D5034}"/>
+              </a:ext>
+            </a:extLst>
+          </p:cNvPr>
+          <p:cNvSpPr>
+            <a:spLocks noGrp="1"/>
+          </p:cNvSpPr>
+          <p:nvPr>
+            <p:ph type="dt" sz="half" idx="10"/>
+          </p:nvPr>
+        </p:nvSpPr>
+        <p:spPr/>
+        <p:txBody>
+          <a:bodyPr/>
+          <a:lstStyle/>
+          <a:p>
+            <a:r>
+              <a:rPr lang="de-DE"/>
+              <a:t>Campus Sontheim</a:t>
+            </a:r>
+            <a:endParaRPr lang="de-DE" dirty="0"/>
+          </a:p>
+        </p:txBody>
+      </p:sp>
+      <p:sp>
+        <p:nvSpPr>
+          <p:cNvPr id="3" name="Fußzeilenplatzhalter 2">
+            <a:extLst>
+              <a:ext uri="{FF2B5EF4-FFF2-40B4-BE49-F238E27FC236}">
+                <a16:creationId xmlns:a16="http://schemas.microsoft.com/office/drawing/2014/main" id="{1B44FC17-2753-7F8F-0F90-2F36D20BD3AF}"/>
+              </a:ext>
+            </a:extLst>
+          </p:cNvPr>
+          <p:cNvSpPr>
+            <a:spLocks noGrp="1"/>
+          </p:cNvSpPr>
+          <p:nvPr>
+            <p:ph type="ftr" sz="quarter" idx="11"/>
+          </p:nvPr>
+        </p:nvSpPr>
+        <p:spPr/>
+        <p:txBody>
+          <a:bodyPr/>
+          <a:lstStyle/>
+          <a:p>
+            <a:r>
+              <a:rPr lang="de-DE"/>
+              <a:t>Sarah-Anne Teuner, Rico Steinke |  T1 / MAS |  WiSe 2022/23</a:t>
+            </a:r>
+            <a:endParaRPr lang="de-DE" dirty="0"/>
+          </a:p>
+        </p:txBody>
+      </p:sp>
+      <p:sp>
+        <p:nvSpPr>
+          <p:cNvPr id="4" name="Foliennummernplatzhalter 3">
+            <a:extLst>
+              <a:ext uri="{FF2B5EF4-FFF2-40B4-BE49-F238E27FC236}">
+                <a16:creationId xmlns:a16="http://schemas.microsoft.com/office/drawing/2014/main" id="{43D6A104-F9FB-59B4-D9CE-952E243680E9}"/>
+              </a:ext>
+            </a:extLst>
+          </p:cNvPr>
+          <p:cNvSpPr>
+            <a:spLocks noGrp="1"/>
+          </p:cNvSpPr>
+          <p:nvPr>
+            <p:ph type="sldNum" sz="quarter" idx="12"/>
+          </p:nvPr>
+        </p:nvSpPr>
+        <p:spPr/>
+        <p:txBody>
+          <a:bodyPr/>
+          <a:lstStyle/>
+          <a:p>
+            <a:r>
+              <a:rPr lang="de-DE" dirty="0"/>
+              <a:t>[</a:t>
+            </a:r>
+            <a:r>
+              <a:rPr lang="de-DE" dirty="0" err="1"/>
+              <a:t>Schloßer</a:t>
+            </a:r>
+            <a:r>
+              <a:rPr lang="de-DE" dirty="0"/>
+              <a:t> et al, 2016]|  </a:t>
+            </a:r>
+            <a:fld id="{E6B5151A-17C4-4431-8407-112C0160A8B6}" type="slidenum">
+              <a:rPr lang="de-DE" smtClean="0"/>
+              <a:pPr/>
+              <a:t>15</a:t>
+            </a:fld>
+            <a:endParaRPr lang="de-DE" dirty="0"/>
+          </a:p>
+        </p:txBody>
+      </p:sp>
+      <p:sp>
+        <p:nvSpPr>
+          <p:cNvPr id="5" name="Titel 4">
+            <a:extLst>
+              <a:ext uri="{FF2B5EF4-FFF2-40B4-BE49-F238E27FC236}">
+                <a16:creationId xmlns:a16="http://schemas.microsoft.com/office/drawing/2014/main" id="{0A4EAF6D-224C-D444-50E3-EADFD37A836F}"/>
+              </a:ext>
+            </a:extLst>
+          </p:cNvPr>
+          <p:cNvSpPr>
+            <a:spLocks noGrp="1"/>
+          </p:cNvSpPr>
+          <p:nvPr>
+            <p:ph type="title"/>
+          </p:nvPr>
+        </p:nvSpPr>
+        <p:spPr/>
+        <p:txBody>
+          <a:bodyPr/>
+          <a:lstStyle/>
+          <a:p>
+            <a:r>
+              <a:rPr lang="de-DE" dirty="0"/>
+              <a:t>Agile Methoden im Vergleich zum herkömmlichen Produktentstehungsprozess</a:t>
+            </a:r>
+          </a:p>
+        </p:txBody>
+      </p:sp>
+      <p:graphicFrame>
+        <p:nvGraphicFramePr>
+          <p:cNvPr id="7" name="Inhaltsplatzhalter 6">
+            <a:extLst>
+              <a:ext uri="{FF2B5EF4-FFF2-40B4-BE49-F238E27FC236}">
+                <a16:creationId xmlns:a16="http://schemas.microsoft.com/office/drawing/2014/main" id="{98535F1D-ED19-D310-1332-B326A16D729F}"/>
+              </a:ext>
+            </a:extLst>
+          </p:cNvPr>
+          <p:cNvGraphicFramePr>
+            <a:graphicFrameLocks noGrp="1"/>
+          </p:cNvGraphicFramePr>
+          <p:nvPr>
+            <p:ph idx="13"/>
+            <p:extLst>
+              <p:ext uri="{D42A27DB-BD31-4B8C-83A1-F6EECF244321}">
+                <p14:modId xmlns:p14="http://schemas.microsoft.com/office/powerpoint/2010/main" val="2946120633"/>
+              </p:ext>
+            </p:extLst>
+          </p:nvPr>
+        </p:nvGraphicFramePr>
+        <p:xfrm>
+          <a:off x="406400" y="2033588"/>
+          <a:ext cx="11377613" cy="4210050"/>
+        </p:xfrm>
+        <a:graphic>
+          <a:graphicData uri="http://schemas.openxmlformats.org/drawingml/2006/diagram">
+            <dgm:relIds xmlns:dgm="http://schemas.openxmlformats.org/drawingml/2006/diagram" xmlns:r="http://schemas.openxmlformats.org/officeDocument/2006/relationships" r:dm="rId3" r:lo="rId4" r:qs="rId5" r:cs="rId6"/>
+          </a:graphicData>
+        </a:graphic>
+      </p:graphicFrame>
+    </p:spTree>
+    <p:extLst>
+      <p:ext uri="{BB962C8B-B14F-4D97-AF65-F5344CB8AC3E}">
+        <p14:creationId xmlns:p14="http://schemas.microsoft.com/office/powerpoint/2010/main" val="2453680027"/>
+      </p:ext>
+    </p:extLst>
+  </p:cSld>
+  <p:clrMapOvr>
+    <a:masterClrMapping/>
+  </p:clrMapOvr>
+</p:sld>
+</file>
+
+<file path=ppt/slides/slide16.xml><?xml version="1.0" encoding="utf-8"?>
+<p:sld xmlns:a="http://schemas.openxmlformats.org/drawingml/2006/main" xmlns:r="http://schemas.openxmlformats.org/officeDocument/2006/relationships" xmlns:p="http://schemas.openxmlformats.org/presentationml/2006/main">
+  <p:cSld>
+    <p:spTree>
+      <p:nvGrpSpPr>
+        <p:cNvPr id="1" name=""/>
+        <p:cNvGrpSpPr/>
+        <p:nvPr/>
+      </p:nvGrpSpPr>
+      <p:grpSpPr>
+        <a:xfrm>
+          <a:off x="0" y="0"/>
+          <a:ext cx="0" cy="0"/>
+          <a:chOff x="0" y="0"/>
+          <a:chExt cx="0" cy="0"/>
+        </a:xfrm>
+      </p:grpSpPr>
+      <p:sp>
+        <p:nvSpPr>
+          <p:cNvPr id="2" name="Datumsplatzhalter 1">
+            <a:extLst>
+              <a:ext uri="{FF2B5EF4-FFF2-40B4-BE49-F238E27FC236}">
+                <a16:creationId xmlns:a16="http://schemas.microsoft.com/office/drawing/2014/main" id="{A0E61A3E-7A53-2846-4F46-0FCEF00D5034}"/>
+              </a:ext>
+            </a:extLst>
+          </p:cNvPr>
+          <p:cNvSpPr>
+            <a:spLocks noGrp="1"/>
+          </p:cNvSpPr>
+          <p:nvPr>
+            <p:ph type="dt" sz="half" idx="10"/>
+          </p:nvPr>
+        </p:nvSpPr>
+        <p:spPr/>
+        <p:txBody>
+          <a:bodyPr/>
+          <a:lstStyle/>
+          <a:p>
+            <a:r>
+              <a:rPr lang="de-DE"/>
+              <a:t>Campus Sontheim</a:t>
+            </a:r>
+            <a:endParaRPr lang="de-DE" dirty="0"/>
+          </a:p>
+        </p:txBody>
+      </p:sp>
+      <p:sp>
+        <p:nvSpPr>
+          <p:cNvPr id="3" name="Fußzeilenplatzhalter 2">
+            <a:extLst>
+              <a:ext uri="{FF2B5EF4-FFF2-40B4-BE49-F238E27FC236}">
+                <a16:creationId xmlns:a16="http://schemas.microsoft.com/office/drawing/2014/main" id="{1B44FC17-2753-7F8F-0F90-2F36D20BD3AF}"/>
+              </a:ext>
+            </a:extLst>
+          </p:cNvPr>
+          <p:cNvSpPr>
+            <a:spLocks noGrp="1"/>
+          </p:cNvSpPr>
+          <p:nvPr>
+            <p:ph type="ftr" sz="quarter" idx="11"/>
+          </p:nvPr>
+        </p:nvSpPr>
+        <p:spPr/>
+        <p:txBody>
+          <a:bodyPr/>
+          <a:lstStyle/>
+          <a:p>
+            <a:r>
+              <a:rPr lang="de-DE"/>
+              <a:t>Sarah-Anne Teuner, Rico Steinke |  T1 / MAS |  WiSe 2022/23</a:t>
+            </a:r>
+            <a:endParaRPr lang="de-DE" dirty="0"/>
+          </a:p>
+        </p:txBody>
+      </p:sp>
+      <p:sp>
+        <p:nvSpPr>
+          <p:cNvPr id="4" name="Foliennummernplatzhalter 3">
+            <a:extLst>
+              <a:ext uri="{FF2B5EF4-FFF2-40B4-BE49-F238E27FC236}">
+                <a16:creationId xmlns:a16="http://schemas.microsoft.com/office/drawing/2014/main" id="{43D6A104-F9FB-59B4-D9CE-952E243680E9}"/>
+              </a:ext>
+            </a:extLst>
+          </p:cNvPr>
+          <p:cNvSpPr>
+            <a:spLocks noGrp="1"/>
+          </p:cNvSpPr>
+          <p:nvPr>
+            <p:ph type="sldNum" sz="quarter" idx="12"/>
+          </p:nvPr>
+        </p:nvSpPr>
+        <p:spPr>
+          <a:xfrm>
+            <a:off x="9152878" y="6515213"/>
+            <a:ext cx="2630611" cy="216000"/>
+          </a:xfrm>
+        </p:spPr>
+        <p:txBody>
+          <a:bodyPr/>
+          <a:lstStyle/>
+          <a:p>
+            <a:r>
+              <a:rPr lang="de-DE" dirty="0"/>
+              <a:t>[</a:t>
+            </a:r>
+            <a:r>
+              <a:rPr lang="de-DE" dirty="0" err="1"/>
+              <a:t>Anjum</a:t>
+            </a:r>
+            <a:r>
+              <a:rPr lang="de-DE" dirty="0"/>
+              <a:t> et al, 2020], [</a:t>
+            </a:r>
+            <a:r>
+              <a:rPr lang="de-DE" dirty="0" err="1"/>
+              <a:t>Schloßer</a:t>
+            </a:r>
+            <a:r>
+              <a:rPr lang="de-DE" dirty="0"/>
+              <a:t> et al, 2016]|  </a:t>
+            </a:r>
+            <a:fld id="{E6B5151A-17C4-4431-8407-112C0160A8B6}" type="slidenum">
+              <a:rPr lang="de-DE" smtClean="0"/>
+              <a:pPr/>
+              <a:t>16</a:t>
+            </a:fld>
+            <a:endParaRPr lang="de-DE" dirty="0"/>
+          </a:p>
+        </p:txBody>
+      </p:sp>
+      <p:sp>
+        <p:nvSpPr>
+          <p:cNvPr id="5" name="Titel 4">
+            <a:extLst>
+              <a:ext uri="{FF2B5EF4-FFF2-40B4-BE49-F238E27FC236}">
+                <a16:creationId xmlns:a16="http://schemas.microsoft.com/office/drawing/2014/main" id="{0A4EAF6D-224C-D444-50E3-EADFD37A836F}"/>
+              </a:ext>
+            </a:extLst>
+          </p:cNvPr>
+          <p:cNvSpPr>
+            <a:spLocks noGrp="1"/>
+          </p:cNvSpPr>
+          <p:nvPr>
+            <p:ph type="title"/>
+          </p:nvPr>
+        </p:nvSpPr>
+        <p:spPr/>
+        <p:txBody>
+          <a:bodyPr/>
+          <a:lstStyle/>
+          <a:p>
+            <a:r>
+              <a:rPr lang="de-DE" dirty="0"/>
+              <a:t>Agile Methoden im Vergleich zum herkömmlichen Produktentstehungsprozess</a:t>
+            </a:r>
+          </a:p>
+        </p:txBody>
+      </p:sp>
+      <p:sp>
+        <p:nvSpPr>
+          <p:cNvPr id="7" name="Vertikaler Textplatzhalter 6">
+            <a:extLst>
+              <a:ext uri="{FF2B5EF4-FFF2-40B4-BE49-F238E27FC236}">
+                <a16:creationId xmlns:a16="http://schemas.microsoft.com/office/drawing/2014/main" id="{39D295F2-2C44-E663-8B67-EC86B9815E6D}"/>
+              </a:ext>
+            </a:extLst>
+          </p:cNvPr>
+          <p:cNvSpPr>
+            <a:spLocks noGrp="1"/>
+          </p:cNvSpPr>
+          <p:nvPr>
+            <p:ph type="body" orient="vert" idx="13"/>
+          </p:nvPr>
+        </p:nvSpPr>
+        <p:spPr>
+          <a:xfrm>
+            <a:off x="406405" y="2033700"/>
+            <a:ext cx="11377084" cy="396000"/>
+          </a:xfrm>
+        </p:spPr>
+        <p:txBody>
+          <a:bodyPr/>
+          <a:lstStyle/>
+          <a:p>
+            <a:r>
+              <a:rPr lang="de-DE" dirty="0"/>
+              <a:t>Herausforderungen und Lösungsansätze bei der Software-Entwicklung für automobile Anwendungen</a:t>
+            </a:r>
+          </a:p>
+        </p:txBody>
+      </p:sp>
+      <p:sp>
+        <p:nvSpPr>
+          <p:cNvPr id="6" name="Inhaltsplatzhalter 5">
+            <a:extLst>
+              <a:ext uri="{FF2B5EF4-FFF2-40B4-BE49-F238E27FC236}">
+                <a16:creationId xmlns:a16="http://schemas.microsoft.com/office/drawing/2014/main" id="{9E8E0E81-0E7A-4BF2-7F46-59E6278B6D83}"/>
+              </a:ext>
+            </a:extLst>
+          </p:cNvPr>
+          <p:cNvSpPr>
+            <a:spLocks noGrp="1"/>
+          </p:cNvSpPr>
+          <p:nvPr>
+            <p:ph idx="1"/>
+          </p:nvPr>
+        </p:nvSpPr>
+        <p:spPr/>
+        <p:txBody>
+          <a:bodyPr/>
+          <a:lstStyle/>
+          <a:p>
+            <a:pPr marL="342900" indent="-342900">
+              <a:buFont typeface="Arial" panose="020B0604020202020204" pitchFamily="34" charset="0"/>
+              <a:buChar char="•"/>
+            </a:pPr>
+            <a:r>
+              <a:rPr lang="de-DE" dirty="0"/>
+              <a:t>Herausforderungen:</a:t>
+            </a:r>
+          </a:p>
+          <a:p>
+            <a:pPr marL="630903" lvl="1" indent="-342900">
+              <a:buFont typeface="Arial" panose="020B0604020202020204" pitchFamily="34" charset="0"/>
+              <a:buChar char="•"/>
+            </a:pPr>
+            <a:r>
+              <a:rPr lang="de-DE" dirty="0"/>
+              <a:t>In vielen automobilen Anwendungen muss Hardware- und Software-Entwicklung synchronisiert werden</a:t>
+            </a:r>
+          </a:p>
+          <a:p>
+            <a:pPr marL="630903" lvl="1" indent="-342900">
+              <a:buFont typeface="Arial" panose="020B0604020202020204" pitchFamily="34" charset="0"/>
+              <a:buChar char="•"/>
+            </a:pPr>
+            <a:r>
+              <a:rPr lang="de-DE" dirty="0"/>
+              <a:t>Hohe Sicherheitsanforderungen lassen keine „Bugfixes“ per Update zu</a:t>
+            </a:r>
+          </a:p>
+          <a:p>
+            <a:pPr marL="630903" lvl="1" indent="-342900">
+              <a:buFontTx/>
+              <a:buChar char="-"/>
+            </a:pPr>
+            <a:endParaRPr lang="de-DE" dirty="0"/>
+          </a:p>
+          <a:p>
+            <a:pPr marL="630903" lvl="1" indent="-342900">
+              <a:buFontTx/>
+              <a:buChar char="-"/>
+            </a:pPr>
+            <a:endParaRPr lang="de-DE" dirty="0"/>
+          </a:p>
+        </p:txBody>
+      </p:sp>
+      <p:sp>
+        <p:nvSpPr>
+          <p:cNvPr id="8" name="Inhaltsplatzhalter 7">
+            <a:extLst>
+              <a:ext uri="{FF2B5EF4-FFF2-40B4-BE49-F238E27FC236}">
+                <a16:creationId xmlns:a16="http://schemas.microsoft.com/office/drawing/2014/main" id="{57C3FC68-95AD-E0F6-E694-FB8B32D07A60}"/>
+              </a:ext>
+            </a:extLst>
+          </p:cNvPr>
+          <p:cNvSpPr>
+            <a:spLocks noGrp="1"/>
+          </p:cNvSpPr>
+          <p:nvPr>
+            <p:ph idx="14"/>
+          </p:nvPr>
+        </p:nvSpPr>
+        <p:spPr/>
+        <p:txBody>
+          <a:bodyPr/>
+          <a:lstStyle/>
+          <a:p>
+            <a:pPr marL="342900" indent="-342900">
+              <a:buFont typeface="Arial" panose="020B0604020202020204" pitchFamily="34" charset="0"/>
+              <a:buChar char="•"/>
+            </a:pPr>
+            <a:r>
+              <a:rPr lang="de-DE" dirty="0"/>
+              <a:t>Lösungsansätze:</a:t>
+            </a:r>
+          </a:p>
+          <a:p>
+            <a:pPr marL="630903" lvl="1" indent="-342900">
+              <a:buFont typeface="Arial" panose="020B0604020202020204" pitchFamily="34" charset="0"/>
+              <a:buChar char="•"/>
+            </a:pPr>
+            <a:r>
+              <a:rPr lang="de-DE" dirty="0"/>
+              <a:t>Ständiger Austausch zwischen SW- und HW- Team</a:t>
+            </a:r>
+          </a:p>
+          <a:p>
+            <a:pPr marL="630903" lvl="1" indent="-342900">
+              <a:buFont typeface="Arial" panose="020B0604020202020204" pitchFamily="34" charset="0"/>
+              <a:buChar char="•"/>
+            </a:pPr>
+            <a:r>
+              <a:rPr lang="de-DE" dirty="0"/>
+              <a:t>Agiles Vorgehen an bereichsspezifische Anforderungen anpassen</a:t>
+            </a:r>
+          </a:p>
+          <a:p>
+            <a:pPr marL="630903" lvl="1" indent="-342900">
+              <a:buFont typeface="Arial" panose="020B0604020202020204" pitchFamily="34" charset="0"/>
+              <a:buChar char="•"/>
+            </a:pPr>
+            <a:r>
+              <a:rPr lang="de-DE" dirty="0"/>
+              <a:t>Alle Aspekte des Softwareentwicklungsprozess soweit wie möglich automatisieren (Integration, </a:t>
+            </a:r>
+            <a:r>
+              <a:rPr lang="de-DE" dirty="0" err="1"/>
+              <a:t>Testing</a:t>
+            </a:r>
+            <a:r>
+              <a:rPr lang="de-DE" dirty="0"/>
+              <a:t>, </a:t>
+            </a:r>
+            <a:r>
+              <a:rPr lang="de-DE" dirty="0" err="1"/>
+              <a:t>Delivery</a:t>
+            </a:r>
+            <a:r>
+              <a:rPr lang="de-DE" dirty="0"/>
+              <a:t>)</a:t>
+            </a:r>
+          </a:p>
+        </p:txBody>
+      </p:sp>
+    </p:spTree>
+    <p:extLst>
+      <p:ext uri="{BB962C8B-B14F-4D97-AF65-F5344CB8AC3E}">
+        <p14:creationId xmlns:p14="http://schemas.microsoft.com/office/powerpoint/2010/main" val="241113580"/>
+      </p:ext>
+    </p:extLst>
+  </p:cSld>
+  <p:clrMapOvr>
+    <a:masterClrMapping/>
+  </p:clrMapOvr>
+</p:sld>
+</file>
+
+<file path=ppt/slides/slide17.xml><?xml version="1.0" encoding="utf-8"?>
+<p:sld xmlns:a="http://schemas.openxmlformats.org/drawingml/2006/main" xmlns:r="http://schemas.openxmlformats.org/officeDocument/2006/relationships" xmlns:p="http://schemas.openxmlformats.org/presentationml/2006/main">
+  <p:cSld>
+    <p:spTree>
+      <p:nvGrpSpPr>
+        <p:cNvPr id="1" name=""/>
+        <p:cNvGrpSpPr/>
+        <p:nvPr/>
+      </p:nvGrpSpPr>
+      <p:grpSpPr>
+        <a:xfrm>
+          <a:off x="0" y="0"/>
+          <a:ext cx="0" cy="0"/>
+          <a:chOff x="0" y="0"/>
+          <a:chExt cx="0" cy="0"/>
+        </a:xfrm>
+      </p:grpSpPr>
+      <p:sp>
+        <p:nvSpPr>
+          <p:cNvPr id="2" name="Datumsplatzhalter 1">
+            <a:extLst>
+              <a:ext uri="{FF2B5EF4-FFF2-40B4-BE49-F238E27FC236}">
+                <a16:creationId xmlns:a16="http://schemas.microsoft.com/office/drawing/2014/main" id="{3FCD5E3E-C938-1195-540C-02885C9C4E7E}"/>
+              </a:ext>
+            </a:extLst>
+          </p:cNvPr>
+          <p:cNvSpPr>
+            <a:spLocks noGrp="1"/>
+          </p:cNvSpPr>
+          <p:nvPr>
+            <p:ph type="dt" sz="half" idx="10"/>
+          </p:nvPr>
+        </p:nvSpPr>
+        <p:spPr/>
+        <p:txBody>
+          <a:bodyPr/>
+          <a:lstStyle/>
+          <a:p>
+            <a:r>
+              <a:rPr lang="de-DE"/>
+              <a:t>Campus Sontheim</a:t>
+            </a:r>
+            <a:endParaRPr lang="de-DE" dirty="0"/>
+          </a:p>
+        </p:txBody>
+      </p:sp>
+      <p:sp>
+        <p:nvSpPr>
+          <p:cNvPr id="3" name="Fußzeilenplatzhalter 2">
+            <a:extLst>
+              <a:ext uri="{FF2B5EF4-FFF2-40B4-BE49-F238E27FC236}">
+                <a16:creationId xmlns:a16="http://schemas.microsoft.com/office/drawing/2014/main" id="{32E1695F-6854-CEA6-77D9-1AFF3D58962A}"/>
+              </a:ext>
+            </a:extLst>
+          </p:cNvPr>
+          <p:cNvSpPr>
+            <a:spLocks noGrp="1"/>
+          </p:cNvSpPr>
+          <p:nvPr>
+            <p:ph type="ftr" sz="quarter" idx="11"/>
+          </p:nvPr>
+        </p:nvSpPr>
+        <p:spPr/>
+        <p:txBody>
+          <a:bodyPr/>
+          <a:lstStyle/>
+          <a:p>
+            <a:r>
+              <a:rPr lang="de-DE"/>
+              <a:t>Sarah-Anne Teuner, Rico Steinke |  T1 / MAS |  WiSe 2022/23</a:t>
+            </a:r>
+            <a:endParaRPr lang="de-DE" dirty="0"/>
+          </a:p>
+        </p:txBody>
+      </p:sp>
+      <p:sp>
+        <p:nvSpPr>
+          <p:cNvPr id="4" name="Foliennummernplatzhalter 3">
+            <a:extLst>
+              <a:ext uri="{FF2B5EF4-FFF2-40B4-BE49-F238E27FC236}">
+                <a16:creationId xmlns:a16="http://schemas.microsoft.com/office/drawing/2014/main" id="{94695E07-0A5D-11B4-66C4-49E949D4E08F}"/>
+              </a:ext>
+            </a:extLst>
+          </p:cNvPr>
+          <p:cNvSpPr>
+            <a:spLocks noGrp="1"/>
+          </p:cNvSpPr>
+          <p:nvPr>
+            <p:ph type="sldNum" sz="quarter" idx="12"/>
+          </p:nvPr>
+        </p:nvSpPr>
+        <p:spPr/>
+        <p:txBody>
+          <a:bodyPr/>
+          <a:lstStyle/>
+          <a:p>
+            <a:r>
+              <a:rPr lang="de-DE"/>
+              <a:t>|  </a:t>
+            </a:r>
+            <a:fld id="{E6B5151A-17C4-4431-8407-112C0160A8B6}" type="slidenum">
+              <a:rPr lang="de-DE" smtClean="0"/>
+              <a:pPr/>
+              <a:t>17</a:t>
+            </a:fld>
+            <a:endParaRPr lang="de-DE" dirty="0"/>
+          </a:p>
+        </p:txBody>
+      </p:sp>
+      <p:sp>
+        <p:nvSpPr>
+          <p:cNvPr id="9" name="Titel 8">
+            <a:extLst>
+              <a:ext uri="{FF2B5EF4-FFF2-40B4-BE49-F238E27FC236}">
+                <a16:creationId xmlns:a16="http://schemas.microsoft.com/office/drawing/2014/main" id="{03EC401C-2EC7-13CC-FEE4-49801626B4AB}"/>
+              </a:ext>
+            </a:extLst>
+          </p:cNvPr>
+          <p:cNvSpPr>
+            <a:spLocks noGrp="1"/>
+          </p:cNvSpPr>
+          <p:nvPr>
+            <p:ph type="title"/>
+          </p:nvPr>
+        </p:nvSpPr>
+        <p:spPr/>
+        <p:txBody>
+          <a:bodyPr/>
+          <a:lstStyle/>
+          <a:p>
+            <a:r>
+              <a:rPr lang="de-DE" dirty="0"/>
+              <a:t>Ausblick</a:t>
+            </a:r>
+          </a:p>
+        </p:txBody>
+      </p:sp>
+      <p:pic>
+        <p:nvPicPr>
+          <p:cNvPr id="12" name="Inhaltsplatzhalter 11">
+            <a:extLst>
+              <a:ext uri="{FF2B5EF4-FFF2-40B4-BE49-F238E27FC236}">
+                <a16:creationId xmlns:a16="http://schemas.microsoft.com/office/drawing/2014/main" id="{65AEAB23-8C61-57EA-6E40-E2185965CBFB}"/>
+              </a:ext>
+            </a:extLst>
+          </p:cNvPr>
+          <p:cNvPicPr>
+            <a:picLocks noGrp="1" noChangeAspect="1"/>
+          </p:cNvPicPr>
+          <p:nvPr>
+            <p:ph idx="13"/>
+          </p:nvPr>
+        </p:nvPicPr>
+        <p:blipFill>
+          <a:blip r:embed="rId2"/>
+          <a:stretch>
+            <a:fillRect/>
+          </a:stretch>
+        </p:blipFill>
+        <p:spPr>
+          <a:xfrm>
+            <a:off x="3389338" y="2033588"/>
+            <a:ext cx="5411736" cy="4210050"/>
+          </a:xfrm>
+        </p:spPr>
+      </p:pic>
+    </p:spTree>
+    <p:extLst>
+      <p:ext uri="{BB962C8B-B14F-4D97-AF65-F5344CB8AC3E}">
+        <p14:creationId xmlns:p14="http://schemas.microsoft.com/office/powerpoint/2010/main" val="4291405166"/>
+      </p:ext>
+    </p:extLst>
+  </p:cSld>
+  <p:clrMapOvr>
+    <a:masterClrMapping/>
+  </p:clrMapOvr>
+</p:sld>
+</file>
+
+<file path=ppt/slides/slide18.xml><?xml version="1.0" encoding="utf-8"?>
+<p:sld xmlns:a="http://schemas.openxmlformats.org/drawingml/2006/main" xmlns:r="http://schemas.openxmlformats.org/officeDocument/2006/relationships" xmlns:p="http://schemas.openxmlformats.org/presentationml/2006/main">
+  <p:cSld>
+    <p:spTree>
+      <p:nvGrpSpPr>
+        <p:cNvPr id="1" name=""/>
+        <p:cNvGrpSpPr/>
+        <p:nvPr/>
+      </p:nvGrpSpPr>
+      <p:grpSpPr>
+        <a:xfrm>
+          <a:off x="0" y="0"/>
+          <a:ext cx="0" cy="0"/>
+          <a:chOff x="0" y="0"/>
+          <a:chExt cx="0" cy="0"/>
+        </a:xfrm>
+      </p:grpSpPr>
+      <p:sp>
+        <p:nvSpPr>
           <p:cNvPr id="3" name="Datumsplatzhalter 2">
             <a:extLst>
               <a:ext uri="{FF2B5EF4-FFF2-40B4-BE49-F238E27FC236}">
@@ -37032,7 +42039,7 @@
             <a:fld id="{E6B5151A-17C4-4431-8407-112C0160A8B6}" type="slidenum">
               <a:rPr lang="de-DE" smtClean="0"/>
               <a:pPr/>
-              <a:t>15</a:t>
+              <a:t>18</a:t>
             </a:fld>
             <a:endParaRPr lang="de-DE" dirty="0"/>
           </a:p>
@@ -37088,12 +42095,70 @@
           <a:bodyPr/>
           <a:lstStyle/>
           <a:p>
+            <a:pPr marL="457200" indent="-457200">
+              <a:buFont typeface="+mj-lt"/>
+              <a:buAutoNum type="arabicPeriod"/>
+            </a:pPr>
             <a:r>
               <a:rPr lang="de-DE" b="0" i="0" dirty="0">
                 <a:effectLst/>
                 <a:latin typeface="Arial" panose="020B0604020202020204" pitchFamily="34" charset="0"/>
               </a:rPr>
-              <a:t>1 Symbolgraphik Agile (Quelle: stock.adobe.com) . . . . . . . . . . . . . . Folie 4 </a:t>
+              <a:t>Symbolgraphik Agile (Quelle: stock.adobe.com)</a:t>
+            </a:r>
+          </a:p>
+          <a:p>
+            <a:pPr marL="457200" indent="-457200">
+              <a:buFont typeface="+mj-lt"/>
+              <a:buAutoNum type="arabicPeriod"/>
+            </a:pPr>
+            <a:r>
+              <a:rPr lang="de-DE" b="0" i="0" dirty="0">
+                <a:effectLst/>
+                <a:latin typeface="Arial" panose="020B0604020202020204" pitchFamily="34" charset="0"/>
+              </a:rPr>
+              <a:t>Komponentenlastenhefte im Produktentstehungsprozess (Quelle: [1]) </a:t>
+            </a:r>
+          </a:p>
+          <a:p>
+            <a:pPr marL="457200" indent="-457200">
+              <a:buFont typeface="+mj-lt"/>
+              <a:buAutoNum type="arabicPeriod"/>
+            </a:pPr>
+            <a:r>
+              <a:rPr lang="de-DE" b="0" i="0" dirty="0">
+                <a:effectLst/>
+                <a:latin typeface="Arial" panose="020B0604020202020204" pitchFamily="34" charset="0"/>
+              </a:rPr>
+              <a:t>Agiler Prozesszyklus (Quelle: </a:t>
+            </a:r>
+            <a:r>
+              <a:rPr lang="de-DE" b="0" i="0" dirty="0">
+                <a:effectLst/>
+                <a:latin typeface="Arial" panose="020B0604020202020204" pitchFamily="34" charset="0"/>
+                <a:hlinkClick r:id="rId2"/>
+              </a:rPr>
+              <a:t>https://blog.iconnewmedia.de/de/agile-softwareentwicklung/</a:t>
+            </a:r>
+            <a:r>
+              <a:rPr lang="de-DE" b="0" i="0" dirty="0">
+                <a:effectLst/>
+                <a:latin typeface="Arial" panose="020B0604020202020204" pitchFamily="34" charset="0"/>
+              </a:rPr>
+              <a:t>)</a:t>
+            </a:r>
+          </a:p>
+          <a:p>
+            <a:pPr marL="457200" indent="-457200">
+              <a:buFont typeface="+mj-lt"/>
+              <a:buAutoNum type="arabicPeriod"/>
+            </a:pPr>
+            <a:r>
+              <a:rPr lang="de-DE" b="0" i="0" dirty="0">
+                <a:effectLst/>
+                <a:latin typeface="Arial" panose="020B0604020202020204" pitchFamily="34" charset="0"/>
+              </a:rPr>
+              <a:t>Erhöhung der SW-Aktivitäten für die Fahrzeugproduktentwicklung auf der Kostenebene (Quelle: [5])</a:t>
             </a:r>
             <a:endParaRPr lang="de-DE" dirty="0"/>
           </a:p>
@@ -37112,7 +42177,7 @@
 </p:sld>
 </file>
 
-<file path=ppt/slides/slide16.xml><?xml version="1.0" encoding="utf-8"?>
+<file path=ppt/slides/slide19.xml><?xml version="1.0" encoding="utf-8"?>
 <p:sld xmlns:a="http://schemas.openxmlformats.org/drawingml/2006/main" xmlns:r="http://schemas.openxmlformats.org/officeDocument/2006/relationships" xmlns:p="http://schemas.openxmlformats.org/presentationml/2006/main">
   <p:cSld>
     <p:spTree>
@@ -37215,7 +42280,7 @@
             <a:fld id="{E6B5151A-17C4-4431-8407-112C0160A8B6}" type="slidenum">
               <a:rPr lang="de-DE" smtClean="0"/>
               <a:pPr/>
-              <a:t>16</a:t>
+              <a:t>19</a:t>
             </a:fld>
             <a:endParaRPr lang="de-DE" dirty="0"/>
           </a:p>
@@ -37270,394 +42335,694 @@
           <a:bodyPr/>
           <a:lstStyle/>
           <a:p>
+            <a:pPr marL="342900" indent="-342900" algn="l">
+              <a:spcAft>
+                <a:spcPts val="0"/>
+              </a:spcAft>
+              <a:buFont typeface="+mj-lt"/>
+              <a:buAutoNum type="arabicParenBoth"/>
+            </a:pPr>
             <a:r>
-              <a:rPr lang="de-DE" sz="1400" b="0" i="0" dirty="0">
+              <a:rPr lang="de-DE" sz="1600" b="0" i="0" dirty="0">
+                <a:solidFill>
+                  <a:srgbClr val="000000"/>
+                </a:solidFill>
                 <a:effectLst/>
                 <a:latin typeface="Arial" panose="020B0604020202020204" pitchFamily="34" charset="0"/>
-                <a:cs typeface="Arial" panose="020B0604020202020204" pitchFamily="34" charset="0"/>
               </a:rPr>
-              <a:t>[1] A. </a:t>
+              <a:t>Prof. Dr. A. </a:t>
             </a:r>
             <a:r>
-              <a:rPr lang="de-DE" sz="1400" b="0" i="0" dirty="0" err="1">
+              <a:rPr lang="de-DE" sz="1600" b="0" i="0" dirty="0" err="1">
+                <a:solidFill>
+                  <a:srgbClr val="000000"/>
+                </a:solidFill>
                 <a:effectLst/>
                 <a:latin typeface="Arial" panose="020B0604020202020204" pitchFamily="34" charset="0"/>
-                <a:cs typeface="Arial" panose="020B0604020202020204" pitchFamily="34" charset="0"/>
+              </a:rPr>
+              <a:t>Daberkow</a:t>
+            </a:r>
+            <a:r>
+              <a:rPr lang="de-DE" sz="1600" b="0" i="0" dirty="0">
+                <a:solidFill>
+                  <a:srgbClr val="000000"/>
+                </a:solidFill>
+                <a:effectLst/>
+                <a:latin typeface="Arial" panose="020B0604020202020204" pitchFamily="34" charset="0"/>
+              </a:rPr>
+              <a:t>, “Prozessgestaltung in der Produktentstehung,” 2022.</a:t>
+            </a:r>
+            <a:endParaRPr lang="de-DE" sz="1600" dirty="0">
+              <a:solidFill>
+                <a:srgbClr val="000000"/>
+              </a:solidFill>
+              <a:latin typeface="Times New Roman" panose="02020603050405020304" pitchFamily="18" charset="0"/>
+            </a:endParaRPr>
+          </a:p>
+          <a:p>
+            <a:pPr marL="342900" indent="-342900" algn="l">
+              <a:spcAft>
+                <a:spcPts val="0"/>
+              </a:spcAft>
+              <a:buFont typeface="+mj-lt"/>
+              <a:buAutoNum type="arabicParenBoth"/>
+            </a:pPr>
+            <a:r>
+              <a:rPr lang="de-DE" sz="1600" b="0" i="0" dirty="0">
+                <a:solidFill>
+                  <a:srgbClr val="000000"/>
+                </a:solidFill>
+                <a:effectLst/>
+                <a:latin typeface="Arial" panose="020B0604020202020204" pitchFamily="34" charset="0"/>
+              </a:rPr>
+              <a:t>H. Wolf and W. Bleek, Agile Softwareentwicklung: Werte, Konzepte und Methoden.</a:t>
+            </a:r>
+            <a:br>
+              <a:rPr lang="de-DE" sz="1600" b="0" i="0" dirty="0">
+                <a:solidFill>
+                  <a:srgbClr val="000000"/>
+                </a:solidFill>
+                <a:effectLst/>
+                <a:latin typeface="Times New Roman" panose="02020603050405020304" pitchFamily="18" charset="0"/>
+              </a:rPr>
+            </a:br>
+            <a:r>
+              <a:rPr lang="de-DE" sz="1600" b="0" i="0" dirty="0" err="1">
+                <a:solidFill>
+                  <a:srgbClr val="000000"/>
+                </a:solidFill>
+                <a:effectLst/>
+                <a:latin typeface="Arial" panose="020B0604020202020204" pitchFamily="34" charset="0"/>
+              </a:rPr>
+              <a:t>dpunkt.verlag</a:t>
+            </a:r>
+            <a:r>
+              <a:rPr lang="de-DE" sz="1600" b="0" i="0" dirty="0">
+                <a:solidFill>
+                  <a:srgbClr val="000000"/>
+                </a:solidFill>
+                <a:effectLst/>
+                <a:latin typeface="Arial" panose="020B0604020202020204" pitchFamily="34" charset="0"/>
+              </a:rPr>
+              <a:t>, 2011.</a:t>
+            </a:r>
+            <a:endParaRPr lang="de-DE" sz="1600" dirty="0">
+              <a:solidFill>
+                <a:srgbClr val="000000"/>
+              </a:solidFill>
+              <a:latin typeface="Times New Roman" panose="02020603050405020304" pitchFamily="18" charset="0"/>
+            </a:endParaRPr>
+          </a:p>
+          <a:p>
+            <a:pPr marL="342900" indent="-342900" algn="l">
+              <a:spcAft>
+                <a:spcPts val="0"/>
+              </a:spcAft>
+              <a:buFont typeface="+mj-lt"/>
+              <a:buAutoNum type="arabicParenBoth"/>
+            </a:pPr>
+            <a:r>
+              <a:rPr lang="de-DE" sz="1600" b="0" i="0" dirty="0">
+                <a:solidFill>
+                  <a:srgbClr val="000000"/>
+                </a:solidFill>
+                <a:effectLst/>
+                <a:latin typeface="Arial" panose="020B0604020202020204" pitchFamily="34" charset="0"/>
+              </a:rPr>
+              <a:t>A. Alliance, “Agile 101.” https://www.agilealliance.org/agile101/. [Online; Stand</a:t>
+            </a:r>
+            <a:br>
+              <a:rPr lang="de-DE" sz="1600" b="0" i="0" dirty="0">
+                <a:solidFill>
+                  <a:srgbClr val="000000"/>
+                </a:solidFill>
+                <a:effectLst/>
+                <a:latin typeface="Times New Roman" panose="02020603050405020304" pitchFamily="18" charset="0"/>
+              </a:rPr>
+            </a:br>
+            <a:r>
+              <a:rPr lang="de-DE" sz="1600" b="0" i="0" dirty="0">
+                <a:solidFill>
+                  <a:srgbClr val="000000"/>
+                </a:solidFill>
+                <a:effectLst/>
+                <a:latin typeface="Arial" panose="020B0604020202020204" pitchFamily="34" charset="0"/>
+              </a:rPr>
+              <a:t>15.11.2022].</a:t>
+            </a:r>
+            <a:endParaRPr lang="de-DE" sz="1600" dirty="0">
+              <a:solidFill>
+                <a:srgbClr val="000000"/>
+              </a:solidFill>
+              <a:latin typeface="Times New Roman" panose="02020603050405020304" pitchFamily="18" charset="0"/>
+            </a:endParaRPr>
+          </a:p>
+          <a:p>
+            <a:pPr marL="342900" indent="-342900" algn="l">
+              <a:spcAft>
+                <a:spcPts val="0"/>
+              </a:spcAft>
+              <a:buFont typeface="+mj-lt"/>
+              <a:buAutoNum type="arabicParenBoth"/>
+            </a:pPr>
+            <a:r>
+              <a:rPr lang="de-DE" sz="1600" b="0" i="0" dirty="0">
+                <a:solidFill>
+                  <a:srgbClr val="000000"/>
+                </a:solidFill>
+                <a:effectLst/>
+                <a:latin typeface="Arial" panose="020B0604020202020204" pitchFamily="34" charset="0"/>
+              </a:rPr>
+              <a:t>S. K. </a:t>
+            </a:r>
+            <a:r>
+              <a:rPr lang="de-DE" sz="1600" b="0" i="0" dirty="0" err="1">
+                <a:solidFill>
+                  <a:srgbClr val="000000"/>
+                </a:solidFill>
+                <a:effectLst/>
+                <a:latin typeface="Arial" panose="020B0604020202020204" pitchFamily="34" charset="0"/>
+              </a:rPr>
+              <a:t>Anjum</a:t>
+            </a:r>
+            <a:r>
+              <a:rPr lang="de-DE" sz="1600" b="0" i="0" dirty="0">
+                <a:solidFill>
+                  <a:srgbClr val="000000"/>
+                </a:solidFill>
+                <a:effectLst/>
+                <a:latin typeface="Arial" panose="020B0604020202020204" pitchFamily="34" charset="0"/>
+              </a:rPr>
+              <a:t> and C. Wolff, “Integration </a:t>
+            </a:r>
+            <a:r>
+              <a:rPr lang="de-DE" sz="1600" b="0" i="0" dirty="0" err="1">
+                <a:solidFill>
+                  <a:srgbClr val="000000"/>
+                </a:solidFill>
+                <a:effectLst/>
+                <a:latin typeface="Arial" panose="020B0604020202020204" pitchFamily="34" charset="0"/>
+              </a:rPr>
+              <a:t>of</a:t>
+            </a:r>
+            <a:r>
+              <a:rPr lang="de-DE" sz="1600" b="0" i="0" dirty="0">
+                <a:solidFill>
+                  <a:srgbClr val="000000"/>
+                </a:solidFill>
+                <a:effectLst/>
+                <a:latin typeface="Arial" panose="020B0604020202020204" pitchFamily="34" charset="0"/>
+              </a:rPr>
+              <a:t> agile </a:t>
+            </a:r>
+            <a:r>
+              <a:rPr lang="de-DE" sz="1600" b="0" i="0" dirty="0" err="1">
+                <a:solidFill>
+                  <a:srgbClr val="000000"/>
+                </a:solidFill>
+                <a:effectLst/>
+                <a:latin typeface="Arial" panose="020B0604020202020204" pitchFamily="34" charset="0"/>
+              </a:rPr>
+              <a:t>methods</a:t>
+            </a:r>
+            <a:r>
+              <a:rPr lang="de-DE" sz="1600" b="0" i="0" dirty="0">
+                <a:solidFill>
+                  <a:srgbClr val="000000"/>
+                </a:solidFill>
+                <a:effectLst/>
+                <a:latin typeface="Arial" panose="020B0604020202020204" pitchFamily="34" charset="0"/>
+              </a:rPr>
+              <a:t> in </a:t>
+            </a:r>
+            <a:r>
+              <a:rPr lang="de-DE" sz="1600" b="0" i="0" dirty="0" err="1">
+                <a:solidFill>
+                  <a:srgbClr val="000000"/>
+                </a:solidFill>
+                <a:effectLst/>
+                <a:latin typeface="Arial" panose="020B0604020202020204" pitchFamily="34" charset="0"/>
+              </a:rPr>
+              <a:t>automotive</a:t>
+            </a:r>
+            <a:r>
+              <a:rPr lang="de-DE" sz="1600" b="0" i="0" dirty="0">
+                <a:solidFill>
+                  <a:srgbClr val="000000"/>
+                </a:solidFill>
+                <a:effectLst/>
+                <a:latin typeface="Arial" panose="020B0604020202020204" pitchFamily="34" charset="0"/>
+              </a:rPr>
+              <a:t> </a:t>
+            </a:r>
+            <a:r>
+              <a:rPr lang="de-DE" sz="1600" b="0" i="0" dirty="0" err="1">
+                <a:solidFill>
+                  <a:srgbClr val="000000"/>
+                </a:solidFill>
+                <a:effectLst/>
+                <a:latin typeface="Arial" panose="020B0604020202020204" pitchFamily="34" charset="0"/>
+              </a:rPr>
+              <a:t>software</a:t>
+            </a:r>
+            <a:r>
+              <a:rPr lang="de-DE" sz="1600" b="0" i="0" dirty="0">
+                <a:solidFill>
+                  <a:srgbClr val="000000"/>
+                </a:solidFill>
+                <a:effectLst/>
+                <a:latin typeface="Arial" panose="020B0604020202020204" pitchFamily="34" charset="0"/>
+              </a:rPr>
+              <a:t> de-</a:t>
+            </a:r>
+            <a:br>
+              <a:rPr lang="de-DE" sz="1600" b="0" i="0" dirty="0">
+                <a:solidFill>
+                  <a:srgbClr val="000000"/>
+                </a:solidFill>
+                <a:effectLst/>
+                <a:latin typeface="Times New Roman" panose="02020603050405020304" pitchFamily="18" charset="0"/>
+              </a:rPr>
+            </a:br>
+            <a:r>
+              <a:rPr lang="de-DE" sz="1600" b="0" i="0" dirty="0" err="1">
+                <a:solidFill>
+                  <a:srgbClr val="000000"/>
+                </a:solidFill>
+                <a:effectLst/>
+                <a:latin typeface="Arial" panose="020B0604020202020204" pitchFamily="34" charset="0"/>
+              </a:rPr>
+              <a:t>velopment</a:t>
+            </a:r>
+            <a:r>
+              <a:rPr lang="de-DE" sz="1600" b="0" i="0" dirty="0">
+                <a:solidFill>
+                  <a:srgbClr val="000000"/>
+                </a:solidFill>
+                <a:effectLst/>
+                <a:latin typeface="Arial" panose="020B0604020202020204" pitchFamily="34" charset="0"/>
+              </a:rPr>
+              <a:t> </a:t>
+            </a:r>
+            <a:r>
+              <a:rPr lang="de-DE" sz="1600" b="0" i="0" dirty="0" err="1">
+                <a:solidFill>
+                  <a:srgbClr val="000000"/>
+                </a:solidFill>
+                <a:effectLst/>
+                <a:latin typeface="Arial" panose="020B0604020202020204" pitchFamily="34" charset="0"/>
+              </a:rPr>
+              <a:t>processes</a:t>
+            </a:r>
+            <a:r>
+              <a:rPr lang="de-DE" sz="1600" b="0" i="0" dirty="0">
+                <a:solidFill>
+                  <a:srgbClr val="000000"/>
+                </a:solidFill>
+                <a:effectLst/>
+                <a:latin typeface="Arial" panose="020B0604020202020204" pitchFamily="34" charset="0"/>
+              </a:rPr>
+              <a:t>,” in 2020 IEEE 3rd International Conference and Workshop in</a:t>
+            </a:r>
+            <a:br>
+              <a:rPr lang="de-DE" sz="1600" b="0" i="0" dirty="0">
+                <a:solidFill>
+                  <a:srgbClr val="000000"/>
+                </a:solidFill>
+                <a:effectLst/>
+                <a:latin typeface="Times New Roman" panose="02020603050405020304" pitchFamily="18" charset="0"/>
+              </a:rPr>
+            </a:br>
+            <a:r>
+              <a:rPr lang="de-DE" sz="1600" b="0" i="0" dirty="0" err="1">
+                <a:solidFill>
+                  <a:srgbClr val="000000"/>
+                </a:solidFill>
+                <a:effectLst/>
+                <a:latin typeface="Arial" panose="020B0604020202020204" pitchFamily="34" charset="0"/>
+              </a:rPr>
+              <a:t>Óbuda</a:t>
+            </a:r>
+            <a:r>
+              <a:rPr lang="de-DE" sz="1600" b="0" i="0" dirty="0">
+                <a:solidFill>
+                  <a:srgbClr val="000000"/>
+                </a:solidFill>
+                <a:effectLst/>
+                <a:latin typeface="Arial" panose="020B0604020202020204" pitchFamily="34" charset="0"/>
+              </a:rPr>
+              <a:t> on </a:t>
+            </a:r>
+            <a:r>
+              <a:rPr lang="de-DE" sz="1600" b="0" i="0" dirty="0" err="1">
+                <a:solidFill>
+                  <a:srgbClr val="000000"/>
+                </a:solidFill>
+                <a:effectLst/>
+                <a:latin typeface="Arial" panose="020B0604020202020204" pitchFamily="34" charset="0"/>
+              </a:rPr>
+              <a:t>Electrical</a:t>
+            </a:r>
+            <a:r>
+              <a:rPr lang="de-DE" sz="1600" b="0" i="0" dirty="0">
+                <a:solidFill>
+                  <a:srgbClr val="000000"/>
+                </a:solidFill>
+                <a:effectLst/>
+                <a:latin typeface="Arial" panose="020B0604020202020204" pitchFamily="34" charset="0"/>
+              </a:rPr>
+              <a:t> and Power Engineering (CANDO-EPE), pp. 000151–000154,</a:t>
+            </a:r>
+            <a:br>
+              <a:rPr lang="de-DE" sz="1600" b="0" i="0" dirty="0">
+                <a:solidFill>
+                  <a:srgbClr val="000000"/>
+                </a:solidFill>
+                <a:effectLst/>
+                <a:latin typeface="Times New Roman" panose="02020603050405020304" pitchFamily="18" charset="0"/>
+              </a:rPr>
+            </a:br>
+            <a:r>
+              <a:rPr lang="de-DE" sz="1600" b="0" i="0" dirty="0">
+                <a:solidFill>
+                  <a:srgbClr val="000000"/>
+                </a:solidFill>
+                <a:effectLst/>
+                <a:latin typeface="Arial" panose="020B0604020202020204" pitchFamily="34" charset="0"/>
+              </a:rPr>
+              <a:t>2020.</a:t>
+            </a:r>
+            <a:endParaRPr lang="de-DE" sz="1600" dirty="0">
+              <a:solidFill>
+                <a:srgbClr val="000000"/>
+              </a:solidFill>
+              <a:latin typeface="Times New Roman" panose="02020603050405020304" pitchFamily="18" charset="0"/>
+            </a:endParaRPr>
+          </a:p>
+          <a:p>
+            <a:pPr marL="342900" indent="-342900" algn="l">
+              <a:spcAft>
+                <a:spcPts val="0"/>
+              </a:spcAft>
+              <a:buFont typeface="+mj-lt"/>
+              <a:buAutoNum type="arabicParenBoth"/>
+            </a:pPr>
+            <a:r>
+              <a:rPr lang="de-DE" sz="1600" b="0" i="0" dirty="0">
+                <a:solidFill>
+                  <a:srgbClr val="000000"/>
+                </a:solidFill>
+                <a:effectLst/>
+                <a:latin typeface="Arial" panose="020B0604020202020204" pitchFamily="34" charset="0"/>
+              </a:rPr>
+              <a:t>A. </a:t>
+            </a:r>
+            <a:r>
+              <a:rPr lang="de-DE" sz="1600" b="0" i="0" dirty="0" err="1">
+                <a:solidFill>
+                  <a:srgbClr val="000000"/>
+                </a:solidFill>
+                <a:effectLst/>
+                <a:latin typeface="Arial" panose="020B0604020202020204" pitchFamily="34" charset="0"/>
               </a:rPr>
               <a:t>Schloßer</a:t>
             </a:r>
             <a:r>
-              <a:rPr lang="de-DE" sz="1400" b="0" i="0" dirty="0">
+              <a:rPr lang="de-DE" sz="1600" b="0" i="0" dirty="0">
+                <a:solidFill>
+                  <a:srgbClr val="000000"/>
+                </a:solidFill>
                 <a:effectLst/>
                 <a:latin typeface="Arial" panose="020B0604020202020204" pitchFamily="34" charset="0"/>
-                <a:cs typeface="Arial" panose="020B0604020202020204" pitchFamily="34" charset="0"/>
               </a:rPr>
               <a:t>, J. Schnitzler, T. Sentis, and J. Richenhagen, “Agile </a:t>
             </a:r>
             <a:r>
-              <a:rPr lang="de-DE" sz="1400" b="0" i="0" dirty="0" err="1">
+              <a:rPr lang="de-DE" sz="1600" b="0" i="0" dirty="0" err="1">
+                <a:solidFill>
+                  <a:srgbClr val="000000"/>
+                </a:solidFill>
                 <a:effectLst/>
                 <a:latin typeface="Arial" panose="020B0604020202020204" pitchFamily="34" charset="0"/>
-                <a:cs typeface="Arial" panose="020B0604020202020204" pitchFamily="34" charset="0"/>
               </a:rPr>
               <a:t>processes</a:t>
             </a:r>
             <a:r>
-              <a:rPr lang="de-DE" sz="1400" b="0" i="0" dirty="0">
+              <a:rPr lang="de-DE" sz="1600" b="0" i="0" dirty="0">
+                <a:solidFill>
+                  <a:srgbClr val="000000"/>
+                </a:solidFill>
                 <a:effectLst/>
                 <a:latin typeface="Arial" panose="020B0604020202020204" pitchFamily="34" charset="0"/>
-                <a:cs typeface="Arial" panose="020B0604020202020204" pitchFamily="34" charset="0"/>
+              </a:rPr>
+              <a:t> in au-</a:t>
+            </a:r>
+            <a:br>
+              <a:rPr lang="de-DE" sz="1600" b="0" i="0" dirty="0">
+                <a:solidFill>
+                  <a:srgbClr val="000000"/>
+                </a:solidFill>
+                <a:effectLst/>
+                <a:latin typeface="Times New Roman" panose="02020603050405020304" pitchFamily="18" charset="0"/>
+              </a:rPr>
+            </a:br>
+            <a:r>
+              <a:rPr lang="de-DE" sz="1600" b="0" i="0" dirty="0" err="1">
+                <a:solidFill>
+                  <a:srgbClr val="000000"/>
+                </a:solidFill>
+                <a:effectLst/>
+                <a:latin typeface="Arial" panose="020B0604020202020204" pitchFamily="34" charset="0"/>
+              </a:rPr>
+              <a:t>tomotive</a:t>
+            </a:r>
+            <a:r>
+              <a:rPr lang="de-DE" sz="1600" b="0" i="0" dirty="0">
+                <a:solidFill>
+                  <a:srgbClr val="000000"/>
+                </a:solidFill>
+                <a:effectLst/>
+                <a:latin typeface="Arial" panose="020B0604020202020204" pitchFamily="34" charset="0"/>
+              </a:rPr>
+              <a:t> </a:t>
+            </a:r>
+            <a:r>
+              <a:rPr lang="de-DE" sz="1600" b="0" i="0" dirty="0" err="1">
+                <a:solidFill>
+                  <a:srgbClr val="000000"/>
+                </a:solidFill>
+                <a:effectLst/>
+                <a:latin typeface="Arial" panose="020B0604020202020204" pitchFamily="34" charset="0"/>
+              </a:rPr>
+              <a:t>industry</a:t>
+            </a:r>
+            <a:r>
+              <a:rPr lang="de-DE" sz="1600" b="0" i="0" dirty="0">
+                <a:solidFill>
+                  <a:srgbClr val="000000"/>
+                </a:solidFill>
+                <a:effectLst/>
+                <a:latin typeface="Arial" panose="020B0604020202020204" pitchFamily="34" charset="0"/>
+              </a:rPr>
+              <a:t> – </a:t>
+            </a:r>
+            <a:r>
+              <a:rPr lang="de-DE" sz="1600" b="0" i="0" dirty="0" err="1">
+                <a:solidFill>
+                  <a:srgbClr val="000000"/>
+                </a:solidFill>
+                <a:effectLst/>
+                <a:latin typeface="Arial" panose="020B0604020202020204" pitchFamily="34" charset="0"/>
+              </a:rPr>
+              <a:t>efficiency</a:t>
+            </a:r>
+            <a:r>
+              <a:rPr lang="de-DE" sz="1600" b="0" i="0" dirty="0">
+                <a:solidFill>
+                  <a:srgbClr val="000000"/>
+                </a:solidFill>
+                <a:effectLst/>
+                <a:latin typeface="Arial" panose="020B0604020202020204" pitchFamily="34" charset="0"/>
+              </a:rPr>
+              <a:t> and </a:t>
+            </a:r>
+            <a:r>
+              <a:rPr lang="de-DE" sz="1600" b="0" i="0" dirty="0" err="1">
+                <a:solidFill>
+                  <a:srgbClr val="000000"/>
+                </a:solidFill>
+                <a:effectLst/>
+                <a:latin typeface="Arial" panose="020B0604020202020204" pitchFamily="34" charset="0"/>
+              </a:rPr>
+              <a:t>quality</a:t>
+            </a:r>
+            <a:r>
+              <a:rPr lang="de-DE" sz="1600" b="0" i="0" dirty="0">
+                <a:solidFill>
+                  <a:srgbClr val="000000"/>
+                </a:solidFill>
+                <a:effectLst/>
+                <a:latin typeface="Arial" panose="020B0604020202020204" pitchFamily="34" charset="0"/>
               </a:rPr>
               <a:t> in </a:t>
             </a:r>
             <a:r>
-              <a:rPr lang="de-DE" sz="1400" b="0" i="0" dirty="0" err="1">
+              <a:rPr lang="de-DE" sz="1600" b="0" i="0" dirty="0" err="1">
+                <a:solidFill>
+                  <a:srgbClr val="000000"/>
+                </a:solidFill>
                 <a:effectLst/>
                 <a:latin typeface="Arial" panose="020B0604020202020204" pitchFamily="34" charset="0"/>
-                <a:cs typeface="Arial" panose="020B0604020202020204" pitchFamily="34" charset="0"/>
               </a:rPr>
-              <a:t>automotive</a:t>
+              <a:t>software</a:t>
             </a:r>
             <a:r>
-              <a:rPr lang="de-DE" sz="1400" b="0" i="0" dirty="0">
+              <a:rPr lang="de-DE" sz="1600" b="0" i="0" dirty="0">
+                <a:solidFill>
+                  <a:srgbClr val="000000"/>
+                </a:solidFill>
                 <a:effectLst/>
                 <a:latin typeface="Arial" panose="020B0604020202020204" pitchFamily="34" charset="0"/>
-                <a:cs typeface="Arial" panose="020B0604020202020204" pitchFamily="34" charset="0"/>
               </a:rPr>
               <a:t> </a:t>
             </a:r>
             <a:r>
-              <a:rPr lang="de-DE" sz="1400" b="0" i="0" dirty="0" err="1">
+              <a:rPr lang="de-DE" sz="1600" b="0" i="0" dirty="0" err="1">
+                <a:solidFill>
+                  <a:srgbClr val="000000"/>
+                </a:solidFill>
                 <a:effectLst/>
                 <a:latin typeface="Arial" panose="020B0604020202020204" pitchFamily="34" charset="0"/>
-                <a:cs typeface="Arial" panose="020B0604020202020204" pitchFamily="34" charset="0"/>
-              </a:rPr>
-              <a:t>industry</a:t>
-            </a:r>
-            <a:r>
-              <a:rPr lang="de-DE" sz="1400" b="0" i="0" dirty="0">
-                <a:effectLst/>
-                <a:latin typeface="Arial" panose="020B0604020202020204" pitchFamily="34" charset="0"/>
-                <a:cs typeface="Arial" panose="020B0604020202020204" pitchFamily="34" charset="0"/>
-              </a:rPr>
-              <a:t> – </a:t>
-            </a:r>
-            <a:r>
-              <a:rPr lang="de-DE" sz="1400" b="0" i="0" dirty="0" err="1">
-                <a:effectLst/>
-                <a:latin typeface="Arial" panose="020B0604020202020204" pitchFamily="34" charset="0"/>
-                <a:cs typeface="Arial" panose="020B0604020202020204" pitchFamily="34" charset="0"/>
-              </a:rPr>
-              <a:t>efficiency</a:t>
-            </a:r>
-            <a:r>
-              <a:rPr lang="de-DE" sz="1400" b="0" i="0" dirty="0">
-                <a:effectLst/>
-                <a:latin typeface="Arial" panose="020B0604020202020204" pitchFamily="34" charset="0"/>
-                <a:cs typeface="Arial" panose="020B0604020202020204" pitchFamily="34" charset="0"/>
-              </a:rPr>
-              <a:t> and </a:t>
-            </a:r>
-            <a:r>
-              <a:rPr lang="de-DE" sz="1400" b="0" i="0" dirty="0" err="1">
-                <a:effectLst/>
-                <a:latin typeface="Arial" panose="020B0604020202020204" pitchFamily="34" charset="0"/>
-                <a:cs typeface="Arial" panose="020B0604020202020204" pitchFamily="34" charset="0"/>
-              </a:rPr>
-              <a:t>quality</a:t>
-            </a:r>
-            <a:r>
-              <a:rPr lang="de-DE" sz="1400" b="0" i="0" dirty="0">
-                <a:effectLst/>
-                <a:latin typeface="Arial" panose="020B0604020202020204" pitchFamily="34" charset="0"/>
-                <a:cs typeface="Arial" panose="020B0604020202020204" pitchFamily="34" charset="0"/>
-              </a:rPr>
-              <a:t> in </a:t>
-            </a:r>
-            <a:r>
-              <a:rPr lang="de-DE" sz="1400" b="0" i="0" dirty="0" err="1">
-                <a:effectLst/>
-                <a:latin typeface="Arial" panose="020B0604020202020204" pitchFamily="34" charset="0"/>
-                <a:cs typeface="Arial" panose="020B0604020202020204" pitchFamily="34" charset="0"/>
-              </a:rPr>
-              <a:t>software</a:t>
-            </a:r>
-            <a:r>
-              <a:rPr lang="de-DE" sz="1400" b="0" i="0" dirty="0">
-                <a:effectLst/>
-                <a:latin typeface="Arial" panose="020B0604020202020204" pitchFamily="34" charset="0"/>
-                <a:cs typeface="Arial" panose="020B0604020202020204" pitchFamily="34" charset="0"/>
-              </a:rPr>
-              <a:t> </a:t>
-            </a:r>
-            <a:r>
-              <a:rPr lang="de-DE" sz="1400" b="0" i="0" dirty="0" err="1">
-                <a:effectLst/>
-                <a:latin typeface="Arial" panose="020B0604020202020204" pitchFamily="34" charset="0"/>
-                <a:cs typeface="Arial" panose="020B0604020202020204" pitchFamily="34" charset="0"/>
               </a:rPr>
               <a:t>development</a:t>
             </a:r>
             <a:r>
-              <a:rPr lang="de-DE" sz="1400" b="0" i="0" dirty="0">
+              <a:rPr lang="de-DE" sz="1600" b="0" i="0" dirty="0">
+                <a:solidFill>
+                  <a:srgbClr val="000000"/>
+                </a:solidFill>
                 <a:effectLst/>
                 <a:latin typeface="Arial" panose="020B0604020202020204" pitchFamily="34" charset="0"/>
-                <a:cs typeface="Arial" panose="020B0604020202020204" pitchFamily="34" charset="0"/>
               </a:rPr>
-              <a:t>,” in 16. Internationales Stuttgarter Symposium (M. </a:t>
+              <a:t>,” in 16. Interna-</a:t>
+            </a:r>
+            <a:br>
+              <a:rPr lang="de-DE" sz="1600" b="0" i="0" dirty="0">
+                <a:solidFill>
+                  <a:srgbClr val="000000"/>
+                </a:solidFill>
+                <a:effectLst/>
+                <a:latin typeface="Times New Roman" panose="02020603050405020304" pitchFamily="18" charset="0"/>
+              </a:rPr>
+            </a:br>
+            <a:r>
+              <a:rPr lang="de-DE" sz="1600" b="0" i="0" dirty="0" err="1">
+                <a:solidFill>
+                  <a:srgbClr val="000000"/>
+                </a:solidFill>
+                <a:effectLst/>
+                <a:latin typeface="Arial" panose="020B0604020202020204" pitchFamily="34" charset="0"/>
+              </a:rPr>
+              <a:t>tionales</a:t>
             </a:r>
             <a:r>
-              <a:rPr lang="de-DE" sz="1400" b="0" i="0" dirty="0" err="1">
+              <a:rPr lang="de-DE" sz="1600" b="0" i="0" dirty="0">
+                <a:solidFill>
+                  <a:srgbClr val="000000"/>
+                </a:solidFill>
                 <a:effectLst/>
                 <a:latin typeface="Arial" panose="020B0604020202020204" pitchFamily="34" charset="0"/>
-                <a:cs typeface="Arial" panose="020B0604020202020204" pitchFamily="34" charset="0"/>
+              </a:rPr>
+              <a:t> Stuttgarter Symposium (M. </a:t>
+            </a:r>
+            <a:r>
+              <a:rPr lang="de-DE" sz="1600" b="0" i="0" dirty="0" err="1">
+                <a:solidFill>
+                  <a:srgbClr val="000000"/>
+                </a:solidFill>
+                <a:effectLst/>
+                <a:latin typeface="Arial" panose="020B0604020202020204" pitchFamily="34" charset="0"/>
               </a:rPr>
               <a:t>Bargende</a:t>
             </a:r>
             <a:r>
-              <a:rPr lang="de-DE" sz="1400" b="0" i="0" dirty="0">
+              <a:rPr lang="de-DE" sz="1600" b="0" i="0" dirty="0">
+                <a:solidFill>
+                  <a:srgbClr val="000000"/>
+                </a:solidFill>
                 <a:effectLst/>
                 <a:latin typeface="Arial" panose="020B0604020202020204" pitchFamily="34" charset="0"/>
-                <a:cs typeface="Arial" panose="020B0604020202020204" pitchFamily="34" charset="0"/>
               </a:rPr>
               <a:t>, H.-C. </a:t>
             </a:r>
             <a:r>
-              <a:rPr lang="de-DE" sz="1400" b="0" i="0" dirty="0" err="1">
+              <a:rPr lang="de-DE" sz="1600" b="0" i="0" dirty="0" err="1">
+                <a:solidFill>
+                  <a:srgbClr val="000000"/>
+                </a:solidFill>
                 <a:effectLst/>
                 <a:latin typeface="Arial" panose="020B0604020202020204" pitchFamily="34" charset="0"/>
-                <a:cs typeface="Arial" panose="020B0604020202020204" pitchFamily="34" charset="0"/>
               </a:rPr>
               <a:t>Reuss</a:t>
             </a:r>
             <a:r>
-              <a:rPr lang="de-DE" sz="1400" b="0" i="0" dirty="0">
+              <a:rPr lang="de-DE" sz="1600" b="0" i="0" dirty="0">
+                <a:solidFill>
+                  <a:srgbClr val="000000"/>
+                </a:solidFill>
                 <a:effectLst/>
                 <a:latin typeface="Arial" panose="020B0604020202020204" pitchFamily="34" charset="0"/>
-                <a:cs typeface="Arial" panose="020B0604020202020204" pitchFamily="34" charset="0"/>
               </a:rPr>
-              <a:t>, and J. Wiedemann, </a:t>
+              <a:t>, and J. Wiedemann,</a:t>
             </a:r>
+            <a:br>
+              <a:rPr lang="de-DE" sz="1600" b="0" i="0" dirty="0">
+                <a:solidFill>
+                  <a:srgbClr val="000000"/>
+                </a:solidFill>
+                <a:effectLst/>
+                <a:latin typeface="Times New Roman" panose="02020603050405020304" pitchFamily="18" charset="0"/>
+              </a:rPr>
+            </a:br>
             <a:r>
-              <a:rPr lang="de-DE" sz="1400" b="0" i="0" dirty="0" err="1">
+              <a:rPr lang="de-DE" sz="1600" b="0" i="0" dirty="0" err="1">
+                <a:solidFill>
+                  <a:srgbClr val="000000"/>
+                </a:solidFill>
                 <a:effectLst/>
                 <a:latin typeface="Arial" panose="020B0604020202020204" pitchFamily="34" charset="0"/>
-                <a:cs typeface="Arial" panose="020B0604020202020204" pitchFamily="34" charset="0"/>
               </a:rPr>
               <a:t>eds</a:t>
             </a:r>
             <a:r>
-              <a:rPr lang="de-DE" sz="1400" b="0" i="0" dirty="0">
+              <a:rPr lang="de-DE" sz="1600" b="0" i="0" dirty="0">
+                <a:solidFill>
+                  <a:srgbClr val="000000"/>
+                </a:solidFill>
                 <a:effectLst/>
                 <a:latin typeface="Arial" panose="020B0604020202020204" pitchFamily="34" charset="0"/>
-                <a:cs typeface="Arial" panose="020B0604020202020204" pitchFamily="34" charset="0"/>
               </a:rPr>
               <a:t>.), (Wiesbaden), pp. 489–503, Springer Fachmedien Wiesbaden, 2016.</a:t>
             </a:r>
             <a:br>
-              <a:rPr lang="de-DE" sz="1400" dirty="0">
-                <a:latin typeface="Arial" panose="020B0604020202020204" pitchFamily="34" charset="0"/>
-                <a:cs typeface="Arial" panose="020B0604020202020204" pitchFamily="34" charset="0"/>
+              <a:rPr lang="de-DE" sz="1600" b="0" i="0" dirty="0">
+                <a:solidFill>
+                  <a:srgbClr val="000000"/>
+                </a:solidFill>
+                <a:effectLst/>
+                <a:latin typeface="Times New Roman" panose="02020603050405020304" pitchFamily="18" charset="0"/>
               </a:rPr>
             </a:br>
-            <a:r>
-              <a:rPr lang="de-DE" sz="1400" b="0" i="0" dirty="0">
+            <a:br>
+              <a:rPr lang="de-DE" sz="1800" b="0" i="0" dirty="0">
+                <a:solidFill>
+                  <a:srgbClr val="000000"/>
+                </a:solidFill>
                 <a:effectLst/>
-                <a:latin typeface="Arial" panose="020B0604020202020204" pitchFamily="34" charset="0"/>
-                <a:cs typeface="Arial" panose="020B0604020202020204" pitchFamily="34" charset="0"/>
-              </a:rPr>
-              <a:t>[2] B. </a:t>
-            </a:r>
-            <a:r>
-              <a:rPr lang="de-DE" sz="1400" b="0" i="0" dirty="0" err="1">
-                <a:effectLst/>
-                <a:latin typeface="Arial" panose="020B0604020202020204" pitchFamily="34" charset="0"/>
-                <a:cs typeface="Arial" panose="020B0604020202020204" pitchFamily="34" charset="0"/>
-              </a:rPr>
-              <a:t>Katumba</a:t>
-            </a:r>
-            <a:r>
-              <a:rPr lang="de-DE" sz="1400" b="0" i="0" dirty="0">
-                <a:effectLst/>
-                <a:latin typeface="Arial" panose="020B0604020202020204" pitchFamily="34" charset="0"/>
-                <a:cs typeface="Arial" panose="020B0604020202020204" pitchFamily="34" charset="0"/>
-              </a:rPr>
-              <a:t> and E. Knauss, “Agile </a:t>
-            </a:r>
-            <a:r>
-              <a:rPr lang="de-DE" sz="1400" b="0" i="0" dirty="0" err="1">
-                <a:effectLst/>
-                <a:latin typeface="Arial" panose="020B0604020202020204" pitchFamily="34" charset="0"/>
-                <a:cs typeface="Arial" panose="020B0604020202020204" pitchFamily="34" charset="0"/>
-              </a:rPr>
-              <a:t>development</a:t>
-            </a:r>
-            <a:r>
-              <a:rPr lang="de-DE" sz="1400" b="0" i="0" dirty="0">
-                <a:effectLst/>
-                <a:latin typeface="Arial" panose="020B0604020202020204" pitchFamily="34" charset="0"/>
-                <a:cs typeface="Arial" panose="020B0604020202020204" pitchFamily="34" charset="0"/>
-              </a:rPr>
-              <a:t> in </a:t>
-            </a:r>
-            <a:r>
-              <a:rPr lang="de-DE" sz="1400" b="0" i="0" dirty="0" err="1">
-                <a:effectLst/>
-                <a:latin typeface="Arial" panose="020B0604020202020204" pitchFamily="34" charset="0"/>
-                <a:cs typeface="Arial" panose="020B0604020202020204" pitchFamily="34" charset="0"/>
-              </a:rPr>
-              <a:t>automotive</a:t>
-            </a:r>
-            <a:r>
-              <a:rPr lang="de-DE" sz="1400" b="0" i="0" dirty="0">
-                <a:effectLst/>
-                <a:latin typeface="Arial" panose="020B0604020202020204" pitchFamily="34" charset="0"/>
-                <a:cs typeface="Arial" panose="020B0604020202020204" pitchFamily="34" charset="0"/>
-              </a:rPr>
-              <a:t> </a:t>
-            </a:r>
-            <a:r>
-              <a:rPr lang="de-DE" sz="1400" b="0" i="0" dirty="0" err="1">
-                <a:effectLst/>
-                <a:latin typeface="Arial" panose="020B0604020202020204" pitchFamily="34" charset="0"/>
-                <a:cs typeface="Arial" panose="020B0604020202020204" pitchFamily="34" charset="0"/>
-              </a:rPr>
-              <a:t>software</a:t>
-            </a:r>
-            <a:r>
-              <a:rPr lang="de-DE" sz="1400" b="0" i="0" dirty="0">
-                <a:effectLst/>
-                <a:latin typeface="Arial" panose="020B0604020202020204" pitchFamily="34" charset="0"/>
-                <a:cs typeface="Arial" panose="020B0604020202020204" pitchFamily="34" charset="0"/>
-              </a:rPr>
-              <a:t> </a:t>
-            </a:r>
-            <a:r>
-              <a:rPr lang="de-DE" sz="1400" b="0" i="0" dirty="0" err="1">
-                <a:effectLst/>
-                <a:latin typeface="Arial" panose="020B0604020202020204" pitchFamily="34" charset="0"/>
-                <a:cs typeface="Arial" panose="020B0604020202020204" pitchFamily="34" charset="0"/>
-              </a:rPr>
-              <a:t>development</a:t>
-            </a:r>
-            <a:r>
-              <a:rPr lang="de-DE" sz="1400" b="0" i="0" dirty="0">
-                <a:effectLst/>
-                <a:latin typeface="Arial" panose="020B0604020202020204" pitchFamily="34" charset="0"/>
-                <a:cs typeface="Arial" panose="020B0604020202020204" pitchFamily="34" charset="0"/>
-              </a:rPr>
-              <a:t>: Challenges and </a:t>
-            </a:r>
-            <a:r>
-              <a:rPr lang="de-DE" sz="1400" b="0" i="0" dirty="0" err="1">
-                <a:effectLst/>
-                <a:latin typeface="Arial" panose="020B0604020202020204" pitchFamily="34" charset="0"/>
-                <a:cs typeface="Arial" panose="020B0604020202020204" pitchFamily="34" charset="0"/>
-              </a:rPr>
-              <a:t>opportunities</a:t>
-            </a:r>
-            <a:r>
-              <a:rPr lang="de-DE" sz="1400" b="0" i="0" dirty="0">
-                <a:effectLst/>
-                <a:latin typeface="Arial" panose="020B0604020202020204" pitchFamily="34" charset="0"/>
-                <a:cs typeface="Arial" panose="020B0604020202020204" pitchFamily="34" charset="0"/>
-              </a:rPr>
-              <a:t>,” 12 2014.</a:t>
-            </a:r>
-            <a:br>
-              <a:rPr lang="de-DE" sz="1400" dirty="0">
-                <a:latin typeface="Arial" panose="020B0604020202020204" pitchFamily="34" charset="0"/>
-                <a:cs typeface="Arial" panose="020B0604020202020204" pitchFamily="34" charset="0"/>
+                <a:latin typeface="Times New Roman" panose="02020603050405020304" pitchFamily="18" charset="0"/>
               </a:rPr>
             </a:br>
-            <a:r>
-              <a:rPr lang="de-DE" sz="1400" b="0" i="0" dirty="0">
-                <a:effectLst/>
-                <a:latin typeface="Arial" panose="020B0604020202020204" pitchFamily="34" charset="0"/>
-                <a:cs typeface="Arial" panose="020B0604020202020204" pitchFamily="34" charset="0"/>
-              </a:rPr>
-              <a:t>[3] Andreas </a:t>
-            </a:r>
-            <a:r>
-              <a:rPr lang="de-DE" sz="1400" b="0" i="0" dirty="0" err="1">
-                <a:effectLst/>
-                <a:latin typeface="Arial" panose="020B0604020202020204" pitchFamily="34" charset="0"/>
-                <a:cs typeface="Arial" panose="020B0604020202020204" pitchFamily="34" charset="0"/>
-              </a:rPr>
-              <a:t>Daberkow</a:t>
-            </a:r>
-            <a:r>
-              <a:rPr lang="de-DE" sz="1400" b="0" i="0" dirty="0">
-                <a:effectLst/>
-                <a:latin typeface="Arial" panose="020B0604020202020204" pitchFamily="34" charset="0"/>
-                <a:cs typeface="Arial" panose="020B0604020202020204" pitchFamily="34" charset="0"/>
-              </a:rPr>
-              <a:t>, “Prozessgestaltung in der Produktentstehung.”</a:t>
-            </a:r>
-            <a:br>
-              <a:rPr lang="de-DE" sz="1400" dirty="0">
-                <a:latin typeface="Arial" panose="020B0604020202020204" pitchFamily="34" charset="0"/>
-                <a:cs typeface="Arial" panose="020B0604020202020204" pitchFamily="34" charset="0"/>
-              </a:rPr>
-            </a:br>
-            <a:r>
-              <a:rPr lang="de-DE" sz="1400" b="0" i="0" dirty="0">
-                <a:effectLst/>
-                <a:latin typeface="Arial" panose="020B0604020202020204" pitchFamily="34" charset="0"/>
-                <a:cs typeface="Arial" panose="020B0604020202020204" pitchFamily="34" charset="0"/>
-              </a:rPr>
-              <a:t>[4] H. Wolf and W. Bleek, Agile Softwareentwicklung: Werte, Konzepte und Methoden. </a:t>
-            </a:r>
-            <a:r>
-              <a:rPr lang="de-DE" sz="1400" b="0" i="0" dirty="0" err="1">
-                <a:effectLst/>
-                <a:latin typeface="Arial" panose="020B0604020202020204" pitchFamily="34" charset="0"/>
-                <a:cs typeface="Arial" panose="020B0604020202020204" pitchFamily="34" charset="0"/>
-              </a:rPr>
-              <a:t>dpunkt.verlag</a:t>
-            </a:r>
-            <a:r>
-              <a:rPr lang="de-DE" sz="1400" b="0" i="0" dirty="0">
-                <a:effectLst/>
-                <a:latin typeface="Arial" panose="020B0604020202020204" pitchFamily="34" charset="0"/>
-                <a:cs typeface="Arial" panose="020B0604020202020204" pitchFamily="34" charset="0"/>
-              </a:rPr>
-              <a:t>, 2011.</a:t>
-            </a:r>
-            <a:br>
-              <a:rPr lang="de-DE" sz="1400" dirty="0">
-                <a:latin typeface="Arial" panose="020B0604020202020204" pitchFamily="34" charset="0"/>
-                <a:cs typeface="Arial" panose="020B0604020202020204" pitchFamily="34" charset="0"/>
-              </a:rPr>
-            </a:br>
-            <a:r>
-              <a:rPr lang="de-DE" sz="1400" b="0" i="0" dirty="0">
-                <a:effectLst/>
-                <a:latin typeface="Arial" panose="020B0604020202020204" pitchFamily="34" charset="0"/>
-                <a:cs typeface="Arial" panose="020B0604020202020204" pitchFamily="34" charset="0"/>
-              </a:rPr>
-              <a:t>[5] A. Alliance, “Agile 101.” https://www.agilealliance.org/agile101/. [Online</a:t>
-            </a:r>
-            <a:r>
-              <a:rPr lang="de-DE" sz="1400" b="0" i="0">
-                <a:effectLst/>
-                <a:latin typeface="Arial" panose="020B0604020202020204" pitchFamily="34" charset="0"/>
-                <a:cs typeface="Arial" panose="020B0604020202020204" pitchFamily="34" charset="0"/>
-              </a:rPr>
-              <a:t>; Stand 15.11.2022</a:t>
-            </a:r>
-            <a:r>
-              <a:rPr lang="de-DE" sz="1400" b="0" i="0" dirty="0">
-                <a:effectLst/>
-                <a:latin typeface="Arial" panose="020B0604020202020204" pitchFamily="34" charset="0"/>
-                <a:cs typeface="Arial" panose="020B0604020202020204" pitchFamily="34" charset="0"/>
-              </a:rPr>
-              <a:t>].</a:t>
-            </a:r>
-            <a:br>
-              <a:rPr lang="de-DE" dirty="0"/>
-            </a:br>
-            <a:endParaRPr lang="de-DE" dirty="0"/>
+            <a:endParaRPr lang="de-DE" sz="1800" dirty="0"/>
           </a:p>
         </p:txBody>
       </p:sp>

--- a/Agile_Softwareentwicklung_Automotive_PGPE_rico.pptx
+++ b/Agile_Softwareentwicklung_Automotive_PGPE_rico.pptx
@@ -9,7 +9,7 @@
     <p:sldMasterId id="2147483702" r:id="rId5"/>
   </p:sldMasterIdLst>
   <p:notesMasterIdLst>
-    <p:notesMasterId r:id="rId25"/>
+    <p:notesMasterId r:id="rId26"/>
   </p:notesMasterIdLst>
   <p:sldIdLst>
     <p:sldId id="281" r:id="rId6"/>
@@ -29,8 +29,9 @@
     <p:sldId id="298" r:id="rId20"/>
     <p:sldId id="297" r:id="rId21"/>
     <p:sldId id="299" r:id="rId22"/>
-    <p:sldId id="285" r:id="rId23"/>
-    <p:sldId id="286" r:id="rId24"/>
+    <p:sldId id="300" r:id="rId23"/>
+    <p:sldId id="285" r:id="rId24"/>
+    <p:sldId id="286" r:id="rId25"/>
   </p:sldIdLst>
   <p:sldSz cx="12192000" cy="6858000"/>
   <p:notesSz cx="6858000" cy="9144000"/>
@@ -13871,7 +13872,7 @@
           <a:p>
             <a:fld id="{CF93AEB5-C303-4762-90A0-AF697EB357C4}" type="datetimeFigureOut">
               <a:rPr lang="de-DE" smtClean="0"/>
-              <a:t>28.11.2022</a:t>
+              <a:t>13.12.2022</a:t>
             </a:fld>
             <a:endParaRPr lang="de-DE"/>
           </a:p>
@@ -14545,6 +14546,90 @@
     <p:extLst>
       <p:ext uri="{BB962C8B-B14F-4D97-AF65-F5344CB8AC3E}">
         <p14:creationId xmlns:p14="http://schemas.microsoft.com/office/powerpoint/2010/main" val="2530847614"/>
+      </p:ext>
+    </p:extLst>
+  </p:cSld>
+  <p:clrMapOvr>
+    <a:masterClrMapping/>
+  </p:clrMapOvr>
+</p:notes>
+</file>
+
+<file path=ppt/notesSlides/notesSlide4.xml><?xml version="1.0" encoding="utf-8"?>
+<p:notes xmlns:a="http://schemas.openxmlformats.org/drawingml/2006/main" xmlns:r="http://schemas.openxmlformats.org/officeDocument/2006/relationships" xmlns:p="http://schemas.openxmlformats.org/presentationml/2006/main">
+  <p:cSld>
+    <p:spTree>
+      <p:nvGrpSpPr>
+        <p:cNvPr id="1" name=""/>
+        <p:cNvGrpSpPr/>
+        <p:nvPr/>
+      </p:nvGrpSpPr>
+      <p:grpSpPr>
+        <a:xfrm>
+          <a:off x="0" y="0"/>
+          <a:ext cx="0" cy="0"/>
+          <a:chOff x="0" y="0"/>
+          <a:chExt cx="0" cy="0"/>
+        </a:xfrm>
+      </p:grpSpPr>
+      <p:sp>
+        <p:nvSpPr>
+          <p:cNvPr id="2" name="Folienbildplatzhalter 1"/>
+          <p:cNvSpPr>
+            <a:spLocks noGrp="1" noRot="1" noChangeAspect="1"/>
+          </p:cNvSpPr>
+          <p:nvPr>
+            <p:ph type="sldImg"/>
+          </p:nvPr>
+        </p:nvSpPr>
+        <p:spPr/>
+      </p:sp>
+      <p:sp>
+        <p:nvSpPr>
+          <p:cNvPr id="3" name="Notizenplatzhalter 2"/>
+          <p:cNvSpPr>
+            <a:spLocks noGrp="1"/>
+          </p:cNvSpPr>
+          <p:nvPr>
+            <p:ph type="body" idx="1"/>
+          </p:nvPr>
+        </p:nvSpPr>
+        <p:spPr/>
+        <p:txBody>
+          <a:bodyPr/>
+          <a:lstStyle/>
+          <a:p>
+            <a:endParaRPr lang="de-DE" dirty="0"/>
+          </a:p>
+        </p:txBody>
+      </p:sp>
+      <p:sp>
+        <p:nvSpPr>
+          <p:cNvPr id="4" name="Foliennummernplatzhalter 3"/>
+          <p:cNvSpPr>
+            <a:spLocks noGrp="1"/>
+          </p:cNvSpPr>
+          <p:nvPr>
+            <p:ph type="sldNum" sz="quarter" idx="5"/>
+          </p:nvPr>
+        </p:nvSpPr>
+        <p:spPr/>
+        <p:txBody>
+          <a:bodyPr/>
+          <a:lstStyle/>
+          <a:p>
+            <a:fld id="{590C587F-9620-41AA-8442-404D6D597627}" type="slidenum">
+              <a:rPr lang="de-DE" smtClean="0"/>
+              <a:t>18</a:t>
+            </a:fld>
+            <a:endParaRPr lang="de-DE"/>
+          </a:p>
+        </p:txBody>
+      </p:sp>
+    </p:spTree>
+    <p:extLst>
+      <p:ext uri="{BB962C8B-B14F-4D97-AF65-F5344CB8AC3E}">
+        <p14:creationId xmlns:p14="http://schemas.microsoft.com/office/powerpoint/2010/main" val="2551200548"/>
       </p:ext>
     </p:extLst>
   </p:cSld>
@@ -39085,6 +39170,36 @@
           <a:chExt cx="0" cy="0"/>
         </a:xfrm>
       </p:grpSpPr>
+      <p:pic>
+        <p:nvPicPr>
+          <p:cNvPr id="7" name="Grafik 6">
+            <a:extLst>
+              <a:ext uri="{FF2B5EF4-FFF2-40B4-BE49-F238E27FC236}">
+                <a16:creationId xmlns:a16="http://schemas.microsoft.com/office/drawing/2014/main" id="{E923C2BD-9193-9BA9-362A-F469C7EC56DC}"/>
+              </a:ext>
+            </a:extLst>
+          </p:cNvPr>
+          <p:cNvPicPr>
+            <a:picLocks noChangeAspect="1"/>
+          </p:cNvPicPr>
+          <p:nvPr/>
+        </p:nvPicPr>
+        <p:blipFill rotWithShape="1">
+          <a:blip r:embed="rId2"/>
+          <a:srcRect t="20017" b="6358"/>
+          <a:stretch/>
+        </p:blipFill>
+        <p:spPr>
+          <a:xfrm>
+            <a:off x="20" y="1247779"/>
+            <a:ext cx="12191980" cy="5610225"/>
+          </a:xfrm>
+          <a:prstGeom prst="rect">
+            <a:avLst/>
+          </a:prstGeom>
+          <a:noFill/>
+        </p:spPr>
+      </p:pic>
       <p:sp>
         <p:nvSpPr>
           <p:cNvPr id="2" name="Titel 1">
@@ -39101,9 +39216,16 @@
             <p:ph type="ctrTitle"/>
           </p:nvPr>
         </p:nvSpPr>
-        <p:spPr/>
+        <p:spPr>
+          <a:xfrm>
+            <a:off x="0" y="4176717"/>
+            <a:ext cx="12192000" cy="2681286"/>
+          </a:xfrm>
+        </p:spPr>
         <p:txBody>
-          <a:bodyPr/>
+          <a:bodyPr anchor="t">
+            <a:normAutofit/>
+          </a:bodyPr>
           <a:lstStyle/>
           <a:p>
             <a:r>
@@ -39131,10 +39253,10 @@
       </p:sp>
       <p:sp>
         <p:nvSpPr>
-          <p:cNvPr id="3" name="Datumsplatzhalter 2">
+          <p:cNvPr id="20" name="Date Placeholder 3">
             <a:extLst>
               <a:ext uri="{FF2B5EF4-FFF2-40B4-BE49-F238E27FC236}">
-                <a16:creationId xmlns:a16="http://schemas.microsoft.com/office/drawing/2014/main" id="{96CBC2AB-3812-58A6-B292-C06C0345CCA5}"/>
+                <a16:creationId xmlns:a16="http://schemas.microsoft.com/office/drawing/2014/main" id="{90B7B509-7D2A-0158-8032-035D9DB53E78}"/>
               </a:ext>
             </a:extLst>
           </p:cNvPr>
@@ -39145,16 +39267,25 @@
             <p:ph type="dt" sz="half" idx="10"/>
           </p:nvPr>
         </p:nvSpPr>
-        <p:spPr/>
+        <p:spPr>
+          <a:xfrm>
+            <a:off x="406401" y="260078"/>
+            <a:ext cx="7375299" cy="252000"/>
+          </a:xfrm>
+        </p:spPr>
         <p:txBody>
           <a:bodyPr/>
           <a:lstStyle/>
           <a:p>
+            <a:pPr>
+              <a:spcAft>
+                <a:spcPts val="600"/>
+              </a:spcAft>
+            </a:pPr>
             <a:r>
               <a:rPr lang="de-DE"/>
               <a:t>Campus Sontheim</a:t>
             </a:r>
-            <a:endParaRPr lang="de-DE" dirty="0"/>
           </a:p>
         </p:txBody>
       </p:sp>
@@ -39174,16 +39305,98 @@
             <p:ph type="ftr" sz="quarter" idx="11"/>
           </p:nvPr>
         </p:nvSpPr>
+        <p:spPr>
+          <a:xfrm>
+            <a:off x="1386000" y="6372000"/>
+            <a:ext cx="10397484" cy="252000"/>
+          </a:xfrm>
+        </p:spPr>
+        <p:txBody>
+          <a:bodyPr anchor="t">
+            <a:normAutofit/>
+          </a:bodyPr>
+          <a:lstStyle/>
+          <a:p>
+            <a:pPr>
+              <a:spcAft>
+                <a:spcPts val="600"/>
+              </a:spcAft>
+            </a:pPr>
+            <a:r>
+              <a:rPr lang="de-DE"/>
+              <a:t>Sarah-Anne Teuner, Rico Steinke |  T1 / MAS |  </a:t>
+            </a:r>
+            <a:r>
+              <a:rPr lang="de-DE" dirty="0" err="1"/>
+              <a:t>WiSe</a:t>
+            </a:r>
+            <a:r>
+              <a:rPr lang="de-DE" dirty="0"/>
+              <a:t> 2022/23</a:t>
+            </a:r>
+          </a:p>
+        </p:txBody>
+      </p:sp>
+      <p:sp>
+        <p:nvSpPr>
+          <p:cNvPr id="22" name="Vertical Text Placeholder 5">
+            <a:extLst>
+              <a:ext uri="{FF2B5EF4-FFF2-40B4-BE49-F238E27FC236}">
+                <a16:creationId xmlns:a16="http://schemas.microsoft.com/office/drawing/2014/main" id="{BEAC1BA5-01D6-EE5C-27C2-ED1DF66A1DE3}"/>
+              </a:ext>
+            </a:extLst>
+          </p:cNvPr>
+          <p:cNvSpPr>
+            <a:spLocks noGrp="1"/>
+          </p:cNvSpPr>
+          <p:nvPr>
+            <p:ph type="body" orient="vert" idx="13"/>
+          </p:nvPr>
+        </p:nvSpPr>
+        <p:spPr>
+          <a:xfrm>
+            <a:off x="1026073" y="4914407"/>
+            <a:ext cx="180000" cy="288000"/>
+          </a:xfrm>
+        </p:spPr>
+        <p:txBody>
+          <a:bodyPr/>
+          <a:lstStyle/>
+          <a:p>
+            <a:endParaRPr lang="en-US"/>
+          </a:p>
+        </p:txBody>
+      </p:sp>
+      <p:sp>
+        <p:nvSpPr>
+          <p:cNvPr id="3" name="Datumsplatzhalter 2" hidden="1">
+            <a:extLst>
+              <a:ext uri="{FF2B5EF4-FFF2-40B4-BE49-F238E27FC236}">
+                <a16:creationId xmlns:a16="http://schemas.microsoft.com/office/drawing/2014/main" id="{96CBC2AB-3812-58A6-B292-C06C0345CCA5}"/>
+              </a:ext>
+            </a:extLst>
+          </p:cNvPr>
+          <p:cNvSpPr>
+            <a:spLocks noGrp="1"/>
+          </p:cNvSpPr>
+          <p:nvPr>
+            <p:ph type="dt" sz="half" idx="10"/>
+          </p:nvPr>
+        </p:nvSpPr>
         <p:spPr/>
         <p:txBody>
           <a:bodyPr/>
           <a:lstStyle/>
           <a:p>
+            <a:pPr>
+              <a:spcAft>
+                <a:spcPts val="600"/>
+              </a:spcAft>
+            </a:pPr>
             <a:r>
               <a:rPr lang="de-DE"/>
-              <a:t>Sarah-Anne Teuner, Rico Steinke |  T1 / MAS |  WiSe 2022/23</a:t>
+              <a:t>Campus Sontheim</a:t>
             </a:r>
-            <a:endParaRPr lang="de-DE" dirty="0"/>
           </a:p>
         </p:txBody>
       </p:sp>
@@ -39208,16 +39421,64 @@
           <a:bodyPr/>
           <a:lstStyle/>
           <a:p>
+            <a:pPr>
+              <a:spcAft>
+                <a:spcPts val="600"/>
+              </a:spcAft>
+            </a:pPr>
             <a:r>
               <a:rPr lang="de-DE"/>
               <a:t>|  </a:t>
             </a:r>
             <a:fld id="{E6B5151A-17C4-4431-8407-112C0160A8B6}" type="slidenum">
               <a:rPr lang="de-DE" smtClean="0"/>
-              <a:pPr/>
+              <a:pPr>
+                <a:spcAft>
+                  <a:spcPts val="600"/>
+                </a:spcAft>
+              </a:pPr>
               <a:t>1</a:t>
             </a:fld>
-            <a:endParaRPr lang="de-DE" dirty="0"/>
+            <a:endParaRPr lang="de-DE"/>
+          </a:p>
+        </p:txBody>
+      </p:sp>
+      <p:sp>
+        <p:nvSpPr>
+          <p:cNvPr id="8" name="Textfeld 7">
+            <a:extLst>
+              <a:ext uri="{FF2B5EF4-FFF2-40B4-BE49-F238E27FC236}">
+                <a16:creationId xmlns:a16="http://schemas.microsoft.com/office/drawing/2014/main" id="{9FF0B1A1-5FCD-5006-1B24-587B87CE5288}"/>
+              </a:ext>
+            </a:extLst>
+          </p:cNvPr>
+          <p:cNvSpPr txBox="1"/>
+          <p:nvPr/>
+        </p:nvSpPr>
+        <p:spPr>
+          <a:xfrm>
+            <a:off x="10551522" y="6316223"/>
+            <a:ext cx="1229824" cy="307777"/>
+          </a:xfrm>
+          <a:prstGeom prst="rect">
+            <a:avLst/>
+          </a:prstGeom>
+          <a:noFill/>
+        </p:spPr>
+        <p:txBody>
+          <a:bodyPr wrap="none" rtlCol="0">
+            <a:spAutoFit/>
+          </a:bodyPr>
+          <a:lstStyle/>
+          <a:p>
+            <a:r>
+              <a:rPr lang="de-DE" sz="1400" dirty="0">
+                <a:solidFill>
+                  <a:schemeClr val="bg1"/>
+                </a:solidFill>
+              </a:rPr>
+              <a:t>[Abbildung 1]</a:t>
+            </a:r>
           </a:p>
         </p:txBody>
       </p:sp>
@@ -41848,14 +42109,27 @@
             <p:ph type="sldNum" sz="quarter" idx="12"/>
           </p:nvPr>
         </p:nvSpPr>
-        <p:spPr/>
+        <p:spPr>
+          <a:xfrm>
+            <a:off x="9883778" y="6515213"/>
+            <a:ext cx="1899711" cy="216000"/>
+          </a:xfrm>
+        </p:spPr>
         <p:txBody>
           <a:bodyPr/>
           <a:lstStyle/>
           <a:p>
             <a:r>
-              <a:rPr lang="de-DE"/>
-              <a:t>|  </a:t>
+              <a:rPr lang="de-DE" dirty="0"/>
+              <a:t> [</a:t>
+            </a:r>
+            <a:r>
+              <a:rPr lang="de-DE" dirty="0" err="1"/>
+              <a:t>Schloßer</a:t>
+            </a:r>
+            <a:r>
+              <a:rPr lang="de-DE" dirty="0"/>
+              <a:t> et al, 2016]|  </a:t>
             </a:r>
             <a:fld id="{E6B5151A-17C4-4431-8407-112C0160A8B6}" type="slidenum">
               <a:rPr lang="de-DE" smtClean="0"/>
@@ -41918,11 +42192,347 @@
         </p:blipFill>
         <p:spPr>
           <a:xfrm>
-            <a:off x="3389338" y="2033588"/>
+            <a:off x="6371753" y="1931988"/>
             <a:ext cx="5411736" cy="4210050"/>
           </a:xfrm>
         </p:spPr>
       </p:pic>
+      <p:sp>
+        <p:nvSpPr>
+          <p:cNvPr id="5" name="Inhaltsplatzhalter 5">
+            <a:extLst>
+              <a:ext uri="{FF2B5EF4-FFF2-40B4-BE49-F238E27FC236}">
+                <a16:creationId xmlns:a16="http://schemas.microsoft.com/office/drawing/2014/main" id="{8D6E9069-5DD1-8D7A-C2B9-3445E2C77853}"/>
+              </a:ext>
+            </a:extLst>
+          </p:cNvPr>
+          <p:cNvSpPr txBox="1">
+            <a:spLocks/>
+          </p:cNvSpPr>
+          <p:nvPr/>
+        </p:nvSpPr>
+        <p:spPr>
+          <a:xfrm>
+            <a:off x="406405" y="1931988"/>
+            <a:ext cx="5592519" cy="4311653"/>
+          </a:xfrm>
+          <a:prstGeom prst="rect">
+            <a:avLst/>
+          </a:prstGeom>
+        </p:spPr>
+        <p:txBody>
+          <a:bodyPr/>
+          <a:lstStyle>
+            <a:lvl1pPr marL="0" indent="0" algn="l" defTabSz="914407" rtl="0" eaLnBrk="1" latinLnBrk="0" hangingPunct="1">
+              <a:lnSpc>
+                <a:spcPct val="105000"/>
+              </a:lnSpc>
+              <a:spcBef>
+                <a:spcPts val="0"/>
+              </a:spcBef>
+              <a:spcAft>
+                <a:spcPts val="1999"/>
+              </a:spcAft>
+              <a:buFont typeface="Arial" panose="020B0604020202020204" pitchFamily="34" charset="0"/>
+              <a:buNone/>
+              <a:tabLst>
+                <a:tab pos="288003" algn="l"/>
+                <a:tab pos="792005" algn="l"/>
+              </a:tabLst>
+              <a:defRPr sz="2201" b="0" kern="1200" baseline="0">
+                <a:solidFill>
+                  <a:schemeClr val="tx1"/>
+                </a:solidFill>
+                <a:latin typeface="+mn-lt"/>
+                <a:ea typeface="+mn-ea"/>
+                <a:cs typeface="+mn-cs"/>
+              </a:defRPr>
+            </a:lvl1pPr>
+            <a:lvl2pPr marL="288003" indent="-288003" algn="l" defTabSz="914407" rtl="0" eaLnBrk="1" latinLnBrk="0" hangingPunct="1">
+              <a:lnSpc>
+                <a:spcPct val="105000"/>
+              </a:lnSpc>
+              <a:spcBef>
+                <a:spcPts val="599"/>
+              </a:spcBef>
+              <a:buClr>
+                <a:schemeClr val="accent1"/>
+              </a:buClr>
+              <a:buFont typeface="Arial" panose="020B0604020202020204" pitchFamily="34" charset="0"/>
+              <a:buChar char="&gt;"/>
+              <a:tabLst>
+                <a:tab pos="288003" algn="l"/>
+                <a:tab pos="792005" algn="l"/>
+              </a:tabLst>
+              <a:defRPr sz="2201" b="0" kern="1200">
+                <a:solidFill>
+                  <a:schemeClr val="tx1"/>
+                </a:solidFill>
+                <a:latin typeface="+mn-lt"/>
+                <a:ea typeface="+mn-ea"/>
+                <a:cs typeface="+mn-cs"/>
+              </a:defRPr>
+            </a:lvl2pPr>
+            <a:lvl3pPr marL="0" indent="0" algn="l" defTabSz="914407" rtl="0" eaLnBrk="1" latinLnBrk="0" hangingPunct="1">
+              <a:lnSpc>
+                <a:spcPct val="108000"/>
+              </a:lnSpc>
+              <a:spcBef>
+                <a:spcPts val="0"/>
+              </a:spcBef>
+              <a:spcAft>
+                <a:spcPts val="0"/>
+              </a:spcAft>
+              <a:buFont typeface="Arial" panose="020B0604020202020204" pitchFamily="34" charset="0"/>
+              <a:buNone/>
+              <a:tabLst>
+                <a:tab pos="288003" algn="l"/>
+                <a:tab pos="792005" algn="l"/>
+              </a:tabLst>
+              <a:defRPr sz="1999" b="0" kern="1200">
+                <a:solidFill>
+                  <a:schemeClr val="accent1"/>
+                </a:solidFill>
+                <a:latin typeface="+mn-lt"/>
+                <a:ea typeface="+mn-ea"/>
+                <a:cs typeface="+mn-cs"/>
+              </a:defRPr>
+            </a:lvl3pPr>
+            <a:lvl4pPr marL="288003" indent="0" algn="l" defTabSz="914407" rtl="0" eaLnBrk="1" latinLnBrk="0" hangingPunct="1">
+              <a:lnSpc>
+                <a:spcPct val="108000"/>
+              </a:lnSpc>
+              <a:spcBef>
+                <a:spcPts val="1300"/>
+              </a:spcBef>
+              <a:spcAft>
+                <a:spcPts val="0"/>
+              </a:spcAft>
+              <a:buFont typeface="Arial" panose="020B0604020202020204" pitchFamily="34" charset="0"/>
+              <a:buNone/>
+              <a:tabLst>
+                <a:tab pos="288003" algn="l"/>
+                <a:tab pos="792005" algn="l"/>
+              </a:tabLst>
+              <a:defRPr sz="1999" b="1" kern="1200">
+                <a:solidFill>
+                  <a:schemeClr val="tx1"/>
+                </a:solidFill>
+                <a:latin typeface="+mj-lt"/>
+                <a:ea typeface="+mn-ea"/>
+                <a:cs typeface="+mn-cs"/>
+              </a:defRPr>
+            </a:lvl4pPr>
+            <a:lvl5pPr marL="288003" indent="-288003" algn="l" defTabSz="914407" rtl="0" eaLnBrk="1" latinLnBrk="0" hangingPunct="1">
+              <a:lnSpc>
+                <a:spcPct val="108000"/>
+              </a:lnSpc>
+              <a:spcBef>
+                <a:spcPts val="0"/>
+              </a:spcBef>
+              <a:spcAft>
+                <a:spcPts val="0"/>
+              </a:spcAft>
+              <a:buClr>
+                <a:schemeClr val="accent1"/>
+              </a:buClr>
+              <a:buFont typeface="Arial" panose="020B0604020202020204" pitchFamily="34" charset="0"/>
+              <a:buChar char="&gt;"/>
+              <a:tabLst>
+                <a:tab pos="288003" algn="l"/>
+                <a:tab pos="792005" algn="l"/>
+              </a:tabLst>
+              <a:defRPr sz="1999" b="0" kern="1200">
+                <a:solidFill>
+                  <a:schemeClr val="tx1"/>
+                </a:solidFill>
+                <a:latin typeface="+mn-lt"/>
+                <a:ea typeface="+mn-ea"/>
+                <a:cs typeface="+mn-cs"/>
+              </a:defRPr>
+            </a:lvl5pPr>
+            <a:lvl6pPr marL="504004" indent="-216001" algn="l" defTabSz="914407" rtl="0" eaLnBrk="1" latinLnBrk="0" hangingPunct="1">
+              <a:lnSpc>
+                <a:spcPct val="108000"/>
+              </a:lnSpc>
+              <a:spcBef>
+                <a:spcPts val="0"/>
+              </a:spcBef>
+              <a:spcAft>
+                <a:spcPts val="0"/>
+              </a:spcAft>
+              <a:buFont typeface="Wingdings" panose="05000000000000000000" pitchFamily="2" charset="2"/>
+              <a:buChar char=""/>
+              <a:tabLst>
+                <a:tab pos="288003" algn="l"/>
+                <a:tab pos="792005" algn="l"/>
+              </a:tabLst>
+              <a:defRPr sz="1999" b="0" kern="1200">
+                <a:solidFill>
+                  <a:schemeClr val="tx1"/>
+                </a:solidFill>
+                <a:latin typeface="+mn-lt"/>
+                <a:ea typeface="+mn-ea"/>
+                <a:cs typeface="+mn-cs"/>
+              </a:defRPr>
+            </a:lvl6pPr>
+            <a:lvl7pPr marL="288003" indent="-288003" algn="l" defTabSz="914407" rtl="0" eaLnBrk="1" latinLnBrk="0" hangingPunct="1">
+              <a:lnSpc>
+                <a:spcPct val="108000"/>
+              </a:lnSpc>
+              <a:spcBef>
+                <a:spcPts val="0"/>
+              </a:spcBef>
+              <a:spcAft>
+                <a:spcPts val="0"/>
+              </a:spcAft>
+              <a:buFont typeface="+mj-lt"/>
+              <a:buAutoNum type="arabicPeriod"/>
+              <a:tabLst>
+                <a:tab pos="288003" algn="l"/>
+                <a:tab pos="792005" algn="l"/>
+              </a:tabLst>
+              <a:defRPr sz="1999" b="0" kern="1200">
+                <a:solidFill>
+                  <a:schemeClr val="tx1"/>
+                </a:solidFill>
+                <a:latin typeface="+mn-lt"/>
+                <a:ea typeface="+mn-ea"/>
+                <a:cs typeface="+mn-cs"/>
+              </a:defRPr>
+            </a:lvl7pPr>
+            <a:lvl8pPr marL="288003" indent="0" algn="l" defTabSz="914407" rtl="0" eaLnBrk="1" latinLnBrk="0" hangingPunct="1">
+              <a:lnSpc>
+                <a:spcPct val="108000"/>
+              </a:lnSpc>
+              <a:spcBef>
+                <a:spcPts val="0"/>
+              </a:spcBef>
+              <a:spcAft>
+                <a:spcPts val="0"/>
+              </a:spcAft>
+              <a:buFont typeface="Arial" panose="020B0604020202020204" pitchFamily="34" charset="0"/>
+              <a:buNone/>
+              <a:tabLst>
+                <a:tab pos="288003" algn="l"/>
+                <a:tab pos="792005" algn="l"/>
+              </a:tabLst>
+              <a:defRPr sz="1999" b="0" kern="1200">
+                <a:solidFill>
+                  <a:schemeClr val="tx1"/>
+                </a:solidFill>
+                <a:latin typeface="+mn-lt"/>
+                <a:ea typeface="+mn-ea"/>
+                <a:cs typeface="+mn-cs"/>
+              </a:defRPr>
+            </a:lvl8pPr>
+            <a:lvl9pPr marL="0" indent="0" algn="l" defTabSz="914407" rtl="0" eaLnBrk="1" latinLnBrk="0" hangingPunct="1">
+              <a:lnSpc>
+                <a:spcPct val="108000"/>
+              </a:lnSpc>
+              <a:spcBef>
+                <a:spcPts val="0"/>
+              </a:spcBef>
+              <a:spcAft>
+                <a:spcPts val="0"/>
+              </a:spcAft>
+              <a:buFont typeface="Arial" panose="020B0604020202020204" pitchFamily="34" charset="0"/>
+              <a:buNone/>
+              <a:tabLst>
+                <a:tab pos="288003" algn="l"/>
+                <a:tab pos="792005" algn="l"/>
+              </a:tabLst>
+              <a:defRPr sz="1999" b="0" kern="1200">
+                <a:solidFill>
+                  <a:schemeClr val="tx1"/>
+                </a:solidFill>
+                <a:latin typeface="+mn-lt"/>
+                <a:ea typeface="+mn-ea"/>
+                <a:cs typeface="+mn-cs"/>
+              </a:defRPr>
+            </a:lvl9pPr>
+          </a:lstStyle>
+          <a:p>
+            <a:pPr marL="342900" indent="-342900">
+              <a:buFont typeface="Arial" panose="020B0604020202020204" pitchFamily="34" charset="0"/>
+              <a:buChar char="•"/>
+            </a:pPr>
+            <a:r>
+              <a:rPr lang="de-DE" dirty="0"/>
+              <a:t>Softwareanteil in Fahrzeugproduktentwicklung steigt weiter</a:t>
+            </a:r>
+          </a:p>
+          <a:p>
+            <a:pPr marL="342900" indent="-342900">
+              <a:buFont typeface="Arial" panose="020B0604020202020204" pitchFamily="34" charset="0"/>
+              <a:buChar char="•"/>
+            </a:pPr>
+            <a:r>
+              <a:rPr lang="de-DE" dirty="0"/>
+              <a:t>Trends wie Elektromobilität und autonomes Fahren mit großer Software-Komponente</a:t>
+            </a:r>
+          </a:p>
+          <a:p>
+            <a:pPr marL="342900" indent="-342900">
+              <a:buFont typeface="Arial" panose="020B0604020202020204" pitchFamily="34" charset="0"/>
+              <a:buChar char="•"/>
+            </a:pPr>
+            <a:r>
+              <a:rPr lang="de-DE" dirty="0"/>
+              <a:t>Automobilindustrie wird Softwareentwicklungsabteilungen vergrößern und verstärkt agil arbeiten</a:t>
+            </a:r>
+          </a:p>
+          <a:p>
+            <a:pPr marL="630903" lvl="1" indent="-342900">
+              <a:buFontTx/>
+              <a:buChar char="-"/>
+            </a:pPr>
+            <a:endParaRPr lang="de-DE" dirty="0"/>
+          </a:p>
+          <a:p>
+            <a:pPr marL="630903" lvl="1" indent="-342900">
+              <a:buFontTx/>
+              <a:buChar char="-"/>
+            </a:pPr>
+            <a:endParaRPr lang="de-DE" dirty="0"/>
+          </a:p>
+        </p:txBody>
+      </p:sp>
+      <p:sp>
+        <p:nvSpPr>
+          <p:cNvPr id="6" name="Textfeld 5">
+            <a:extLst>
+              <a:ext uri="{FF2B5EF4-FFF2-40B4-BE49-F238E27FC236}">
+                <a16:creationId xmlns:a16="http://schemas.microsoft.com/office/drawing/2014/main" id="{0C19F782-4D9A-8FFE-4E3C-B89F9D3F2DF4}"/>
+              </a:ext>
+            </a:extLst>
+          </p:cNvPr>
+          <p:cNvSpPr txBox="1"/>
+          <p:nvPr/>
+        </p:nvSpPr>
+        <p:spPr>
+          <a:xfrm>
+            <a:off x="8544681" y="6058975"/>
+            <a:ext cx="1454244" cy="369332"/>
+          </a:xfrm>
+          <a:prstGeom prst="rect">
+            <a:avLst/>
+          </a:prstGeom>
+          <a:noFill/>
+        </p:spPr>
+        <p:txBody>
+          <a:bodyPr wrap="none" rtlCol="0">
+            <a:spAutoFit/>
+          </a:bodyPr>
+          <a:lstStyle/>
+          <a:p>
+            <a:r>
+              <a:rPr lang="de-DE" dirty="0"/>
+              <a:t>Abbildung x </a:t>
+            </a:r>
+          </a:p>
+        </p:txBody>
+      </p:sp>
     </p:spTree>
     <p:extLst>
       <p:ext uri="{BB962C8B-B14F-4D97-AF65-F5344CB8AC3E}">
@@ -41937,6 +42547,238 @@
 </file>
 
 <file path=ppt/slides/slide18.xml><?xml version="1.0" encoding="utf-8"?>
+<p:sld xmlns:a="http://schemas.openxmlformats.org/drawingml/2006/main" xmlns:r="http://schemas.openxmlformats.org/officeDocument/2006/relationships" xmlns:p="http://schemas.openxmlformats.org/presentationml/2006/main">
+  <p:cSld>
+    <p:spTree>
+      <p:nvGrpSpPr>
+        <p:cNvPr id="1" name=""/>
+        <p:cNvGrpSpPr/>
+        <p:nvPr/>
+      </p:nvGrpSpPr>
+      <p:grpSpPr>
+        <a:xfrm>
+          <a:off x="0" y="0"/>
+          <a:ext cx="0" cy="0"/>
+          <a:chOff x="0" y="0"/>
+          <a:chExt cx="0" cy="0"/>
+        </a:xfrm>
+      </p:grpSpPr>
+      <p:sp>
+        <p:nvSpPr>
+          <p:cNvPr id="2" name="Datumsplatzhalter 1">
+            <a:extLst>
+              <a:ext uri="{FF2B5EF4-FFF2-40B4-BE49-F238E27FC236}">
+                <a16:creationId xmlns:a16="http://schemas.microsoft.com/office/drawing/2014/main" id="{9EAB1020-0486-239C-9A18-528E253EFE67}"/>
+              </a:ext>
+            </a:extLst>
+          </p:cNvPr>
+          <p:cNvSpPr>
+            <a:spLocks noGrp="1"/>
+          </p:cNvSpPr>
+          <p:nvPr>
+            <p:ph type="dt" sz="half" idx="10"/>
+          </p:nvPr>
+        </p:nvSpPr>
+        <p:spPr/>
+        <p:txBody>
+          <a:bodyPr/>
+          <a:lstStyle/>
+          <a:p>
+            <a:r>
+              <a:rPr lang="de-DE"/>
+              <a:t>Campus Sontheim</a:t>
+            </a:r>
+            <a:endParaRPr lang="de-DE" dirty="0"/>
+          </a:p>
+        </p:txBody>
+      </p:sp>
+      <p:sp>
+        <p:nvSpPr>
+          <p:cNvPr id="3" name="Fußzeilenplatzhalter 2">
+            <a:extLst>
+              <a:ext uri="{FF2B5EF4-FFF2-40B4-BE49-F238E27FC236}">
+                <a16:creationId xmlns:a16="http://schemas.microsoft.com/office/drawing/2014/main" id="{8E70554D-C5E3-7CD3-4B98-D82F42D7229F}"/>
+              </a:ext>
+            </a:extLst>
+          </p:cNvPr>
+          <p:cNvSpPr>
+            <a:spLocks noGrp="1"/>
+          </p:cNvSpPr>
+          <p:nvPr>
+            <p:ph type="ftr" sz="quarter" idx="11"/>
+          </p:nvPr>
+        </p:nvSpPr>
+        <p:spPr/>
+        <p:txBody>
+          <a:bodyPr/>
+          <a:lstStyle/>
+          <a:p>
+            <a:r>
+              <a:rPr lang="de-DE"/>
+              <a:t>Sarah-Anne Teuner, Rico Steinke |  T1 / MAS |  WiSe 2022/23</a:t>
+            </a:r>
+            <a:endParaRPr lang="de-DE" dirty="0"/>
+          </a:p>
+        </p:txBody>
+      </p:sp>
+      <p:sp>
+        <p:nvSpPr>
+          <p:cNvPr id="4" name="Foliennummernplatzhalter 3">
+            <a:extLst>
+              <a:ext uri="{FF2B5EF4-FFF2-40B4-BE49-F238E27FC236}">
+                <a16:creationId xmlns:a16="http://schemas.microsoft.com/office/drawing/2014/main" id="{2D327F13-ECB3-58F5-FDEC-4585146C9AEF}"/>
+              </a:ext>
+            </a:extLst>
+          </p:cNvPr>
+          <p:cNvSpPr>
+            <a:spLocks noGrp="1"/>
+          </p:cNvSpPr>
+          <p:nvPr>
+            <p:ph type="sldNum" sz="quarter" idx="12"/>
+          </p:nvPr>
+        </p:nvSpPr>
+        <p:spPr/>
+        <p:txBody>
+          <a:bodyPr/>
+          <a:lstStyle/>
+          <a:p>
+            <a:r>
+              <a:rPr lang="de-DE"/>
+              <a:t>|  </a:t>
+            </a:r>
+            <a:fld id="{E6B5151A-17C4-4431-8407-112C0160A8B6}" type="slidenum">
+              <a:rPr lang="de-DE" smtClean="0"/>
+              <a:pPr/>
+              <a:t>18</a:t>
+            </a:fld>
+            <a:endParaRPr lang="de-DE" dirty="0"/>
+          </a:p>
+        </p:txBody>
+      </p:sp>
+      <p:sp>
+        <p:nvSpPr>
+          <p:cNvPr id="7" name="Vertikaler Textplatzhalter 6">
+            <a:extLst>
+              <a:ext uri="{FF2B5EF4-FFF2-40B4-BE49-F238E27FC236}">
+                <a16:creationId xmlns:a16="http://schemas.microsoft.com/office/drawing/2014/main" id="{211AA26C-A915-7AEF-7212-ED854848550A}"/>
+              </a:ext>
+            </a:extLst>
+          </p:cNvPr>
+          <p:cNvSpPr>
+            <a:spLocks noGrp="1"/>
+          </p:cNvSpPr>
+          <p:nvPr>
+            <p:ph type="body" orient="vert" idx="13"/>
+          </p:nvPr>
+        </p:nvSpPr>
+        <p:spPr/>
+        <p:txBody>
+          <a:bodyPr/>
+          <a:lstStyle/>
+          <a:p>
+            <a:r>
+              <a:rPr lang="de-DE" b="0" i="0" dirty="0">
+                <a:effectLst/>
+                <a:latin typeface="Arial" panose="020B0604020202020204" pitchFamily="34" charset="0"/>
+              </a:rPr>
+              <a:t>Sarah-Anne Teuner, Rico Steinke</a:t>
+            </a:r>
+            <a:br>
+              <a:rPr lang="de-DE" dirty="0"/>
+            </a:br>
+            <a:r>
+              <a:rPr lang="de-DE" b="0" i="0" dirty="0" err="1">
+                <a:effectLst/>
+                <a:latin typeface="Arial" panose="020B0604020202020204" pitchFamily="34" charset="0"/>
+              </a:rPr>
+              <a:t>MatNr</a:t>
+            </a:r>
+            <a:r>
+              <a:rPr lang="de-DE" b="0" i="0" dirty="0">
+                <a:effectLst/>
+                <a:latin typeface="Arial" panose="020B0604020202020204" pitchFamily="34" charset="0"/>
+              </a:rPr>
+              <a:t>. 203866, 196949</a:t>
+            </a:r>
+            <a:br>
+              <a:rPr lang="de-DE" dirty="0"/>
+            </a:br>
+            <a:r>
+              <a:rPr lang="de-DE" b="0" i="0" dirty="0">
+                <a:effectLst/>
+                <a:latin typeface="Arial" panose="020B0604020202020204" pitchFamily="34" charset="0"/>
+              </a:rPr>
+              <a:t>steuner@stud.hs-heilbronn.de, rsteinke@stud.hs-heilbronn.de</a:t>
+            </a:r>
+            <a:endParaRPr lang="de-DE" dirty="0"/>
+          </a:p>
+        </p:txBody>
+      </p:sp>
+      <p:sp>
+        <p:nvSpPr>
+          <p:cNvPr id="8" name="Vertikaler Textplatzhalter 7">
+            <a:extLst>
+              <a:ext uri="{FF2B5EF4-FFF2-40B4-BE49-F238E27FC236}">
+                <a16:creationId xmlns:a16="http://schemas.microsoft.com/office/drawing/2014/main" id="{91F3B17E-65DB-631C-0516-F1E945AAF0F0}"/>
+              </a:ext>
+            </a:extLst>
+          </p:cNvPr>
+          <p:cNvSpPr>
+            <a:spLocks noGrp="1"/>
+          </p:cNvSpPr>
+          <p:nvPr>
+            <p:ph type="body" orient="vert" idx="14"/>
+          </p:nvPr>
+        </p:nvSpPr>
+        <p:spPr/>
+        <p:txBody>
+          <a:bodyPr/>
+          <a:lstStyle/>
+          <a:p>
+            <a:r>
+              <a:rPr lang="de-DE" dirty="0"/>
+              <a:t>Danke für die </a:t>
+            </a:r>
+            <a:r>
+              <a:rPr lang="de-DE" dirty="0" err="1"/>
+              <a:t>aufmerksamkeit</a:t>
+            </a:r>
+            <a:endParaRPr lang="de-DE" dirty="0"/>
+          </a:p>
+        </p:txBody>
+      </p:sp>
+      <p:sp>
+        <p:nvSpPr>
+          <p:cNvPr id="9" name="Bildplatzhalter 8">
+            <a:extLst>
+              <a:ext uri="{FF2B5EF4-FFF2-40B4-BE49-F238E27FC236}">
+                <a16:creationId xmlns:a16="http://schemas.microsoft.com/office/drawing/2014/main" id="{2BB5126B-B92F-055F-1401-1700C6F9F6F8}"/>
+              </a:ext>
+            </a:extLst>
+          </p:cNvPr>
+          <p:cNvSpPr>
+            <a:spLocks noGrp="1"/>
+          </p:cNvSpPr>
+          <p:nvPr>
+            <p:ph type="pic" idx="15"/>
+          </p:nvPr>
+        </p:nvSpPr>
+        <p:spPr/>
+      </p:sp>
+    </p:spTree>
+    <p:extLst>
+      <p:ext uri="{BB962C8B-B14F-4D97-AF65-F5344CB8AC3E}">
+        <p14:creationId xmlns:p14="http://schemas.microsoft.com/office/powerpoint/2010/main" val="2352239274"/>
+      </p:ext>
+    </p:extLst>
+  </p:cSld>
+  <p:clrMapOvr>
+    <a:masterClrMapping/>
+  </p:clrMapOvr>
+</p:sld>
+</file>
+
+<file path=ppt/slides/slide19.xml><?xml version="1.0" encoding="utf-8"?>
 <p:sld xmlns:a="http://schemas.openxmlformats.org/drawingml/2006/main" xmlns:r="http://schemas.openxmlformats.org/officeDocument/2006/relationships" xmlns:p="http://schemas.openxmlformats.org/presentationml/2006/main">
   <p:cSld>
     <p:spTree>
@@ -42039,7 +42881,7 @@
             <a:fld id="{E6B5151A-17C4-4431-8407-112C0160A8B6}" type="slidenum">
               <a:rPr lang="de-DE" smtClean="0"/>
               <a:pPr/>
-              <a:t>18</a:t>
+              <a:t>19</a:t>
             </a:fld>
             <a:endParaRPr lang="de-DE" dirty="0"/>
           </a:p>
@@ -42177,7 +43019,188 @@
 </p:sld>
 </file>
 
-<file path=ppt/slides/slide19.xml><?xml version="1.0" encoding="utf-8"?>
+<file path=ppt/slides/slide2.xml><?xml version="1.0" encoding="utf-8"?>
+<p:sld xmlns:a="http://schemas.openxmlformats.org/drawingml/2006/main" xmlns:r="http://schemas.openxmlformats.org/officeDocument/2006/relationships" xmlns:p="http://schemas.openxmlformats.org/presentationml/2006/main">
+  <p:cSld>
+    <p:spTree>
+      <p:nvGrpSpPr>
+        <p:cNvPr id="1" name=""/>
+        <p:cNvGrpSpPr/>
+        <p:nvPr/>
+      </p:nvGrpSpPr>
+      <p:grpSpPr>
+        <a:xfrm>
+          <a:off x="0" y="0"/>
+          <a:ext cx="0" cy="0"/>
+          <a:chOff x="0" y="0"/>
+          <a:chExt cx="0" cy="0"/>
+        </a:xfrm>
+      </p:grpSpPr>
+      <p:sp>
+        <p:nvSpPr>
+          <p:cNvPr id="3" name="Datumsplatzhalter 2">
+            <a:extLst>
+              <a:ext uri="{FF2B5EF4-FFF2-40B4-BE49-F238E27FC236}">
+                <a16:creationId xmlns:a16="http://schemas.microsoft.com/office/drawing/2014/main" id="{21C5918A-A473-9C9E-758D-869B1821DFC0}"/>
+              </a:ext>
+            </a:extLst>
+          </p:cNvPr>
+          <p:cNvSpPr>
+            <a:spLocks noGrp="1"/>
+          </p:cNvSpPr>
+          <p:nvPr>
+            <p:ph type="dt" sz="half" idx="10"/>
+          </p:nvPr>
+        </p:nvSpPr>
+        <p:spPr/>
+        <p:txBody>
+          <a:bodyPr/>
+          <a:lstStyle/>
+          <a:p>
+            <a:r>
+              <a:rPr lang="de-DE"/>
+              <a:t>Campus Sontheim</a:t>
+            </a:r>
+            <a:endParaRPr lang="de-DE" dirty="0"/>
+          </a:p>
+        </p:txBody>
+      </p:sp>
+      <p:sp>
+        <p:nvSpPr>
+          <p:cNvPr id="4" name="Fußzeilenplatzhalter 3">
+            <a:extLst>
+              <a:ext uri="{FF2B5EF4-FFF2-40B4-BE49-F238E27FC236}">
+                <a16:creationId xmlns:a16="http://schemas.microsoft.com/office/drawing/2014/main" id="{84232008-76AC-D7A5-3A0E-DC55D8EC6909}"/>
+              </a:ext>
+            </a:extLst>
+          </p:cNvPr>
+          <p:cNvSpPr>
+            <a:spLocks noGrp="1"/>
+          </p:cNvSpPr>
+          <p:nvPr>
+            <p:ph type="ftr" sz="quarter" idx="11"/>
+          </p:nvPr>
+        </p:nvSpPr>
+        <p:spPr/>
+        <p:txBody>
+          <a:bodyPr/>
+          <a:lstStyle/>
+          <a:p>
+            <a:r>
+              <a:rPr lang="de-DE"/>
+              <a:t>Sarah-Anne Teuner, Rico Steinke |  T1 / MAS |  WiSe 2022/23</a:t>
+            </a:r>
+            <a:endParaRPr lang="de-DE" dirty="0"/>
+          </a:p>
+        </p:txBody>
+      </p:sp>
+      <p:sp>
+        <p:nvSpPr>
+          <p:cNvPr id="5" name="Foliennummernplatzhalter 4">
+            <a:extLst>
+              <a:ext uri="{FF2B5EF4-FFF2-40B4-BE49-F238E27FC236}">
+                <a16:creationId xmlns:a16="http://schemas.microsoft.com/office/drawing/2014/main" id="{B5286704-8DB8-1A32-86A6-E5E9F169F2EF}"/>
+              </a:ext>
+            </a:extLst>
+          </p:cNvPr>
+          <p:cNvSpPr>
+            <a:spLocks noGrp="1"/>
+          </p:cNvSpPr>
+          <p:nvPr>
+            <p:ph type="sldNum" sz="quarter" idx="12"/>
+          </p:nvPr>
+        </p:nvSpPr>
+        <p:spPr/>
+        <p:txBody>
+          <a:bodyPr/>
+          <a:lstStyle/>
+          <a:p>
+            <a:r>
+              <a:rPr lang="de-DE"/>
+              <a:t>|  </a:t>
+            </a:r>
+            <a:fld id="{E6B5151A-17C4-4431-8407-112C0160A8B6}" type="slidenum">
+              <a:rPr lang="de-DE" smtClean="0"/>
+              <a:pPr/>
+              <a:t>2</a:t>
+            </a:fld>
+            <a:endParaRPr lang="de-DE" dirty="0"/>
+          </a:p>
+        </p:txBody>
+      </p:sp>
+      <p:sp>
+        <p:nvSpPr>
+          <p:cNvPr id="6" name="Titel 5">
+            <a:extLst>
+              <a:ext uri="{FF2B5EF4-FFF2-40B4-BE49-F238E27FC236}">
+                <a16:creationId xmlns:a16="http://schemas.microsoft.com/office/drawing/2014/main" id="{29BEACE9-05AE-D1D0-32F3-5EA947403A64}"/>
+              </a:ext>
+            </a:extLst>
+          </p:cNvPr>
+          <p:cNvSpPr>
+            <a:spLocks noGrp="1"/>
+          </p:cNvSpPr>
+          <p:nvPr>
+            <p:ph type="title"/>
+          </p:nvPr>
+        </p:nvSpPr>
+        <p:spPr/>
+        <p:txBody>
+          <a:bodyPr/>
+          <a:lstStyle/>
+          <a:p>
+            <a:r>
+              <a:rPr lang="de-DE" dirty="0"/>
+              <a:t>Agenda</a:t>
+            </a:r>
+          </a:p>
+        </p:txBody>
+      </p:sp>
+      <p:graphicFrame>
+        <p:nvGraphicFramePr>
+          <p:cNvPr id="8" name="Inhaltsplatzhalter 7">
+            <a:extLst>
+              <a:ext uri="{FF2B5EF4-FFF2-40B4-BE49-F238E27FC236}">
+                <a16:creationId xmlns:a16="http://schemas.microsoft.com/office/drawing/2014/main" id="{50D74DDB-9355-40D1-B964-FDFEEE0590F6}"/>
+              </a:ext>
+            </a:extLst>
+          </p:cNvPr>
+          <p:cNvGraphicFramePr>
+            <a:graphicFrameLocks noGrp="1"/>
+          </p:cNvGraphicFramePr>
+          <p:nvPr>
+            <p:ph idx="13"/>
+            <p:extLst>
+              <p:ext uri="{D42A27DB-BD31-4B8C-83A1-F6EECF244321}">
+                <p14:modId xmlns:p14="http://schemas.microsoft.com/office/powerpoint/2010/main" val="2807418609"/>
+              </p:ext>
+            </p:extLst>
+          </p:nvPr>
+        </p:nvGraphicFramePr>
+        <p:xfrm>
+          <a:off x="406400" y="2033588"/>
+          <a:ext cx="11377613" cy="4210050"/>
+        </p:xfrm>
+        <a:graphic>
+          <a:graphicData uri="http://schemas.openxmlformats.org/drawingml/2006/diagram">
+            <dgm:relIds xmlns:dgm="http://schemas.openxmlformats.org/drawingml/2006/diagram" xmlns:r="http://schemas.openxmlformats.org/officeDocument/2006/relationships" r:dm="rId2" r:lo="rId3" r:qs="rId4" r:cs="rId5"/>
+          </a:graphicData>
+        </a:graphic>
+      </p:graphicFrame>
+    </p:spTree>
+    <p:extLst>
+      <p:ext uri="{BB962C8B-B14F-4D97-AF65-F5344CB8AC3E}">
+        <p14:creationId xmlns:p14="http://schemas.microsoft.com/office/powerpoint/2010/main" val="1831522838"/>
+      </p:ext>
+    </p:extLst>
+  </p:cSld>
+  <p:clrMapOvr>
+    <a:masterClrMapping/>
+  </p:clrMapOvr>
+</p:sld>
+</file>
+
+<file path=ppt/slides/slide20.xml><?xml version="1.0" encoding="utf-8"?>
 <p:sld xmlns:a="http://schemas.openxmlformats.org/drawingml/2006/main" xmlns:r="http://schemas.openxmlformats.org/officeDocument/2006/relationships" xmlns:p="http://schemas.openxmlformats.org/presentationml/2006/main">
   <p:cSld>
     <p:spTree>
@@ -42280,7 +43303,7 @@
             <a:fld id="{E6B5151A-17C4-4431-8407-112C0160A8B6}" type="slidenum">
               <a:rPr lang="de-DE" smtClean="0"/>
               <a:pPr/>
-              <a:t>19</a:t>
+              <a:t>20</a:t>
             </a:fld>
             <a:endParaRPr lang="de-DE" dirty="0"/>
           </a:p>
@@ -43039,187 +44062,6 @@
 </p:sld>
 </file>
 
-<file path=ppt/slides/slide2.xml><?xml version="1.0" encoding="utf-8"?>
-<p:sld xmlns:a="http://schemas.openxmlformats.org/drawingml/2006/main" xmlns:r="http://schemas.openxmlformats.org/officeDocument/2006/relationships" xmlns:p="http://schemas.openxmlformats.org/presentationml/2006/main">
-  <p:cSld>
-    <p:spTree>
-      <p:nvGrpSpPr>
-        <p:cNvPr id="1" name=""/>
-        <p:cNvGrpSpPr/>
-        <p:nvPr/>
-      </p:nvGrpSpPr>
-      <p:grpSpPr>
-        <a:xfrm>
-          <a:off x="0" y="0"/>
-          <a:ext cx="0" cy="0"/>
-          <a:chOff x="0" y="0"/>
-          <a:chExt cx="0" cy="0"/>
-        </a:xfrm>
-      </p:grpSpPr>
-      <p:sp>
-        <p:nvSpPr>
-          <p:cNvPr id="3" name="Datumsplatzhalter 2">
-            <a:extLst>
-              <a:ext uri="{FF2B5EF4-FFF2-40B4-BE49-F238E27FC236}">
-                <a16:creationId xmlns:a16="http://schemas.microsoft.com/office/drawing/2014/main" id="{21C5918A-A473-9C9E-758D-869B1821DFC0}"/>
-              </a:ext>
-            </a:extLst>
-          </p:cNvPr>
-          <p:cNvSpPr>
-            <a:spLocks noGrp="1"/>
-          </p:cNvSpPr>
-          <p:nvPr>
-            <p:ph type="dt" sz="half" idx="10"/>
-          </p:nvPr>
-        </p:nvSpPr>
-        <p:spPr/>
-        <p:txBody>
-          <a:bodyPr/>
-          <a:lstStyle/>
-          <a:p>
-            <a:r>
-              <a:rPr lang="de-DE"/>
-              <a:t>Campus Sontheim</a:t>
-            </a:r>
-            <a:endParaRPr lang="de-DE" dirty="0"/>
-          </a:p>
-        </p:txBody>
-      </p:sp>
-      <p:sp>
-        <p:nvSpPr>
-          <p:cNvPr id="4" name="Fußzeilenplatzhalter 3">
-            <a:extLst>
-              <a:ext uri="{FF2B5EF4-FFF2-40B4-BE49-F238E27FC236}">
-                <a16:creationId xmlns:a16="http://schemas.microsoft.com/office/drawing/2014/main" id="{84232008-76AC-D7A5-3A0E-DC55D8EC6909}"/>
-              </a:ext>
-            </a:extLst>
-          </p:cNvPr>
-          <p:cNvSpPr>
-            <a:spLocks noGrp="1"/>
-          </p:cNvSpPr>
-          <p:nvPr>
-            <p:ph type="ftr" sz="quarter" idx="11"/>
-          </p:nvPr>
-        </p:nvSpPr>
-        <p:spPr/>
-        <p:txBody>
-          <a:bodyPr/>
-          <a:lstStyle/>
-          <a:p>
-            <a:r>
-              <a:rPr lang="de-DE"/>
-              <a:t>Sarah-Anne Teuner, Rico Steinke |  T1 / MAS |  WiSe 2022/23</a:t>
-            </a:r>
-            <a:endParaRPr lang="de-DE" dirty="0"/>
-          </a:p>
-        </p:txBody>
-      </p:sp>
-      <p:sp>
-        <p:nvSpPr>
-          <p:cNvPr id="5" name="Foliennummernplatzhalter 4">
-            <a:extLst>
-              <a:ext uri="{FF2B5EF4-FFF2-40B4-BE49-F238E27FC236}">
-                <a16:creationId xmlns:a16="http://schemas.microsoft.com/office/drawing/2014/main" id="{B5286704-8DB8-1A32-86A6-E5E9F169F2EF}"/>
-              </a:ext>
-            </a:extLst>
-          </p:cNvPr>
-          <p:cNvSpPr>
-            <a:spLocks noGrp="1"/>
-          </p:cNvSpPr>
-          <p:nvPr>
-            <p:ph type="sldNum" sz="quarter" idx="12"/>
-          </p:nvPr>
-        </p:nvSpPr>
-        <p:spPr/>
-        <p:txBody>
-          <a:bodyPr/>
-          <a:lstStyle/>
-          <a:p>
-            <a:r>
-              <a:rPr lang="de-DE"/>
-              <a:t>|  </a:t>
-            </a:r>
-            <a:fld id="{E6B5151A-17C4-4431-8407-112C0160A8B6}" type="slidenum">
-              <a:rPr lang="de-DE" smtClean="0"/>
-              <a:pPr/>
-              <a:t>2</a:t>
-            </a:fld>
-            <a:endParaRPr lang="de-DE" dirty="0"/>
-          </a:p>
-        </p:txBody>
-      </p:sp>
-      <p:sp>
-        <p:nvSpPr>
-          <p:cNvPr id="6" name="Titel 5">
-            <a:extLst>
-              <a:ext uri="{FF2B5EF4-FFF2-40B4-BE49-F238E27FC236}">
-                <a16:creationId xmlns:a16="http://schemas.microsoft.com/office/drawing/2014/main" id="{29BEACE9-05AE-D1D0-32F3-5EA947403A64}"/>
-              </a:ext>
-            </a:extLst>
-          </p:cNvPr>
-          <p:cNvSpPr>
-            <a:spLocks noGrp="1"/>
-          </p:cNvSpPr>
-          <p:nvPr>
-            <p:ph type="title"/>
-          </p:nvPr>
-        </p:nvSpPr>
-        <p:spPr/>
-        <p:txBody>
-          <a:bodyPr/>
-          <a:lstStyle/>
-          <a:p>
-            <a:r>
-              <a:rPr lang="de-DE" dirty="0"/>
-              <a:t>Agenda</a:t>
-            </a:r>
-          </a:p>
-        </p:txBody>
-      </p:sp>
-      <p:graphicFrame>
-        <p:nvGraphicFramePr>
-          <p:cNvPr id="8" name="Inhaltsplatzhalter 7">
-            <a:extLst>
-              <a:ext uri="{FF2B5EF4-FFF2-40B4-BE49-F238E27FC236}">
-                <a16:creationId xmlns:a16="http://schemas.microsoft.com/office/drawing/2014/main" id="{50D74DDB-9355-40D1-B964-FDFEEE0590F6}"/>
-              </a:ext>
-            </a:extLst>
-          </p:cNvPr>
-          <p:cNvGraphicFramePr>
-            <a:graphicFrameLocks noGrp="1"/>
-          </p:cNvGraphicFramePr>
-          <p:nvPr>
-            <p:ph idx="13"/>
-            <p:extLst>
-              <p:ext uri="{D42A27DB-BD31-4B8C-83A1-F6EECF244321}">
-                <p14:modId xmlns:p14="http://schemas.microsoft.com/office/powerpoint/2010/main" val="2807418609"/>
-              </p:ext>
-            </p:extLst>
-          </p:nvPr>
-        </p:nvGraphicFramePr>
-        <p:xfrm>
-          <a:off x="406400" y="2033588"/>
-          <a:ext cx="11377613" cy="4210050"/>
-        </p:xfrm>
-        <a:graphic>
-          <a:graphicData uri="http://schemas.openxmlformats.org/drawingml/2006/diagram">
-            <dgm:relIds xmlns:dgm="http://schemas.openxmlformats.org/drawingml/2006/diagram" xmlns:r="http://schemas.openxmlformats.org/officeDocument/2006/relationships" r:dm="rId2" r:lo="rId3" r:qs="rId4" r:cs="rId5"/>
-          </a:graphicData>
-        </a:graphic>
-      </p:graphicFrame>
-    </p:spTree>
-    <p:extLst>
-      <p:ext uri="{BB962C8B-B14F-4D97-AF65-F5344CB8AC3E}">
-        <p14:creationId xmlns:p14="http://schemas.microsoft.com/office/powerpoint/2010/main" val="1831522838"/>
-      </p:ext>
-    </p:extLst>
-  </p:cSld>
-  <p:clrMapOvr>
-    <a:masterClrMapping/>
-  </p:clrMapOvr>
-</p:sld>
-</file>
-
 <file path=ppt/slides/slide3.xml><?xml version="1.0" encoding="utf-8"?>
 <p:sld xmlns:a="http://schemas.openxmlformats.org/drawingml/2006/main" xmlns:r="http://schemas.openxmlformats.org/officeDocument/2006/relationships" xmlns:p="http://schemas.openxmlformats.org/presentationml/2006/main">
   <p:cSld>
@@ -43703,7 +44545,7 @@
                 <a:effectLst/>
                 <a:latin typeface="Arial" panose="020B0604020202020204" pitchFamily="34" charset="0"/>
               </a:rPr>
-              <a:t>Abbildung 1] </a:t>
+              <a:t>Abbildung 2] </a:t>
             </a:r>
             <a:r>
               <a:rPr lang="de-DE" dirty="0"/>
